--- a/Slides-RPR/2019-H1-DAA-L25-Greedy-Algo-MCST-Kruskal.pptx
+++ b/Slides-RPR/2019-H1-DAA-L25-Greedy-Algo-MCST-Kruskal.pptx
@@ -2485,7 +2485,7 @@
       </p:grpSpPr>
       <p:sp>
         <p:nvSpPr>
-          <p:cNvPr id="156" name="Union-Find Approach"/>
+          <p:cNvPr id="157" name="Union-Find Approach"/>
           <p:cNvSpPr txBox="1"/>
           <p:nvPr>
             <p:ph type="title"/>
@@ -2509,7 +2509,7 @@
       </p:sp>
       <p:sp>
         <p:nvSpPr>
-          <p:cNvPr id="157" name="Two operations given below are performed in arbitrary order…"/>
+          <p:cNvPr id="158" name="Two operations given below are performed in arbitrary order…"/>
           <p:cNvSpPr txBox="1"/>
           <p:nvPr>
             <p:ph type="body" idx="1"/>
@@ -2627,7 +2627,7 @@
       </p:sp>
       <p:sp>
         <p:nvSpPr>
-          <p:cNvPr id="158" name="Slide Number"/>
+          <p:cNvPr id="159" name="Slide Number"/>
           <p:cNvSpPr txBox="1"/>
           <p:nvPr>
             <p:ph type="sldNum" sz="quarter" idx="2"/>
@@ -2654,7 +2654,7 @@
       </p:sp>
       <p:sp>
         <p:nvSpPr>
-          <p:cNvPr id="159" name="DAA/Greedy Algorithms"/>
+          <p:cNvPr id="160" name="DAA/Greedy Algorithms"/>
           <p:cNvSpPr txBox="1"/>
           <p:nvPr/>
         </p:nvSpPr>
@@ -2694,7 +2694,7 @@
       </p:sp>
       <p:sp>
         <p:nvSpPr>
-          <p:cNvPr id="160" name="RPR/"/>
+          <p:cNvPr id="161" name="RPR/"/>
           <p:cNvSpPr txBox="1"/>
           <p:nvPr/>
         </p:nvSpPr>
@@ -2771,7 +2771,7 @@
                                       <p:cBhvr>
                                         <p:cTn id="6" fill="hold"/>
                                         <p:tgtEl>
-                                          <p:spTgt spid="157">
+                                          <p:spTgt spid="158">
                                             <p:bg/>
                                           </p:spTgt>
                                         </p:tgtEl>
@@ -2799,7 +2799,7 @@
                                       <p:cBhvr>
                                         <p:cTn id="8" fill="hold"/>
                                         <p:tgtEl>
-                                          <p:spTgt spid="157">
+                                          <p:spTgt spid="158">
                                             <p:txEl>
                                               <p:pRg st="0" end="0"/>
                                             </p:txEl>
@@ -2847,7 +2847,7 @@
                                       <p:cBhvr>
                                         <p:cTn id="12" fill="hold"/>
                                         <p:tgtEl>
-                                          <p:spTgt spid="157">
+                                          <p:spTgt spid="158">
                                             <p:txEl>
                                               <p:pRg st="1" end="1"/>
                                             </p:txEl>
@@ -2895,7 +2895,7 @@
                                       <p:cBhvr>
                                         <p:cTn id="16" fill="hold"/>
                                         <p:tgtEl>
-                                          <p:spTgt spid="157">
+                                          <p:spTgt spid="158">
                                             <p:txEl>
                                               <p:pRg st="2" end="2"/>
                                             </p:txEl>
@@ -2943,7 +2943,7 @@
                                       <p:cBhvr>
                                         <p:cTn id="20" fill="hold"/>
                                         <p:tgtEl>
-                                          <p:spTgt spid="157">
+                                          <p:spTgt spid="158">
                                             <p:txEl>
                                               <p:pRg st="3" end="3"/>
                                             </p:txEl>
@@ -2991,7 +2991,7 @@
                                       <p:cBhvr>
                                         <p:cTn id="24" fill="hold"/>
                                         <p:tgtEl>
-                                          <p:spTgt spid="157">
+                                          <p:spTgt spid="158">
                                             <p:txEl>
                                               <p:pRg st="4" end="4"/>
                                             </p:txEl>
@@ -3039,7 +3039,7 @@
                                       <p:cBhvr>
                                         <p:cTn id="28" fill="hold"/>
                                         <p:tgtEl>
-                                          <p:spTgt spid="157">
+                                          <p:spTgt spid="158">
                                             <p:txEl>
                                               <p:pRg st="5" end="5"/>
                                             </p:txEl>
@@ -3087,7 +3087,7 @@
                                       <p:cBhvr>
                                         <p:cTn id="32" fill="hold"/>
                                         <p:tgtEl>
-                                          <p:spTgt spid="157">
+                                          <p:spTgt spid="158">
                                             <p:txEl>
                                               <p:pRg st="6" end="6"/>
                                             </p:txEl>
@@ -3132,7 +3132,7 @@
       </p:par>
     </p:tnLst>
     <p:bldLst>
-      <p:bldP build="p" bldLvl="5" animBg="1" rev="0" advAuto="0" spid="157" grpId="1"/>
+      <p:bldP build="p" bldLvl="5" animBg="1" rev="0" advAuto="0" spid="158" grpId="1"/>
     </p:bldLst>
   </p:timing>
 </p:sld>
@@ -3157,7 +3157,7 @@
       </p:grpSpPr>
       <p:sp>
         <p:nvSpPr>
-          <p:cNvPr id="162" name="Union-Find Approach"/>
+          <p:cNvPr id="163" name="Union-Find Approach"/>
           <p:cNvSpPr txBox="1"/>
           <p:nvPr>
             <p:ph type="title"/>
@@ -3181,7 +3181,7 @@
       </p:sp>
       <p:sp>
         <p:nvSpPr>
-          <p:cNvPr id="163" name="Approach 1:  Quick Find…"/>
+          <p:cNvPr id="164" name="Approach 1:  Quick Find…"/>
           <p:cNvSpPr txBox="1"/>
           <p:nvPr>
             <p:ph type="body" idx="1"/>
@@ -3398,7 +3398,7 @@
       </p:sp>
       <p:sp>
         <p:nvSpPr>
-          <p:cNvPr id="164" name="Slide Number"/>
+          <p:cNvPr id="165" name="Slide Number"/>
           <p:cNvSpPr txBox="1"/>
           <p:nvPr>
             <p:ph type="sldNum" sz="quarter" idx="2"/>
@@ -3425,7 +3425,7 @@
       </p:sp>
       <p:sp>
         <p:nvSpPr>
-          <p:cNvPr id="165" name="DAA/Greedy Algorithms"/>
+          <p:cNvPr id="166" name="DAA/Greedy Algorithms"/>
           <p:cNvSpPr txBox="1"/>
           <p:nvPr/>
         </p:nvSpPr>
@@ -3465,7 +3465,7 @@
       </p:sp>
       <p:sp>
         <p:nvSpPr>
-          <p:cNvPr id="166" name="RPR/"/>
+          <p:cNvPr id="167" name="RPR/"/>
           <p:cNvSpPr txBox="1"/>
           <p:nvPr/>
         </p:nvSpPr>
@@ -3542,7 +3542,7 @@
                                       <p:cBhvr>
                                         <p:cTn id="6" fill="hold"/>
                                         <p:tgtEl>
-                                          <p:spTgt spid="163">
+                                          <p:spTgt spid="164">
                                             <p:bg/>
                                           </p:spTgt>
                                         </p:tgtEl>
@@ -3570,7 +3570,7 @@
                                       <p:cBhvr>
                                         <p:cTn id="8" fill="hold"/>
                                         <p:tgtEl>
-                                          <p:spTgt spid="163">
+                                          <p:spTgt spid="164">
                                             <p:txEl>
                                               <p:pRg st="0" end="0"/>
                                             </p:txEl>
@@ -3618,7 +3618,7 @@
                                       <p:cBhvr>
                                         <p:cTn id="12" fill="hold"/>
                                         <p:tgtEl>
-                                          <p:spTgt spid="163">
+                                          <p:spTgt spid="164">
                                             <p:txEl>
                                               <p:pRg st="1" end="1"/>
                                             </p:txEl>
@@ -3666,7 +3666,7 @@
                                       <p:cBhvr>
                                         <p:cTn id="16" fill="hold"/>
                                         <p:tgtEl>
-                                          <p:spTgt spid="163">
+                                          <p:spTgt spid="164">
                                             <p:txEl>
                                               <p:pRg st="2" end="2"/>
                                             </p:txEl>
@@ -3714,7 +3714,7 @@
                                       <p:cBhvr>
                                         <p:cTn id="20" fill="hold"/>
                                         <p:tgtEl>
-                                          <p:spTgt spid="163">
+                                          <p:spTgt spid="164">
                                             <p:txEl>
                                               <p:pRg st="3" end="3"/>
                                             </p:txEl>
@@ -3762,7 +3762,7 @@
                                       <p:cBhvr>
                                         <p:cTn id="24" fill="hold"/>
                                         <p:tgtEl>
-                                          <p:spTgt spid="163">
+                                          <p:spTgt spid="164">
                                             <p:txEl>
                                               <p:pRg st="4" end="4"/>
                                             </p:txEl>
@@ -3810,7 +3810,7 @@
                                       <p:cBhvr>
                                         <p:cTn id="28" fill="hold"/>
                                         <p:tgtEl>
-                                          <p:spTgt spid="163">
+                                          <p:spTgt spid="164">
                                             <p:txEl>
                                               <p:pRg st="5" end="5"/>
                                             </p:txEl>
@@ -3858,7 +3858,7 @@
                                       <p:cBhvr>
                                         <p:cTn id="32" fill="hold"/>
                                         <p:tgtEl>
-                                          <p:spTgt spid="163">
+                                          <p:spTgt spid="164">
                                             <p:txEl>
                                               <p:pRg st="6" end="6"/>
                                             </p:txEl>
@@ -3906,7 +3906,7 @@
                                       <p:cBhvr>
                                         <p:cTn id="36" fill="hold"/>
                                         <p:tgtEl>
-                                          <p:spTgt spid="163">
+                                          <p:spTgt spid="164">
                                             <p:txEl>
                                               <p:pRg st="7" end="7"/>
                                             </p:txEl>
@@ -3951,7 +3951,7 @@
       </p:par>
     </p:tnLst>
     <p:bldLst>
-      <p:bldP build="p" bldLvl="5" animBg="1" rev="0" advAuto="0" spid="163" grpId="1"/>
+      <p:bldP build="p" bldLvl="5" animBg="1" rev="0" advAuto="0" spid="164" grpId="1"/>
     </p:bldLst>
   </p:timing>
 </p:sld>
@@ -3976,7 +3976,7 @@
       </p:grpSpPr>
       <p:sp>
         <p:nvSpPr>
-          <p:cNvPr id="168" name="Union-Find Approach: Improved"/>
+          <p:cNvPr id="169" name="Union-Find Approach: Improved"/>
           <p:cNvSpPr txBox="1"/>
           <p:nvPr>
             <p:ph type="title"/>
@@ -4000,7 +4000,7 @@
       </p:sp>
       <p:sp>
         <p:nvSpPr>
-          <p:cNvPr id="169" name="Approach 2: Quick Union…"/>
+          <p:cNvPr id="170" name="Approach 2: Quick Union…"/>
           <p:cNvSpPr txBox="1"/>
           <p:nvPr>
             <p:ph type="body" idx="1"/>
@@ -4195,7 +4195,11 @@
               <a:defRPr sz="3000"/>
             </a:pPr>
             <a:r>
-              <a:t>Union(A,B) is performed by making the pointer of B to point to A. </a:t>
+              <a:rPr i="1" u="sng"/>
+              <a:t>Union</a:t>
+            </a:r>
+            <a:r>
+              <a:t>(A,B) is performed by making the pointer of B to point to A. </a:t>
             </a:r>
           </a:p>
           <a:p>
@@ -4213,7 +4217,7 @@
       </p:sp>
       <p:sp>
         <p:nvSpPr>
-          <p:cNvPr id="170" name="Slide Number"/>
+          <p:cNvPr id="171" name="Slide Number"/>
           <p:cNvSpPr txBox="1"/>
           <p:nvPr>
             <p:ph type="sldNum" sz="quarter" idx="2"/>
@@ -4240,7 +4244,7 @@
       </p:sp>
       <p:sp>
         <p:nvSpPr>
-          <p:cNvPr id="171" name="DAA/Greedy Algorithms"/>
+          <p:cNvPr id="172" name="DAA/Greedy Algorithms"/>
           <p:cNvSpPr txBox="1"/>
           <p:nvPr/>
         </p:nvSpPr>
@@ -4280,7 +4284,7 @@
       </p:sp>
       <p:sp>
         <p:nvSpPr>
-          <p:cNvPr id="172" name="RPR/"/>
+          <p:cNvPr id="173" name="RPR/"/>
           <p:cNvSpPr txBox="1"/>
           <p:nvPr/>
         </p:nvSpPr>
@@ -4357,7 +4361,7 @@
                                       <p:cBhvr>
                                         <p:cTn id="6" fill="hold"/>
                                         <p:tgtEl>
-                                          <p:spTgt spid="169">
+                                          <p:spTgt spid="170">
                                             <p:bg/>
                                           </p:spTgt>
                                         </p:tgtEl>
@@ -4385,7 +4389,7 @@
                                       <p:cBhvr>
                                         <p:cTn id="8" fill="hold"/>
                                         <p:tgtEl>
-                                          <p:spTgt spid="169">
+                                          <p:spTgt spid="170">
                                             <p:txEl>
                                               <p:pRg st="0" end="0"/>
                                             </p:txEl>
@@ -4433,7 +4437,7 @@
                                       <p:cBhvr>
                                         <p:cTn id="12" fill="hold"/>
                                         <p:tgtEl>
-                                          <p:spTgt spid="169">
+                                          <p:spTgt spid="170">
                                             <p:txEl>
                                               <p:pRg st="1" end="1"/>
                                             </p:txEl>
@@ -4481,7 +4485,7 @@
                                       <p:cBhvr>
                                         <p:cTn id="16" fill="hold"/>
                                         <p:tgtEl>
-                                          <p:spTgt spid="169">
+                                          <p:spTgt spid="170">
                                             <p:txEl>
                                               <p:pRg st="2" end="2"/>
                                             </p:txEl>
@@ -4529,7 +4533,7 @@
                                       <p:cBhvr>
                                         <p:cTn id="20" fill="hold"/>
                                         <p:tgtEl>
-                                          <p:spTgt spid="169">
+                                          <p:spTgt spid="170">
                                             <p:txEl>
                                               <p:pRg st="3" end="3"/>
                                             </p:txEl>
@@ -4577,7 +4581,7 @@
                                       <p:cBhvr>
                                         <p:cTn id="24" fill="hold"/>
                                         <p:tgtEl>
-                                          <p:spTgt spid="169">
+                                          <p:spTgt spid="170">
                                             <p:txEl>
                                               <p:pRg st="4" end="4"/>
                                             </p:txEl>
@@ -4625,7 +4629,7 @@
                                       <p:cBhvr>
                                         <p:cTn id="28" fill="hold"/>
                                         <p:tgtEl>
-                                          <p:spTgt spid="169">
+                                          <p:spTgt spid="170">
                                             <p:txEl>
                                               <p:pRg st="5" end="5"/>
                                             </p:txEl>
@@ -4673,7 +4677,7 @@
                                       <p:cBhvr>
                                         <p:cTn id="32" fill="hold"/>
                                         <p:tgtEl>
-                                          <p:spTgt spid="169">
+                                          <p:spTgt spid="170">
                                             <p:txEl>
                                               <p:pRg st="6" end="6"/>
                                             </p:txEl>
@@ -4721,7 +4725,7 @@
                                       <p:cBhvr>
                                         <p:cTn id="36" fill="hold"/>
                                         <p:tgtEl>
-                                          <p:spTgt spid="169">
+                                          <p:spTgt spid="170">
                                             <p:txEl>
                                               <p:pRg st="7" end="7"/>
                                             </p:txEl>
@@ -4769,7 +4773,7 @@
                                       <p:cBhvr>
                                         <p:cTn id="40" fill="hold"/>
                                         <p:tgtEl>
-                                          <p:spTgt spid="169">
+                                          <p:spTgt spid="170">
                                             <p:txEl>
                                               <p:pRg st="8" end="8"/>
                                             </p:txEl>
@@ -4817,7 +4821,7 @@
                                       <p:cBhvr>
                                         <p:cTn id="44" fill="hold"/>
                                         <p:tgtEl>
-                                          <p:spTgt spid="169">
+                                          <p:spTgt spid="170">
                                             <p:txEl>
                                               <p:pRg st="9" end="9"/>
                                             </p:txEl>
@@ -4862,7 +4866,7 @@
       </p:par>
     </p:tnLst>
     <p:bldLst>
-      <p:bldP build="p" bldLvl="5" animBg="1" rev="0" advAuto="0" spid="169" grpId="1"/>
+      <p:bldP build="p" bldLvl="5" animBg="1" rev="0" advAuto="0" spid="170" grpId="1"/>
     </p:bldLst>
   </p:timing>
 </p:sld>
@@ -4887,7 +4891,7 @@
       </p:grpSpPr>
       <p:sp>
         <p:nvSpPr>
-          <p:cNvPr id="174" name="Union-Find Approach: Improved"/>
+          <p:cNvPr id="175" name="Union-Find Approach: Improved"/>
           <p:cNvSpPr txBox="1"/>
           <p:nvPr>
             <p:ph type="title"/>
@@ -4911,7 +4915,7 @@
       </p:sp>
       <p:sp>
         <p:nvSpPr>
-          <p:cNvPr id="175" name="Slide Number"/>
+          <p:cNvPr id="176" name="Slide Number"/>
           <p:cNvSpPr txBox="1"/>
           <p:nvPr>
             <p:ph type="sldNum" sz="quarter" idx="2"/>
@@ -4938,7 +4942,7 @@
       </p:sp>
       <p:sp>
         <p:nvSpPr>
-          <p:cNvPr id="176" name="DAA/Greedy Algorithms"/>
+          <p:cNvPr id="177" name="DAA/Greedy Algorithms"/>
           <p:cNvSpPr txBox="1"/>
           <p:nvPr/>
         </p:nvSpPr>
@@ -4978,7 +4982,7 @@
       </p:sp>
       <p:sp>
         <p:nvSpPr>
-          <p:cNvPr id="177" name="RPR/"/>
+          <p:cNvPr id="178" name="RPR/"/>
           <p:cNvSpPr txBox="1"/>
           <p:nvPr/>
         </p:nvSpPr>
@@ -5018,7 +5022,7 @@
       </p:sp>
       <p:grpSp>
         <p:nvGrpSpPr>
-          <p:cNvPr id="180" name="Group"/>
+          <p:cNvPr id="181" name="Group"/>
           <p:cNvGrpSpPr/>
           <p:nvPr/>
         </p:nvGrpSpPr>
@@ -5032,7 +5036,7 @@
         </p:grpSpPr>
         <p:sp>
           <p:nvSpPr>
-            <p:cNvPr id="178" name="Nil"/>
+            <p:cNvPr id="179" name="Nil"/>
             <p:cNvSpPr/>
             <p:nvPr/>
           </p:nvSpPr>
@@ -5083,7 +5087,7 @@
         </p:sp>
         <p:sp>
           <p:nvSpPr>
-            <p:cNvPr id="179" name="A"/>
+            <p:cNvPr id="180" name="A"/>
             <p:cNvSpPr/>
             <p:nvPr/>
           </p:nvSpPr>
@@ -5135,7 +5139,7 @@
       </p:grpSp>
       <p:sp>
         <p:nvSpPr>
-          <p:cNvPr id="181" name="Rectangle"/>
+          <p:cNvPr id="182" name="Rectangle"/>
           <p:cNvSpPr/>
           <p:nvPr/>
         </p:nvSpPr>
@@ -5170,7 +5174,7 @@
       </p:sp>
       <p:sp>
         <p:nvSpPr>
-          <p:cNvPr id="182" name="C"/>
+          <p:cNvPr id="183" name="C"/>
           <p:cNvSpPr/>
           <p:nvPr/>
         </p:nvSpPr>
@@ -5215,7 +5219,7 @@
       </p:sp>
       <p:grpSp>
         <p:nvGrpSpPr>
-          <p:cNvPr id="185" name="Group"/>
+          <p:cNvPr id="186" name="Group"/>
           <p:cNvGrpSpPr/>
           <p:nvPr/>
         </p:nvGrpSpPr>
@@ -5229,7 +5233,7 @@
         </p:grpSpPr>
         <p:sp>
           <p:nvSpPr>
-            <p:cNvPr id="183" name="Rectangle"/>
+            <p:cNvPr id="184" name="Rectangle"/>
             <p:cNvSpPr/>
             <p:nvPr/>
           </p:nvSpPr>
@@ -5270,7 +5274,7 @@
         </p:sp>
         <p:sp>
           <p:nvSpPr>
-            <p:cNvPr id="184" name="D"/>
+            <p:cNvPr id="185" name="D"/>
             <p:cNvSpPr/>
             <p:nvPr/>
           </p:nvSpPr>
@@ -5322,7 +5326,7 @@
       </p:grpSp>
       <p:grpSp>
         <p:nvGrpSpPr>
-          <p:cNvPr id="188" name="Group"/>
+          <p:cNvPr id="189" name="Group"/>
           <p:cNvGrpSpPr/>
           <p:nvPr/>
         </p:nvGrpSpPr>
@@ -5336,7 +5340,7 @@
         </p:grpSpPr>
         <p:sp>
           <p:nvSpPr>
-            <p:cNvPr id="186" name="Nil"/>
+            <p:cNvPr id="187" name="Nil"/>
             <p:cNvSpPr/>
             <p:nvPr/>
           </p:nvSpPr>
@@ -5387,7 +5391,7 @@
         </p:sp>
         <p:sp>
           <p:nvSpPr>
-            <p:cNvPr id="187" name="B"/>
+            <p:cNvPr id="188" name="B"/>
             <p:cNvSpPr/>
             <p:nvPr/>
           </p:nvSpPr>
@@ -5439,7 +5443,7 @@
       </p:grpSp>
       <p:grpSp>
         <p:nvGrpSpPr>
-          <p:cNvPr id="191" name="Group"/>
+          <p:cNvPr id="192" name="Group"/>
           <p:cNvGrpSpPr/>
           <p:nvPr/>
         </p:nvGrpSpPr>
@@ -5453,7 +5457,7 @@
         </p:grpSpPr>
         <p:sp>
           <p:nvSpPr>
-            <p:cNvPr id="189" name="Rectangle"/>
+            <p:cNvPr id="190" name="Rectangle"/>
             <p:cNvSpPr/>
             <p:nvPr/>
           </p:nvSpPr>
@@ -5494,7 +5498,7 @@
         </p:sp>
         <p:sp>
           <p:nvSpPr>
-            <p:cNvPr id="190" name="E"/>
+            <p:cNvPr id="191" name="E"/>
             <p:cNvSpPr/>
             <p:nvPr/>
           </p:nvSpPr>
@@ -5546,7 +5550,7 @@
       </p:grpSp>
       <p:grpSp>
         <p:nvGrpSpPr>
-          <p:cNvPr id="194" name="Group"/>
+          <p:cNvPr id="195" name="Group"/>
           <p:cNvGrpSpPr/>
           <p:nvPr/>
         </p:nvGrpSpPr>
@@ -5560,7 +5564,7 @@
         </p:grpSpPr>
         <p:sp>
           <p:nvSpPr>
-            <p:cNvPr id="192" name="Rectangle"/>
+            <p:cNvPr id="193" name="Rectangle"/>
             <p:cNvSpPr/>
             <p:nvPr/>
           </p:nvSpPr>
@@ -5601,7 +5605,7 @@
         </p:sp>
         <p:sp>
           <p:nvSpPr>
-            <p:cNvPr id="193" name="F"/>
+            <p:cNvPr id="194" name="F"/>
             <p:cNvSpPr/>
             <p:nvPr/>
           </p:nvSpPr>
@@ -5653,7 +5657,7 @@
       </p:grpSp>
       <p:sp>
         <p:nvSpPr>
-          <p:cNvPr id="195" name="Line"/>
+          <p:cNvPr id="196" name="Line"/>
           <p:cNvSpPr/>
           <p:nvPr/>
         </p:nvSpPr>
@@ -5682,7 +5686,7 @@
       </p:sp>
       <p:sp>
         <p:nvSpPr>
-          <p:cNvPr id="196" name="Line"/>
+          <p:cNvPr id="197" name="Line"/>
           <p:cNvSpPr/>
           <p:nvPr/>
         </p:nvSpPr>
@@ -5711,7 +5715,7 @@
       </p:sp>
       <p:sp>
         <p:nvSpPr>
-          <p:cNvPr id="197" name="Line"/>
+          <p:cNvPr id="198" name="Line"/>
           <p:cNvSpPr/>
           <p:nvPr/>
         </p:nvSpPr>
@@ -5740,7 +5744,7 @@
       </p:sp>
       <p:grpSp>
         <p:nvGrpSpPr>
-          <p:cNvPr id="200" name="Group"/>
+          <p:cNvPr id="201" name="Group"/>
           <p:cNvGrpSpPr/>
           <p:nvPr/>
         </p:nvGrpSpPr>
@@ -5754,7 +5758,7 @@
         </p:grpSpPr>
         <p:sp>
           <p:nvSpPr>
-            <p:cNvPr id="198" name="Nil"/>
+            <p:cNvPr id="199" name="Nil"/>
             <p:cNvSpPr/>
             <p:nvPr/>
           </p:nvSpPr>
@@ -5805,7 +5809,7 @@
         </p:sp>
         <p:sp>
           <p:nvSpPr>
-            <p:cNvPr id="199" name="G"/>
+            <p:cNvPr id="200" name="G"/>
             <p:cNvSpPr/>
             <p:nvPr/>
           </p:nvSpPr>
@@ -5857,7 +5861,7 @@
       </p:grpSp>
       <p:sp>
         <p:nvSpPr>
-          <p:cNvPr id="201" name="Line"/>
+          <p:cNvPr id="202" name="Line"/>
           <p:cNvSpPr/>
           <p:nvPr/>
         </p:nvSpPr>
@@ -5886,7 +5890,7 @@
       </p:sp>
       <p:sp>
         <p:nvSpPr>
-          <p:cNvPr id="202" name="Fig: Representation for Union Find problem"/>
+          <p:cNvPr id="203" name="Fig: Representation for Union Find problem"/>
           <p:cNvSpPr txBox="1"/>
           <p:nvPr/>
         </p:nvSpPr>
@@ -5931,7 +5935,7 @@
       </p:sp>
       <p:sp>
         <p:nvSpPr>
-          <p:cNvPr id="203" name="The element at root of the Tree is the identity of group.…"/>
+          <p:cNvPr id="204" name="The element at root of the Tree is the identity of group.…"/>
           <p:cNvSpPr txBox="1"/>
           <p:nvPr/>
         </p:nvSpPr>
@@ -6028,7 +6032,7 @@
                                       <p:cBhvr>
                                         <p:cTn id="6" fill="hold"/>
                                         <p:tgtEl>
-                                          <p:spTgt spid="203">
+                                          <p:spTgt spid="204">
                                             <p:bg/>
                                           </p:spTgt>
                                         </p:tgtEl>
@@ -6056,7 +6060,7 @@
                                       <p:cBhvr>
                                         <p:cTn id="8" fill="hold"/>
                                         <p:tgtEl>
-                                          <p:spTgt spid="203">
+                                          <p:spTgt spid="204">
                                             <p:txEl>
                                               <p:pRg st="0" end="0"/>
                                             </p:txEl>
@@ -6104,7 +6108,7 @@
                                       <p:cBhvr>
                                         <p:cTn id="12" fill="hold"/>
                                         <p:tgtEl>
-                                          <p:spTgt spid="203">
+                                          <p:spTgt spid="204">
                                             <p:txEl>
                                               <p:pRg st="1" end="1"/>
                                             </p:txEl>
@@ -6149,7 +6153,7 @@
       </p:par>
     </p:tnLst>
     <p:bldLst>
-      <p:bldP build="p" bldLvl="5" animBg="1" rev="0" advAuto="0" spid="203" grpId="1"/>
+      <p:bldP build="p" bldLvl="5" animBg="1" rev="0" advAuto="0" spid="204" grpId="1"/>
     </p:bldLst>
   </p:timing>
 </p:sld>
@@ -6174,7 +6178,7 @@
       </p:grpSpPr>
       <p:sp>
         <p:nvSpPr>
-          <p:cNvPr id="205" name="Union-Find Approach: Improved"/>
+          <p:cNvPr id="206" name="Union-Find Approach: Improved"/>
           <p:cNvSpPr txBox="1"/>
           <p:nvPr>
             <p:ph type="title"/>
@@ -6198,7 +6202,7 @@
       </p:sp>
       <p:sp>
         <p:nvSpPr>
-          <p:cNvPr id="206" name="Slide Number"/>
+          <p:cNvPr id="207" name="Slide Number"/>
           <p:cNvSpPr txBox="1"/>
           <p:nvPr>
             <p:ph type="sldNum" sz="quarter" idx="2"/>
@@ -6225,7 +6229,7 @@
       </p:sp>
       <p:sp>
         <p:nvSpPr>
-          <p:cNvPr id="207" name="DAA/Greedy Algorithms"/>
+          <p:cNvPr id="208" name="DAA/Greedy Algorithms"/>
           <p:cNvSpPr txBox="1"/>
           <p:nvPr/>
         </p:nvSpPr>
@@ -6265,7 +6269,7 @@
       </p:sp>
       <p:sp>
         <p:nvSpPr>
-          <p:cNvPr id="208" name="RPR/"/>
+          <p:cNvPr id="209" name="RPR/"/>
           <p:cNvSpPr txBox="1"/>
           <p:nvPr/>
         </p:nvSpPr>
@@ -6305,7 +6309,7 @@
       </p:sp>
       <p:grpSp>
         <p:nvGrpSpPr>
-          <p:cNvPr id="211" name="Group"/>
+          <p:cNvPr id="212" name="Group"/>
           <p:cNvGrpSpPr/>
           <p:nvPr/>
         </p:nvGrpSpPr>
@@ -6319,7 +6323,7 @@
         </p:grpSpPr>
         <p:sp>
           <p:nvSpPr>
-            <p:cNvPr id="209" name="Nil"/>
+            <p:cNvPr id="210" name="Nil"/>
             <p:cNvSpPr/>
             <p:nvPr/>
           </p:nvSpPr>
@@ -6370,7 +6374,7 @@
         </p:sp>
         <p:sp>
           <p:nvSpPr>
-            <p:cNvPr id="210" name="A"/>
+            <p:cNvPr id="211" name="A"/>
             <p:cNvSpPr/>
             <p:nvPr/>
           </p:nvSpPr>
@@ -6422,7 +6426,7 @@
       </p:grpSp>
       <p:sp>
         <p:nvSpPr>
-          <p:cNvPr id="212" name="Rectangle"/>
+          <p:cNvPr id="213" name="Rectangle"/>
           <p:cNvSpPr/>
           <p:nvPr/>
         </p:nvSpPr>
@@ -6457,7 +6461,7 @@
       </p:sp>
       <p:sp>
         <p:nvSpPr>
-          <p:cNvPr id="213" name="C"/>
+          <p:cNvPr id="214" name="C"/>
           <p:cNvSpPr/>
           <p:nvPr/>
         </p:nvSpPr>
@@ -6502,7 +6506,7 @@
       </p:sp>
       <p:grpSp>
         <p:nvGrpSpPr>
-          <p:cNvPr id="216" name="Group"/>
+          <p:cNvPr id="217" name="Group"/>
           <p:cNvGrpSpPr/>
           <p:nvPr/>
         </p:nvGrpSpPr>
@@ -6516,7 +6520,7 @@
         </p:grpSpPr>
         <p:sp>
           <p:nvSpPr>
-            <p:cNvPr id="214" name="Rectangle"/>
+            <p:cNvPr id="215" name="Rectangle"/>
             <p:cNvSpPr/>
             <p:nvPr/>
           </p:nvSpPr>
@@ -6557,7 +6561,7 @@
         </p:sp>
         <p:sp>
           <p:nvSpPr>
-            <p:cNvPr id="215" name="D"/>
+            <p:cNvPr id="216" name="D"/>
             <p:cNvSpPr/>
             <p:nvPr/>
           </p:nvSpPr>
@@ -6609,7 +6613,7 @@
       </p:grpSp>
       <p:grpSp>
         <p:nvGrpSpPr>
-          <p:cNvPr id="219" name="Group"/>
+          <p:cNvPr id="220" name="Group"/>
           <p:cNvGrpSpPr/>
           <p:nvPr/>
         </p:nvGrpSpPr>
@@ -6623,7 +6627,7 @@
         </p:grpSpPr>
         <p:sp>
           <p:nvSpPr>
-            <p:cNvPr id="217" name="Nil"/>
+            <p:cNvPr id="218" name="Nil"/>
             <p:cNvSpPr/>
             <p:nvPr/>
           </p:nvSpPr>
@@ -6674,7 +6678,7 @@
         </p:sp>
         <p:sp>
           <p:nvSpPr>
-            <p:cNvPr id="218" name="B"/>
+            <p:cNvPr id="219" name="B"/>
             <p:cNvSpPr/>
             <p:nvPr/>
           </p:nvSpPr>
@@ -6726,7 +6730,7 @@
       </p:grpSp>
       <p:grpSp>
         <p:nvGrpSpPr>
-          <p:cNvPr id="222" name="Group"/>
+          <p:cNvPr id="223" name="Group"/>
           <p:cNvGrpSpPr/>
           <p:nvPr/>
         </p:nvGrpSpPr>
@@ -6740,7 +6744,7 @@
         </p:grpSpPr>
         <p:sp>
           <p:nvSpPr>
-            <p:cNvPr id="220" name="Rectangle"/>
+            <p:cNvPr id="221" name="Rectangle"/>
             <p:cNvSpPr/>
             <p:nvPr/>
           </p:nvSpPr>
@@ -6781,7 +6785,7 @@
         </p:sp>
         <p:sp>
           <p:nvSpPr>
-            <p:cNvPr id="221" name="E"/>
+            <p:cNvPr id="222" name="E"/>
             <p:cNvSpPr/>
             <p:nvPr/>
           </p:nvSpPr>
@@ -6833,7 +6837,7 @@
       </p:grpSp>
       <p:grpSp>
         <p:nvGrpSpPr>
-          <p:cNvPr id="225" name="Group"/>
+          <p:cNvPr id="226" name="Group"/>
           <p:cNvGrpSpPr/>
           <p:nvPr/>
         </p:nvGrpSpPr>
@@ -6847,7 +6851,7 @@
         </p:grpSpPr>
         <p:sp>
           <p:nvSpPr>
-            <p:cNvPr id="223" name="Rectangle"/>
+            <p:cNvPr id="224" name="Rectangle"/>
             <p:cNvSpPr/>
             <p:nvPr/>
           </p:nvSpPr>
@@ -6888,7 +6892,7 @@
         </p:sp>
         <p:sp>
           <p:nvSpPr>
-            <p:cNvPr id="224" name="F"/>
+            <p:cNvPr id="225" name="F"/>
             <p:cNvSpPr/>
             <p:nvPr/>
           </p:nvSpPr>
@@ -6940,7 +6944,7 @@
       </p:grpSp>
       <p:sp>
         <p:nvSpPr>
-          <p:cNvPr id="226" name="Line"/>
+          <p:cNvPr id="227" name="Line"/>
           <p:cNvSpPr/>
           <p:nvPr/>
         </p:nvSpPr>
@@ -6969,7 +6973,7 @@
       </p:sp>
       <p:sp>
         <p:nvSpPr>
-          <p:cNvPr id="227" name="Line"/>
+          <p:cNvPr id="228" name="Line"/>
           <p:cNvSpPr/>
           <p:nvPr/>
         </p:nvSpPr>
@@ -6998,7 +7002,7 @@
       </p:sp>
       <p:sp>
         <p:nvSpPr>
-          <p:cNvPr id="228" name="Line"/>
+          <p:cNvPr id="229" name="Line"/>
           <p:cNvSpPr/>
           <p:nvPr/>
         </p:nvSpPr>
@@ -7027,7 +7031,7 @@
       </p:sp>
       <p:grpSp>
         <p:nvGrpSpPr>
-          <p:cNvPr id="231" name="Group"/>
+          <p:cNvPr id="232" name="Group"/>
           <p:cNvGrpSpPr/>
           <p:nvPr/>
         </p:nvGrpSpPr>
@@ -7041,7 +7045,7 @@
         </p:grpSpPr>
         <p:sp>
           <p:nvSpPr>
-            <p:cNvPr id="229" name="Nil"/>
+            <p:cNvPr id="230" name="Nil"/>
             <p:cNvSpPr/>
             <p:nvPr/>
           </p:nvSpPr>
@@ -7092,7 +7096,7 @@
         </p:sp>
         <p:sp>
           <p:nvSpPr>
-            <p:cNvPr id="230" name="G"/>
+            <p:cNvPr id="231" name="G"/>
             <p:cNvSpPr/>
             <p:nvPr/>
           </p:nvSpPr>
@@ -7144,7 +7148,7 @@
       </p:grpSp>
       <p:sp>
         <p:nvSpPr>
-          <p:cNvPr id="232" name="Line"/>
+          <p:cNvPr id="233" name="Line"/>
           <p:cNvSpPr/>
           <p:nvPr/>
         </p:nvSpPr>
@@ -7173,7 +7177,7 @@
       </p:sp>
       <p:sp>
         <p:nvSpPr>
-          <p:cNvPr id="233" name="Union(A,B) operation…"/>
+          <p:cNvPr id="234" name="Union(A,B) operation…"/>
           <p:cNvSpPr txBox="1"/>
           <p:nvPr/>
         </p:nvSpPr>
@@ -7300,7 +7304,7 @@
       </p:sp>
       <p:sp>
         <p:nvSpPr>
-          <p:cNvPr id="234" name="Line"/>
+          <p:cNvPr id="235" name="Line"/>
           <p:cNvSpPr/>
           <p:nvPr/>
         </p:nvSpPr>
@@ -7366,7 +7370,7 @@
                                       <p:cBhvr>
                                         <p:cTn id="6" fill="hold"/>
                                         <p:tgtEl>
-                                          <p:spTgt spid="233">
+                                          <p:spTgt spid="234">
                                             <p:bg/>
                                           </p:spTgt>
                                         </p:tgtEl>
@@ -7394,7 +7398,7 @@
                                       <p:cBhvr>
                                         <p:cTn id="8" fill="hold"/>
                                         <p:tgtEl>
-                                          <p:spTgt spid="233">
+                                          <p:spTgt spid="234">
                                             <p:txEl>
                                               <p:pRg st="0" end="0"/>
                                             </p:txEl>
@@ -7442,7 +7446,7 @@
                                       <p:cBhvr>
                                         <p:cTn id="12" fill="hold"/>
                                         <p:tgtEl>
-                                          <p:spTgt spid="233">
+                                          <p:spTgt spid="234">
                                             <p:txEl>
                                               <p:pRg st="1" end="1"/>
                                             </p:txEl>
@@ -7490,7 +7494,7 @@
                                       <p:cBhvr>
                                         <p:cTn id="16" fill="hold"/>
                                         <p:tgtEl>
-                                          <p:spTgt spid="233">
+                                          <p:spTgt spid="234">
                                             <p:txEl>
                                               <p:pRg st="2" end="2"/>
                                             </p:txEl>
@@ -7538,7 +7542,7 @@
                                       <p:cBhvr>
                                         <p:cTn id="20" fill="hold"/>
                                         <p:tgtEl>
-                                          <p:spTgt spid="233">
+                                          <p:spTgt spid="234">
                                             <p:txEl>
                                               <p:pRg st="3" end="3"/>
                                             </p:txEl>
@@ -7586,7 +7590,7 @@
                                       <p:cBhvr>
                                         <p:cTn id="24" fill="hold"/>
                                         <p:tgtEl>
-                                          <p:spTgt spid="233">
+                                          <p:spTgt spid="234">
                                             <p:txEl>
                                               <p:pRg st="4" end="4"/>
                                             </p:txEl>
@@ -7634,7 +7638,7 @@
                                       <p:cBhvr>
                                         <p:cTn id="28" fill="hold"/>
                                         <p:tgtEl>
-                                          <p:spTgt spid="234"/>
+                                          <p:spTgt spid="235"/>
                                         </p:tgtEl>
                                         <p:attrNameLst>
                                           <p:attrName>style.visibility</p:attrName>
@@ -7675,8 +7679,8 @@
       </p:par>
     </p:tnLst>
     <p:bldLst>
-      <p:bldP build="whole" bldLvl="1" animBg="1" rev="0" advAuto="0" spid="234" grpId="2"/>
-      <p:bldP build="p" bldLvl="5" animBg="1" rev="0" advAuto="0" spid="233" grpId="1"/>
+      <p:bldP build="whole" bldLvl="1" animBg="1" rev="0" advAuto="0" spid="235" grpId="2"/>
+      <p:bldP build="p" bldLvl="5" animBg="1" rev="0" advAuto="0" spid="234" grpId="1"/>
     </p:bldLst>
   </p:timing>
 </p:sld>
@@ -7701,7 +7705,7 @@
       </p:grpSpPr>
       <p:sp>
         <p:nvSpPr>
-          <p:cNvPr id="236" name="Union-Find Approach: Improved"/>
+          <p:cNvPr id="237" name="Union-Find Approach: Improved"/>
           <p:cNvSpPr txBox="1"/>
           <p:nvPr>
             <p:ph type="title"/>
@@ -7725,7 +7729,7 @@
       </p:sp>
       <p:sp>
         <p:nvSpPr>
-          <p:cNvPr id="237" name="Basic idea: Balance and collapse the tree…"/>
+          <p:cNvPr id="238" name="Basic idea: Balance and collapse the tree…"/>
           <p:cNvSpPr txBox="1"/>
           <p:nvPr>
             <p:ph type="body" idx="1"/>
@@ -7866,7 +7870,7 @@
       </p:sp>
       <p:sp>
         <p:nvSpPr>
-          <p:cNvPr id="238" name="Slide Number"/>
+          <p:cNvPr id="239" name="Slide Number"/>
           <p:cNvSpPr txBox="1"/>
           <p:nvPr>
             <p:ph type="sldNum" sz="quarter" idx="2"/>
@@ -7893,7 +7897,7 @@
       </p:sp>
       <p:sp>
         <p:nvSpPr>
-          <p:cNvPr id="239" name="DAA/Greedy Algorithms"/>
+          <p:cNvPr id="240" name="DAA/Greedy Algorithms"/>
           <p:cNvSpPr txBox="1"/>
           <p:nvPr/>
         </p:nvSpPr>
@@ -7933,7 +7937,7 @@
       </p:sp>
       <p:sp>
         <p:nvSpPr>
-          <p:cNvPr id="240" name="RPR/"/>
+          <p:cNvPr id="241" name="RPR/"/>
           <p:cNvSpPr txBox="1"/>
           <p:nvPr/>
         </p:nvSpPr>
@@ -8010,7 +8014,7 @@
                                       <p:cBhvr>
                                         <p:cTn id="6" fill="hold"/>
                                         <p:tgtEl>
-                                          <p:spTgt spid="237">
+                                          <p:spTgt spid="238">
                                             <p:bg/>
                                           </p:spTgt>
                                         </p:tgtEl>
@@ -8038,7 +8042,7 @@
                                       <p:cBhvr>
                                         <p:cTn id="8" fill="hold"/>
                                         <p:tgtEl>
-                                          <p:spTgt spid="237">
+                                          <p:spTgt spid="238">
                                             <p:txEl>
                                               <p:pRg st="0" end="0"/>
                                             </p:txEl>
@@ -8086,7 +8090,7 @@
                                       <p:cBhvr>
                                         <p:cTn id="12" fill="hold"/>
                                         <p:tgtEl>
-                                          <p:spTgt spid="237">
+                                          <p:spTgt spid="238">
                                             <p:txEl>
                                               <p:pRg st="1" end="1"/>
                                             </p:txEl>
@@ -8134,7 +8138,7 @@
                                       <p:cBhvr>
                                         <p:cTn id="16" fill="hold"/>
                                         <p:tgtEl>
-                                          <p:spTgt spid="237">
+                                          <p:spTgt spid="238">
                                             <p:txEl>
                                               <p:pRg st="2" end="2"/>
                                             </p:txEl>
@@ -8182,7 +8186,7 @@
                                       <p:cBhvr>
                                         <p:cTn id="20" fill="hold"/>
                                         <p:tgtEl>
-                                          <p:spTgt spid="237">
+                                          <p:spTgt spid="238">
                                             <p:txEl>
                                               <p:pRg st="3" end="3"/>
                                             </p:txEl>
@@ -8230,7 +8234,7 @@
                                       <p:cBhvr>
                                         <p:cTn id="24" fill="hold"/>
                                         <p:tgtEl>
-                                          <p:spTgt spid="237">
+                                          <p:spTgt spid="238">
                                             <p:txEl>
                                               <p:pRg st="4" end="4"/>
                                             </p:txEl>
@@ -8278,7 +8282,7 @@
                                       <p:cBhvr>
                                         <p:cTn id="28" fill="hold"/>
                                         <p:tgtEl>
-                                          <p:spTgt spid="237">
+                                          <p:spTgt spid="238">
                                             <p:txEl>
                                               <p:pRg st="5" end="5"/>
                                             </p:txEl>
@@ -8323,7 +8327,7 @@
       </p:par>
     </p:tnLst>
     <p:bldLst>
-      <p:bldP build="p" bldLvl="5" animBg="1" rev="0" advAuto="0" spid="237" grpId="1"/>
+      <p:bldP build="p" bldLvl="5" animBg="1" rev="0" advAuto="0" spid="238" grpId="1"/>
     </p:bldLst>
   </p:timing>
 </p:sld>
@@ -8348,7 +8352,7 @@
       </p:grpSpPr>
       <p:sp>
         <p:nvSpPr>
-          <p:cNvPr id="242" name="Union-Find Approach: Quick Union"/>
+          <p:cNvPr id="243" name="Union-Find Approach: Quick Union"/>
           <p:cNvSpPr txBox="1"/>
           <p:nvPr>
             <p:ph type="title"/>
@@ -8376,7 +8380,7 @@
       </p:sp>
       <p:sp>
         <p:nvSpPr>
-          <p:cNvPr id="243" name="Theorem: When balancing is used, the tree of height h will contain at least 2h nodes.…"/>
+          <p:cNvPr id="244" name="Theorem: When balancing is used, the tree of height h will contain at least 2h nodes.…"/>
           <p:cNvSpPr txBox="1"/>
           <p:nvPr>
             <p:ph type="body" idx="1"/>
@@ -8784,7 +8788,7 @@
       </p:sp>
       <p:sp>
         <p:nvSpPr>
-          <p:cNvPr id="244" name="Slide Number"/>
+          <p:cNvPr id="245" name="Slide Number"/>
           <p:cNvSpPr txBox="1"/>
           <p:nvPr>
             <p:ph type="sldNum" sz="quarter" idx="2"/>
@@ -8811,7 +8815,7 @@
       </p:sp>
       <p:sp>
         <p:nvSpPr>
-          <p:cNvPr id="245" name="DAA/Greedy Algorithms"/>
+          <p:cNvPr id="246" name="DAA/Greedy Algorithms"/>
           <p:cNvSpPr txBox="1"/>
           <p:nvPr/>
         </p:nvSpPr>
@@ -8851,7 +8855,7 @@
       </p:sp>
       <p:sp>
         <p:nvSpPr>
-          <p:cNvPr id="246" name="RPR/"/>
+          <p:cNvPr id="247" name="RPR/"/>
           <p:cNvSpPr txBox="1"/>
           <p:nvPr/>
         </p:nvSpPr>
@@ -8928,7 +8932,7 @@
                                       <p:cBhvr>
                                         <p:cTn id="6" fill="hold"/>
                                         <p:tgtEl>
-                                          <p:spTgt spid="243">
+                                          <p:spTgt spid="244">
                                             <p:bg/>
                                           </p:spTgt>
                                         </p:tgtEl>
@@ -8956,7 +8960,7 @@
                                       <p:cBhvr>
                                         <p:cTn id="8" fill="hold"/>
                                         <p:tgtEl>
-                                          <p:spTgt spid="243">
+                                          <p:spTgt spid="244">
                                             <p:txEl>
                                               <p:pRg st="0" end="0"/>
                                             </p:txEl>
@@ -9004,7 +9008,7 @@
                                       <p:cBhvr>
                                         <p:cTn id="12" fill="hold"/>
                                         <p:tgtEl>
-                                          <p:spTgt spid="243">
+                                          <p:spTgt spid="244">
                                             <p:txEl>
                                               <p:pRg st="1" end="1"/>
                                             </p:txEl>
@@ -9052,7 +9056,7 @@
                                       <p:cBhvr>
                                         <p:cTn id="16" fill="hold"/>
                                         <p:tgtEl>
-                                          <p:spTgt spid="243">
+                                          <p:spTgt spid="244">
                                             <p:txEl>
                                               <p:pRg st="2" end="2"/>
                                             </p:txEl>
@@ -9100,7 +9104,7 @@
                                       <p:cBhvr>
                                         <p:cTn id="20" fill="hold"/>
                                         <p:tgtEl>
-                                          <p:spTgt spid="243">
+                                          <p:spTgt spid="244">
                                             <p:txEl>
                                               <p:pRg st="3" end="3"/>
                                             </p:txEl>
@@ -9148,7 +9152,7 @@
                                       <p:cBhvr>
                                         <p:cTn id="24" fill="hold"/>
                                         <p:tgtEl>
-                                          <p:spTgt spid="243">
+                                          <p:spTgt spid="244">
                                             <p:txEl>
                                               <p:pRg st="4" end="4"/>
                                             </p:txEl>
@@ -9196,7 +9200,7 @@
                                       <p:cBhvr>
                                         <p:cTn id="28" fill="hold"/>
                                         <p:tgtEl>
-                                          <p:spTgt spid="243">
+                                          <p:spTgt spid="244">
                                             <p:txEl>
                                               <p:pRg st="5" end="5"/>
                                             </p:txEl>
@@ -9244,7 +9248,7 @@
                                       <p:cBhvr>
                                         <p:cTn id="32" fill="hold"/>
                                         <p:tgtEl>
-                                          <p:spTgt spid="243">
+                                          <p:spTgt spid="244">
                                             <p:txEl>
                                               <p:pRg st="6" end="6"/>
                                             </p:txEl>
@@ -9292,7 +9296,7 @@
                                       <p:cBhvr>
                                         <p:cTn id="36" fill="hold"/>
                                         <p:tgtEl>
-                                          <p:spTgt spid="243">
+                                          <p:spTgt spid="244">
                                             <p:txEl>
                                               <p:pRg st="7" end="7"/>
                                             </p:txEl>
@@ -9340,7 +9344,7 @@
                                       <p:cBhvr>
                                         <p:cTn id="40" fill="hold"/>
                                         <p:tgtEl>
-                                          <p:spTgt spid="243">
+                                          <p:spTgt spid="244">
                                             <p:txEl>
                                               <p:pRg st="8" end="8"/>
                                             </p:txEl>
@@ -9385,7 +9389,7 @@
       </p:par>
     </p:tnLst>
     <p:bldLst>
-      <p:bldP build="p" bldLvl="5" animBg="1" rev="0" advAuto="0" spid="243" grpId="1"/>
+      <p:bldP build="p" bldLvl="5" animBg="1" rev="0" advAuto="0" spid="244" grpId="1"/>
     </p:bldLst>
   </p:timing>
 </p:sld>
@@ -9410,7 +9414,7 @@
       </p:grpSpPr>
       <p:sp>
         <p:nvSpPr>
-          <p:cNvPr id="248" name="Quick Union of 2 Trees"/>
+          <p:cNvPr id="249" name="Quick Union of 2 Trees"/>
           <p:cNvSpPr txBox="1"/>
           <p:nvPr>
             <p:ph type="title"/>
@@ -9434,7 +9438,7 @@
       </p:sp>
       <p:sp>
         <p:nvSpPr>
-          <p:cNvPr id="249" name="Slide Number"/>
+          <p:cNvPr id="250" name="Slide Number"/>
           <p:cNvSpPr txBox="1"/>
           <p:nvPr>
             <p:ph type="sldNum" sz="quarter" idx="2"/>
@@ -9461,7 +9465,7 @@
       </p:sp>
       <p:sp>
         <p:nvSpPr>
-          <p:cNvPr id="250" name="DAA/Greedy Algorithms"/>
+          <p:cNvPr id="251" name="DAA/Greedy Algorithms"/>
           <p:cNvSpPr txBox="1"/>
           <p:nvPr/>
         </p:nvSpPr>
@@ -9501,7 +9505,7 @@
       </p:sp>
       <p:sp>
         <p:nvSpPr>
-          <p:cNvPr id="251" name="RPR/"/>
+          <p:cNvPr id="252" name="RPR/"/>
           <p:cNvSpPr txBox="1"/>
           <p:nvPr/>
         </p:nvSpPr>
@@ -9541,7 +9545,7 @@
       </p:sp>
       <p:sp>
         <p:nvSpPr>
-          <p:cNvPr id="252" name="1"/>
+          <p:cNvPr id="253" name="1"/>
           <p:cNvSpPr/>
           <p:nvPr/>
         </p:nvSpPr>
@@ -9586,7 +9590,7 @@
       </p:sp>
       <p:sp>
         <p:nvSpPr>
-          <p:cNvPr id="253" name="4"/>
+          <p:cNvPr id="254" name="4"/>
           <p:cNvSpPr/>
           <p:nvPr/>
         </p:nvSpPr>
@@ -9631,7 +9635,7 @@
       </p:sp>
       <p:sp>
         <p:nvSpPr>
-          <p:cNvPr id="254" name="5"/>
+          <p:cNvPr id="255" name="5"/>
           <p:cNvSpPr/>
           <p:nvPr/>
         </p:nvSpPr>
@@ -9676,7 +9680,7 @@
       </p:sp>
       <p:sp>
         <p:nvSpPr>
-          <p:cNvPr id="255" name="2"/>
+          <p:cNvPr id="256" name="2"/>
           <p:cNvSpPr/>
           <p:nvPr/>
         </p:nvSpPr>
@@ -9721,7 +9725,7 @@
       </p:sp>
       <p:sp>
         <p:nvSpPr>
-          <p:cNvPr id="256" name="6"/>
+          <p:cNvPr id="257" name="6"/>
           <p:cNvSpPr/>
           <p:nvPr/>
         </p:nvSpPr>
@@ -9766,7 +9770,7 @@
       </p:sp>
       <p:sp>
         <p:nvSpPr>
-          <p:cNvPr id="257" name="3"/>
+          <p:cNvPr id="258" name="3"/>
           <p:cNvSpPr/>
           <p:nvPr/>
         </p:nvSpPr>
@@ -9811,7 +9815,7 @@
       </p:sp>
       <p:sp>
         <p:nvSpPr>
-          <p:cNvPr id="258" name="Line"/>
+          <p:cNvPr id="259" name="Line"/>
           <p:cNvSpPr/>
           <p:nvPr/>
         </p:nvSpPr>
@@ -9840,7 +9844,7 @@
       </p:sp>
       <p:sp>
         <p:nvSpPr>
-          <p:cNvPr id="259" name="Line"/>
+          <p:cNvPr id="260" name="Line"/>
           <p:cNvSpPr/>
           <p:nvPr/>
         </p:nvSpPr>
@@ -9869,7 +9873,7 @@
       </p:sp>
       <p:sp>
         <p:nvSpPr>
-          <p:cNvPr id="260" name="Line"/>
+          <p:cNvPr id="261" name="Line"/>
           <p:cNvSpPr/>
           <p:nvPr/>
         </p:nvSpPr>
@@ -9898,7 +9902,7 @@
       </p:sp>
       <p:sp>
         <p:nvSpPr>
-          <p:cNvPr id="261" name="Line"/>
+          <p:cNvPr id="262" name="Line"/>
           <p:cNvSpPr/>
           <p:nvPr/>
         </p:nvSpPr>
@@ -9927,7 +9931,7 @@
       </p:sp>
       <p:grpSp>
         <p:nvGrpSpPr>
-          <p:cNvPr id="269" name="Group"/>
+          <p:cNvPr id="270" name="Group"/>
           <p:cNvGrpSpPr/>
           <p:nvPr/>
         </p:nvGrpSpPr>
@@ -9941,7 +9945,7 @@
         </p:grpSpPr>
         <p:sp>
           <p:nvSpPr>
-            <p:cNvPr id="262" name="1"/>
+            <p:cNvPr id="263" name="1"/>
             <p:cNvSpPr/>
             <p:nvPr/>
           </p:nvSpPr>
@@ -9992,7 +9996,7 @@
         </p:sp>
         <p:sp>
           <p:nvSpPr>
-            <p:cNvPr id="263" name="4"/>
+            <p:cNvPr id="264" name="4"/>
             <p:cNvSpPr/>
             <p:nvPr/>
           </p:nvSpPr>
@@ -10043,7 +10047,7 @@
         </p:sp>
         <p:sp>
           <p:nvSpPr>
-            <p:cNvPr id="264" name="5"/>
+            <p:cNvPr id="265" name="5"/>
             <p:cNvSpPr/>
             <p:nvPr/>
           </p:nvSpPr>
@@ -10094,7 +10098,7 @@
         </p:sp>
         <p:sp>
           <p:nvSpPr>
-            <p:cNvPr id="265" name="2"/>
+            <p:cNvPr id="266" name="2"/>
             <p:cNvSpPr/>
             <p:nvPr/>
           </p:nvSpPr>
@@ -10145,7 +10149,7 @@
         </p:sp>
         <p:sp>
           <p:nvSpPr>
-            <p:cNvPr id="266" name="Line"/>
+            <p:cNvPr id="267" name="Line"/>
             <p:cNvSpPr/>
             <p:nvPr/>
           </p:nvSpPr>
@@ -10180,7 +10184,7 @@
         </p:sp>
         <p:sp>
           <p:nvSpPr>
-            <p:cNvPr id="267" name="Line"/>
+            <p:cNvPr id="268" name="Line"/>
             <p:cNvSpPr/>
             <p:nvPr/>
           </p:nvSpPr>
@@ -10215,7 +10219,7 @@
         </p:sp>
         <p:sp>
           <p:nvSpPr>
-            <p:cNvPr id="268" name="Line"/>
+            <p:cNvPr id="269" name="Line"/>
             <p:cNvSpPr/>
             <p:nvPr/>
           </p:nvSpPr>
@@ -10251,7 +10255,7 @@
       </p:grpSp>
       <p:grpSp>
         <p:nvGrpSpPr>
-          <p:cNvPr id="273" name="Group"/>
+          <p:cNvPr id="274" name="Group"/>
           <p:cNvGrpSpPr/>
           <p:nvPr/>
         </p:nvGrpSpPr>
@@ -10265,7 +10269,7 @@
         </p:grpSpPr>
         <p:sp>
           <p:nvSpPr>
-            <p:cNvPr id="270" name="6"/>
+            <p:cNvPr id="271" name="6"/>
             <p:cNvSpPr/>
             <p:nvPr/>
           </p:nvSpPr>
@@ -10316,7 +10320,7 @@
         </p:sp>
         <p:sp>
           <p:nvSpPr>
-            <p:cNvPr id="271" name="3"/>
+            <p:cNvPr id="272" name="3"/>
             <p:cNvSpPr/>
             <p:nvPr/>
           </p:nvSpPr>
@@ -10367,7 +10371,7 @@
         </p:sp>
         <p:sp>
           <p:nvSpPr>
-            <p:cNvPr id="272" name="Line"/>
+            <p:cNvPr id="273" name="Line"/>
             <p:cNvSpPr/>
             <p:nvPr/>
           </p:nvSpPr>
@@ -10403,7 +10407,7 @@
       </p:grpSp>
       <p:sp>
         <p:nvSpPr>
-          <p:cNvPr id="274" name="Line"/>
+          <p:cNvPr id="275" name="Line"/>
           <p:cNvSpPr/>
           <p:nvPr/>
         </p:nvSpPr>
@@ -10432,7 +10436,7 @@
       </p:sp>
       <p:sp>
         <p:nvSpPr>
-          <p:cNvPr id="275" name="Line"/>
+          <p:cNvPr id="276" name="Line"/>
           <p:cNvSpPr/>
           <p:nvPr/>
         </p:nvSpPr>
@@ -10463,7 +10467,7 @@
       </p:sp>
       <p:sp>
         <p:nvSpPr>
-          <p:cNvPr id="276" name="a: Forest representation of…"/>
+          <p:cNvPr id="277" name="a: Forest representation of…"/>
           <p:cNvSpPr txBox="1"/>
           <p:nvPr/>
         </p:nvSpPr>
@@ -10519,7 +10523,7 @@
       </p:sp>
       <p:sp>
         <p:nvSpPr>
-          <p:cNvPr id="277" name="b: Result of quick union"/>
+          <p:cNvPr id="278" name="b: Result of quick union"/>
           <p:cNvSpPr txBox="1"/>
           <p:nvPr/>
         </p:nvSpPr>
@@ -10601,7 +10605,7 @@
                                       <p:cBhvr>
                                         <p:cTn id="6" fill="hold"/>
                                         <p:tgtEl>
-                                          <p:spTgt spid="275"/>
+                                          <p:spTgt spid="276"/>
                                         </p:tgtEl>
                                         <p:attrNameLst>
                                           <p:attrName>style.visibility</p:attrName>
@@ -10645,7 +10649,7 @@
                                       <p:cBhvr>
                                         <p:cTn id="10" fill="hold"/>
                                         <p:tgtEl>
-                                          <p:spTgt spid="269"/>
+                                          <p:spTgt spid="270"/>
                                         </p:tgtEl>
                                         <p:attrNameLst>
                                           <p:attrName>style.visibility</p:attrName>
@@ -10689,7 +10693,7 @@
                                       <p:cBhvr>
                                         <p:cTn id="14" fill="hold"/>
                                         <p:tgtEl>
-                                          <p:spTgt spid="273"/>
+                                          <p:spTgt spid="274"/>
                                         </p:tgtEl>
                                         <p:attrNameLst>
                                           <p:attrName>style.visibility</p:attrName>
@@ -10733,7 +10737,7 @@
                                       <p:cBhvr>
                                         <p:cTn id="18" fill="hold"/>
                                         <p:tgtEl>
-                                          <p:spTgt spid="274"/>
+                                          <p:spTgt spid="275"/>
                                         </p:tgtEl>
                                         <p:attrNameLst>
                                           <p:attrName>style.visibility</p:attrName>
@@ -10777,7 +10781,7 @@
                                       <p:cBhvr>
                                         <p:cTn id="22" fill="hold"/>
                                         <p:tgtEl>
-                                          <p:spTgt spid="277"/>
+                                          <p:spTgt spid="278"/>
                                         </p:tgtEl>
                                         <p:attrNameLst>
                                           <p:attrName>style.visibility</p:attrName>
@@ -10818,11 +10822,11 @@
       </p:par>
     </p:tnLst>
     <p:bldLst>
-      <p:bldP build="whole" bldLvl="1" animBg="1" rev="0" advAuto="0" spid="277" grpId="5"/>
-      <p:bldP build="whole" bldLvl="1" animBg="1" rev="0" advAuto="0" spid="269" grpId="2"/>
-      <p:bldP build="whole" bldLvl="1" animBg="1" rev="0" advAuto="0" spid="275" grpId="1"/>
-      <p:bldP build="whole" bldLvl="1" animBg="1" rev="0" advAuto="0" spid="273" grpId="3"/>
-      <p:bldP build="whole" bldLvl="1" animBg="1" rev="0" advAuto="0" spid="274" grpId="4"/>
+      <p:bldP build="whole" bldLvl="1" animBg="1" rev="0" advAuto="0" spid="276" grpId="1"/>
+      <p:bldP build="whole" bldLvl="1" animBg="1" rev="0" advAuto="0" spid="270" grpId="2"/>
+      <p:bldP build="whole" bldLvl="1" animBg="1" rev="0" advAuto="0" spid="275" grpId="4"/>
+      <p:bldP build="whole" bldLvl="1" animBg="1" rev="0" advAuto="0" spid="274" grpId="3"/>
+      <p:bldP build="whole" bldLvl="1" animBg="1" rev="0" advAuto="0" spid="278" grpId="5"/>
     </p:bldLst>
   </p:timing>
 </p:sld>
@@ -10847,7 +10851,7 @@
       </p:grpSpPr>
       <p:sp>
         <p:nvSpPr>
-          <p:cNvPr id="279" name="Union-Find Approach: Quick Union"/>
+          <p:cNvPr id="280" name="Union-Find Approach: Quick Union"/>
           <p:cNvSpPr txBox="1"/>
           <p:nvPr>
             <p:ph type="title"/>
@@ -10875,7 +10879,7 @@
       </p:sp>
       <p:sp>
         <p:nvSpPr>
-          <p:cNvPr id="280" name="Further improvement…"/>
+          <p:cNvPr id="281" name="Further improvement…"/>
           <p:cNvSpPr txBox="1"/>
           <p:nvPr>
             <p:ph type="body" idx="1"/>
@@ -11043,7 +11047,7 @@
       </p:sp>
       <p:sp>
         <p:nvSpPr>
-          <p:cNvPr id="281" name="Slide Number"/>
+          <p:cNvPr id="282" name="Slide Number"/>
           <p:cNvSpPr txBox="1"/>
           <p:nvPr>
             <p:ph type="sldNum" sz="quarter" idx="2"/>
@@ -11070,7 +11074,7 @@
       </p:sp>
       <p:sp>
         <p:nvSpPr>
-          <p:cNvPr id="282" name="DAA/Greedy Algorithms"/>
+          <p:cNvPr id="283" name="DAA/Greedy Algorithms"/>
           <p:cNvSpPr txBox="1"/>
           <p:nvPr/>
         </p:nvSpPr>
@@ -11110,7 +11114,7 @@
       </p:sp>
       <p:sp>
         <p:nvSpPr>
-          <p:cNvPr id="283" name="RPR/"/>
+          <p:cNvPr id="284" name="RPR/"/>
           <p:cNvSpPr txBox="1"/>
           <p:nvPr/>
         </p:nvSpPr>
@@ -11187,7 +11191,7 @@
                                       <p:cBhvr>
                                         <p:cTn id="6" fill="hold"/>
                                         <p:tgtEl>
-                                          <p:spTgt spid="280">
+                                          <p:spTgt spid="281">
                                             <p:bg/>
                                           </p:spTgt>
                                         </p:tgtEl>
@@ -11215,7 +11219,7 @@
                                       <p:cBhvr>
                                         <p:cTn id="8" fill="hold"/>
                                         <p:tgtEl>
-                                          <p:spTgt spid="280">
+                                          <p:spTgt spid="281">
                                             <p:txEl>
                                               <p:pRg st="0" end="0"/>
                                             </p:txEl>
@@ -11263,7 +11267,7 @@
                                       <p:cBhvr>
                                         <p:cTn id="12" fill="hold"/>
                                         <p:tgtEl>
-                                          <p:spTgt spid="280">
+                                          <p:spTgt spid="281">
                                             <p:txEl>
                                               <p:pRg st="1" end="1"/>
                                             </p:txEl>
@@ -11311,7 +11315,7 @@
                                       <p:cBhvr>
                                         <p:cTn id="16" fill="hold"/>
                                         <p:tgtEl>
-                                          <p:spTgt spid="280">
+                                          <p:spTgt spid="281">
                                             <p:txEl>
                                               <p:pRg st="2" end="2"/>
                                             </p:txEl>
@@ -11359,7 +11363,7 @@
                                       <p:cBhvr>
                                         <p:cTn id="20" fill="hold"/>
                                         <p:tgtEl>
-                                          <p:spTgt spid="280">
+                                          <p:spTgt spid="281">
                                             <p:txEl>
                                               <p:pRg st="3" end="3"/>
                                             </p:txEl>
@@ -11407,7 +11411,7 @@
                                       <p:cBhvr>
                                         <p:cTn id="24" fill="hold"/>
                                         <p:tgtEl>
-                                          <p:spTgt spid="280">
+                                          <p:spTgt spid="281">
                                             <p:txEl>
                                               <p:pRg st="4" end="4"/>
                                             </p:txEl>
@@ -11455,7 +11459,7 @@
                                       <p:cBhvr>
                                         <p:cTn id="28" fill="hold"/>
                                         <p:tgtEl>
-                                          <p:spTgt spid="280">
+                                          <p:spTgt spid="281">
                                             <p:txEl>
                                               <p:pRg st="5" end="5"/>
                                             </p:txEl>
@@ -11503,7 +11507,7 @@
                                       <p:cBhvr>
                                         <p:cTn id="32" fill="hold"/>
                                         <p:tgtEl>
-                                          <p:spTgt spid="280">
+                                          <p:spTgt spid="281">
                                             <p:txEl>
                                               <p:pRg st="6" end="6"/>
                                             </p:txEl>
@@ -11548,7 +11552,7 @@
       </p:par>
     </p:tnLst>
     <p:bldLst>
-      <p:bldP build="p" bldLvl="5" animBg="1" rev="0" advAuto="0" spid="280" grpId="1"/>
+      <p:bldP build="p" bldLvl="5" animBg="1" rev="0" advAuto="0" spid="281" grpId="1"/>
     </p:bldLst>
   </p:timing>
 </p:sld>
@@ -11573,7 +11577,7 @@
       </p:grpSpPr>
       <p:sp>
         <p:nvSpPr>
-          <p:cNvPr id="285" name="Quick Union of 2 Trees"/>
+          <p:cNvPr id="286" name="Quick Union of 2 Trees"/>
           <p:cNvSpPr txBox="1"/>
           <p:nvPr>
             <p:ph type="title"/>
@@ -11597,7 +11601,7 @@
       </p:sp>
       <p:sp>
         <p:nvSpPr>
-          <p:cNvPr id="286" name="Slide Number"/>
+          <p:cNvPr id="287" name="Slide Number"/>
           <p:cNvSpPr txBox="1"/>
           <p:nvPr>
             <p:ph type="sldNum" sz="quarter" idx="2"/>
@@ -11624,7 +11628,7 @@
       </p:sp>
       <p:sp>
         <p:nvSpPr>
-          <p:cNvPr id="287" name="DAA/Greedy Algorithms"/>
+          <p:cNvPr id="288" name="DAA/Greedy Algorithms"/>
           <p:cNvSpPr txBox="1"/>
           <p:nvPr/>
         </p:nvSpPr>
@@ -11664,7 +11668,7 @@
       </p:sp>
       <p:sp>
         <p:nvSpPr>
-          <p:cNvPr id="288" name="RPR/"/>
+          <p:cNvPr id="289" name="RPR/"/>
           <p:cNvSpPr txBox="1"/>
           <p:nvPr/>
         </p:nvSpPr>
@@ -11704,7 +11708,7 @@
       </p:sp>
       <p:sp>
         <p:nvSpPr>
-          <p:cNvPr id="289" name="a: Representation of Tree…"/>
+          <p:cNvPr id="290" name="a: Representation of Tree…"/>
           <p:cNvSpPr txBox="1"/>
           <p:nvPr/>
         </p:nvSpPr>
@@ -11760,7 +11764,7 @@
       </p:sp>
       <p:sp>
         <p:nvSpPr>
-          <p:cNvPr id="290" name="b: Result of path compression…"/>
+          <p:cNvPr id="291" name="b: Result of path compression…"/>
           <p:cNvSpPr txBox="1"/>
           <p:nvPr/>
         </p:nvSpPr>
@@ -11850,7 +11854,7 @@
       </p:sp>
       <p:sp>
         <p:nvSpPr>
-          <p:cNvPr id="291" name="1"/>
+          <p:cNvPr id="292" name="1"/>
           <p:cNvSpPr/>
           <p:nvPr/>
         </p:nvSpPr>
@@ -11895,7 +11899,7 @@
       </p:sp>
       <p:sp>
         <p:nvSpPr>
-          <p:cNvPr id="292" name="4"/>
+          <p:cNvPr id="293" name="4"/>
           <p:cNvSpPr/>
           <p:nvPr/>
         </p:nvSpPr>
@@ -11940,7 +11944,7 @@
       </p:sp>
       <p:sp>
         <p:nvSpPr>
-          <p:cNvPr id="293" name="5"/>
+          <p:cNvPr id="294" name="5"/>
           <p:cNvSpPr/>
           <p:nvPr/>
         </p:nvSpPr>
@@ -11985,7 +11989,7 @@
       </p:sp>
       <p:sp>
         <p:nvSpPr>
-          <p:cNvPr id="294" name="2"/>
+          <p:cNvPr id="295" name="2"/>
           <p:cNvSpPr/>
           <p:nvPr/>
         </p:nvSpPr>
@@ -12030,7 +12034,7 @@
       </p:sp>
       <p:sp>
         <p:nvSpPr>
-          <p:cNvPr id="295" name="Line"/>
+          <p:cNvPr id="296" name="Line"/>
           <p:cNvSpPr/>
           <p:nvPr/>
         </p:nvSpPr>
@@ -12059,7 +12063,7 @@
       </p:sp>
       <p:sp>
         <p:nvSpPr>
-          <p:cNvPr id="296" name="Line"/>
+          <p:cNvPr id="297" name="Line"/>
           <p:cNvSpPr/>
           <p:nvPr/>
         </p:nvSpPr>
@@ -12088,7 +12092,7 @@
       </p:sp>
       <p:sp>
         <p:nvSpPr>
-          <p:cNvPr id="297" name="Line"/>
+          <p:cNvPr id="298" name="Line"/>
           <p:cNvSpPr/>
           <p:nvPr/>
         </p:nvSpPr>
@@ -12117,7 +12121,7 @@
       </p:sp>
       <p:sp>
         <p:nvSpPr>
-          <p:cNvPr id="298" name="6"/>
+          <p:cNvPr id="299" name="6"/>
           <p:cNvSpPr/>
           <p:nvPr/>
         </p:nvSpPr>
@@ -12162,7 +12166,7 @@
       </p:sp>
       <p:sp>
         <p:nvSpPr>
-          <p:cNvPr id="299" name="3"/>
+          <p:cNvPr id="300" name="3"/>
           <p:cNvSpPr/>
           <p:nvPr/>
         </p:nvSpPr>
@@ -12207,7 +12211,7 @@
       </p:sp>
       <p:sp>
         <p:nvSpPr>
-          <p:cNvPr id="300" name="Line"/>
+          <p:cNvPr id="301" name="Line"/>
           <p:cNvSpPr/>
           <p:nvPr/>
         </p:nvSpPr>
@@ -12239,7 +12243,7 @@
       </p:sp>
       <p:sp>
         <p:nvSpPr>
-          <p:cNvPr id="301" name="Line"/>
+          <p:cNvPr id="302" name="Line"/>
           <p:cNvSpPr/>
           <p:nvPr/>
         </p:nvSpPr>
@@ -12271,7 +12275,7 @@
       </p:sp>
       <p:sp>
         <p:nvSpPr>
-          <p:cNvPr id="302" name="7"/>
+          <p:cNvPr id="303" name="7"/>
           <p:cNvSpPr/>
           <p:nvPr/>
         </p:nvSpPr>
@@ -12316,7 +12320,7 @@
       </p:sp>
       <p:sp>
         <p:nvSpPr>
-          <p:cNvPr id="303" name="Line"/>
+          <p:cNvPr id="304" name="Line"/>
           <p:cNvSpPr/>
           <p:nvPr/>
         </p:nvSpPr>
@@ -12345,7 +12349,7 @@
       </p:sp>
       <p:grpSp>
         <p:nvGrpSpPr>
-          <p:cNvPr id="311" name="Group"/>
+          <p:cNvPr id="312" name="Group"/>
           <p:cNvGrpSpPr/>
           <p:nvPr/>
         </p:nvGrpSpPr>
@@ -12359,7 +12363,7 @@
         </p:grpSpPr>
         <p:sp>
           <p:nvSpPr>
-            <p:cNvPr id="304" name="1"/>
+            <p:cNvPr id="305" name="1"/>
             <p:cNvSpPr/>
             <p:nvPr/>
           </p:nvSpPr>
@@ -12410,7 +12414,7 @@
         </p:sp>
         <p:sp>
           <p:nvSpPr>
-            <p:cNvPr id="305" name="4"/>
+            <p:cNvPr id="306" name="4"/>
             <p:cNvSpPr/>
             <p:nvPr/>
           </p:nvSpPr>
@@ -12461,7 +12465,7 @@
         </p:sp>
         <p:sp>
           <p:nvSpPr>
-            <p:cNvPr id="306" name="5"/>
+            <p:cNvPr id="307" name="5"/>
             <p:cNvSpPr/>
             <p:nvPr/>
           </p:nvSpPr>
@@ -12512,7 +12516,7 @@
         </p:sp>
         <p:sp>
           <p:nvSpPr>
-            <p:cNvPr id="307" name="2"/>
+            <p:cNvPr id="308" name="2"/>
             <p:cNvSpPr/>
             <p:nvPr/>
           </p:nvSpPr>
@@ -12563,7 +12567,7 @@
         </p:sp>
         <p:sp>
           <p:nvSpPr>
-            <p:cNvPr id="308" name="Line"/>
+            <p:cNvPr id="309" name="Line"/>
             <p:cNvSpPr/>
             <p:nvPr/>
           </p:nvSpPr>
@@ -12598,7 +12602,7 @@
         </p:sp>
         <p:sp>
           <p:nvSpPr>
-            <p:cNvPr id="309" name="Line"/>
+            <p:cNvPr id="310" name="Line"/>
             <p:cNvSpPr/>
             <p:nvPr/>
           </p:nvSpPr>
@@ -12633,7 +12637,7 @@
         </p:sp>
         <p:sp>
           <p:nvSpPr>
-            <p:cNvPr id="310" name="Line"/>
+            <p:cNvPr id="311" name="Line"/>
             <p:cNvSpPr/>
             <p:nvPr/>
           </p:nvSpPr>
@@ -12669,7 +12673,7 @@
       </p:grpSp>
       <p:sp>
         <p:nvSpPr>
-          <p:cNvPr id="312" name="3"/>
+          <p:cNvPr id="313" name="3"/>
           <p:cNvSpPr/>
           <p:nvPr/>
         </p:nvSpPr>
@@ -12714,7 +12718,7 @@
       </p:sp>
       <p:sp>
         <p:nvSpPr>
-          <p:cNvPr id="313" name="Line"/>
+          <p:cNvPr id="314" name="Line"/>
           <p:cNvSpPr/>
           <p:nvPr/>
         </p:nvSpPr>
@@ -12744,7 +12748,7 @@
       </p:sp>
       <p:sp>
         <p:nvSpPr>
-          <p:cNvPr id="314" name="Line"/>
+          <p:cNvPr id="315" name="Line"/>
           <p:cNvSpPr/>
           <p:nvPr/>
         </p:nvSpPr>
@@ -12773,7 +12777,7 @@
       </p:sp>
       <p:grpSp>
         <p:nvGrpSpPr>
-          <p:cNvPr id="318" name="Group"/>
+          <p:cNvPr id="319" name="Group"/>
           <p:cNvGrpSpPr/>
           <p:nvPr/>
         </p:nvGrpSpPr>
@@ -12787,7 +12791,7 @@
         </p:grpSpPr>
         <p:sp>
           <p:nvSpPr>
-            <p:cNvPr id="315" name="6"/>
+            <p:cNvPr id="316" name="6"/>
             <p:cNvSpPr/>
             <p:nvPr/>
           </p:nvSpPr>
@@ -12838,7 +12842,7 @@
         </p:sp>
         <p:sp>
           <p:nvSpPr>
-            <p:cNvPr id="316" name="7"/>
+            <p:cNvPr id="317" name="7"/>
             <p:cNvSpPr/>
             <p:nvPr/>
           </p:nvSpPr>
@@ -12889,7 +12893,7 @@
         </p:sp>
         <p:sp>
           <p:nvSpPr>
-            <p:cNvPr id="317" name="Line"/>
+            <p:cNvPr id="318" name="Line"/>
             <p:cNvSpPr/>
             <p:nvPr/>
           </p:nvSpPr>
@@ -12925,7 +12929,7 @@
       </p:grpSp>
       <p:sp>
         <p:nvSpPr>
-          <p:cNvPr id="319" name="Line"/>
+          <p:cNvPr id="320" name="Line"/>
           <p:cNvSpPr/>
           <p:nvPr/>
         </p:nvSpPr>
@@ -12993,7 +12997,7 @@
                                       <p:cBhvr>
                                         <p:cTn id="6" fill="hold"/>
                                         <p:tgtEl>
-                                          <p:spTgt spid="319"/>
+                                          <p:spTgt spid="320"/>
                                         </p:tgtEl>
                                         <p:attrNameLst>
                                           <p:attrName>style.visibility</p:attrName>
@@ -13037,7 +13041,7 @@
                                       <p:cBhvr>
                                         <p:cTn id="10" fill="hold"/>
                                         <p:tgtEl>
-                                          <p:spTgt spid="311"/>
+                                          <p:spTgt spid="312"/>
                                         </p:tgtEl>
                                         <p:attrNameLst>
                                           <p:attrName>style.visibility</p:attrName>
@@ -13081,7 +13085,7 @@
                                       <p:cBhvr>
                                         <p:cTn id="14" fill="hold"/>
                                         <p:tgtEl>
-                                          <p:spTgt spid="312"/>
+                                          <p:spTgt spid="313"/>
                                         </p:tgtEl>
                                         <p:attrNameLst>
                                           <p:attrName>style.visibility</p:attrName>
@@ -13125,7 +13129,7 @@
                                       <p:cBhvr>
                                         <p:cTn id="18" fill="hold"/>
                                         <p:tgtEl>
-                                          <p:spTgt spid="314"/>
+                                          <p:spTgt spid="315"/>
                                         </p:tgtEl>
                                         <p:attrNameLst>
                                           <p:attrName>style.visibility</p:attrName>
@@ -13169,7 +13173,7 @@
                                       <p:cBhvr>
                                         <p:cTn id="22" fill="hold"/>
                                         <p:tgtEl>
-                                          <p:spTgt spid="318"/>
+                                          <p:spTgt spid="319"/>
                                         </p:tgtEl>
                                         <p:attrNameLst>
                                           <p:attrName>style.visibility</p:attrName>
@@ -13213,7 +13217,7 @@
                                       <p:cBhvr>
                                         <p:cTn id="26" fill="hold"/>
                                         <p:tgtEl>
-                                          <p:spTgt spid="313"/>
+                                          <p:spTgt spid="314"/>
                                         </p:tgtEl>
                                         <p:attrNameLst>
                                           <p:attrName>style.visibility</p:attrName>
@@ -13257,7 +13261,7 @@
                                       <p:cBhvr>
                                         <p:cTn id="30" fill="hold"/>
                                         <p:tgtEl>
-                                          <p:spTgt spid="290"/>
+                                          <p:spTgt spid="291"/>
                                         </p:tgtEl>
                                         <p:attrNameLst>
                                           <p:attrName>style.visibility</p:attrName>
@@ -13298,13 +13302,13 @@
       </p:par>
     </p:tnLst>
     <p:bldLst>
-      <p:bldP build="whole" bldLvl="1" animBg="1" rev="0" advAuto="0" spid="314" grpId="4"/>
-      <p:bldP build="whole" bldLvl="1" animBg="1" rev="0" advAuto="0" spid="290" grpId="7"/>
-      <p:bldP build="whole" bldLvl="1" animBg="1" rev="0" advAuto="0" spid="319" grpId="1"/>
-      <p:bldP build="whole" bldLvl="1" animBg="1" rev="0" advAuto="0" spid="311" grpId="2"/>
-      <p:bldP build="whole" bldLvl="1" animBg="1" rev="0" advAuto="0" spid="313" grpId="6"/>
-      <p:bldP build="whole" bldLvl="1" animBg="1" rev="0" advAuto="0" spid="318" grpId="5"/>
-      <p:bldP build="whole" bldLvl="1" animBg="1" rev="0" advAuto="0" spid="312" grpId="3"/>
+      <p:bldP build="whole" bldLvl="1" animBg="1" rev="0" advAuto="0" spid="315" grpId="4"/>
+      <p:bldP build="whole" bldLvl="1" animBg="1" rev="0" advAuto="0" spid="320" grpId="1"/>
+      <p:bldP build="whole" bldLvl="1" animBg="1" rev="0" advAuto="0" spid="319" grpId="5"/>
+      <p:bldP build="whole" bldLvl="1" animBg="1" rev="0" advAuto="0" spid="312" grpId="2"/>
+      <p:bldP build="whole" bldLvl="1" animBg="1" rev="0" advAuto="0" spid="314" grpId="6"/>
+      <p:bldP build="whole" bldLvl="1" animBg="1" rev="0" advAuto="0" spid="313" grpId="3"/>
+      <p:bldP build="whole" bldLvl="1" animBg="1" rev="0" advAuto="0" spid="291" grpId="7"/>
     </p:bldLst>
   </p:timing>
 </p:sld>
@@ -13570,7 +13574,7 @@
       </p:grpSpPr>
       <p:sp>
         <p:nvSpPr>
-          <p:cNvPr id="321" name="Iterated Logarithm"/>
+          <p:cNvPr id="322" name="Iterated Logarithm"/>
           <p:cNvSpPr txBox="1"/>
           <p:nvPr>
             <p:ph type="title"/>
@@ -13594,7 +13598,7 @@
       </p:sp>
       <p:sp>
         <p:nvSpPr>
-          <p:cNvPr id="322" name="Iterated logarithm function is defined as…"/>
+          <p:cNvPr id="323" name="Iterated logarithm function is defined as…"/>
           <p:cNvSpPr txBox="1"/>
           <p:nvPr>
             <p:ph type="body" idx="1"/>
@@ -14038,7 +14042,7 @@
       </p:sp>
       <p:sp>
         <p:nvSpPr>
-          <p:cNvPr id="323" name="Slide Number"/>
+          <p:cNvPr id="324" name="Slide Number"/>
           <p:cNvSpPr txBox="1"/>
           <p:nvPr>
             <p:ph type="sldNum" sz="quarter" idx="2"/>
@@ -14065,7 +14069,7 @@
       </p:sp>
       <p:sp>
         <p:nvSpPr>
-          <p:cNvPr id="324" name="DAA/Greedy Algorithms"/>
+          <p:cNvPr id="325" name="DAA/Greedy Algorithms"/>
           <p:cNvSpPr txBox="1"/>
           <p:nvPr/>
         </p:nvSpPr>
@@ -14105,7 +14109,7 @@
       </p:sp>
       <p:sp>
         <p:nvSpPr>
-          <p:cNvPr id="325" name="RPR/"/>
+          <p:cNvPr id="326" name="RPR/"/>
           <p:cNvSpPr txBox="1"/>
           <p:nvPr/>
         </p:nvSpPr>
@@ -14182,7 +14186,7 @@
                                       <p:cBhvr>
                                         <p:cTn id="6" fill="hold"/>
                                         <p:tgtEl>
-                                          <p:spTgt spid="322">
+                                          <p:spTgt spid="323">
                                             <p:bg/>
                                           </p:spTgt>
                                         </p:tgtEl>
@@ -14210,7 +14214,7 @@
                                       <p:cBhvr>
                                         <p:cTn id="8" fill="hold"/>
                                         <p:tgtEl>
-                                          <p:spTgt spid="322">
+                                          <p:spTgt spid="323">
                                             <p:txEl>
                                               <p:pRg st="0" end="0"/>
                                             </p:txEl>
@@ -14258,7 +14262,7 @@
                                       <p:cBhvr>
                                         <p:cTn id="12" fill="hold"/>
                                         <p:tgtEl>
-                                          <p:spTgt spid="322">
+                                          <p:spTgt spid="323">
                                             <p:txEl>
                                               <p:pRg st="1" end="1"/>
                                             </p:txEl>
@@ -14306,7 +14310,7 @@
                                       <p:cBhvr>
                                         <p:cTn id="16" fill="hold"/>
                                         <p:tgtEl>
-                                          <p:spTgt spid="322">
+                                          <p:spTgt spid="323">
                                             <p:txEl>
                                               <p:pRg st="2" end="2"/>
                                             </p:txEl>
@@ -14354,7 +14358,7 @@
                                       <p:cBhvr>
                                         <p:cTn id="20" fill="hold"/>
                                         <p:tgtEl>
-                                          <p:spTgt spid="322">
+                                          <p:spTgt spid="323">
                                             <p:txEl>
                                               <p:pRg st="3" end="3"/>
                                             </p:txEl>
@@ -14402,7 +14406,7 @@
                                       <p:cBhvr>
                                         <p:cTn id="24" fill="hold"/>
                                         <p:tgtEl>
-                                          <p:spTgt spid="322">
+                                          <p:spTgt spid="323">
                                             <p:txEl>
                                               <p:pRg st="4" end="4"/>
                                             </p:txEl>
@@ -14450,7 +14454,7 @@
                                       <p:cBhvr>
                                         <p:cTn id="28" fill="hold"/>
                                         <p:tgtEl>
-                                          <p:spTgt spid="322">
+                                          <p:spTgt spid="323">
                                             <p:txEl>
                                               <p:pRg st="5" end="5"/>
                                             </p:txEl>
@@ -14498,7 +14502,7 @@
                                       <p:cBhvr>
                                         <p:cTn id="32" fill="hold"/>
                                         <p:tgtEl>
-                                          <p:spTgt spid="322">
+                                          <p:spTgt spid="323">
                                             <p:txEl>
                                               <p:pRg st="6" end="6"/>
                                             </p:txEl>
@@ -14546,7 +14550,7 @@
                                       <p:cBhvr>
                                         <p:cTn id="36" fill="hold"/>
                                         <p:tgtEl>
-                                          <p:spTgt spid="322">
+                                          <p:spTgt spid="323">
                                             <p:txEl>
                                               <p:pRg st="7" end="7"/>
                                             </p:txEl>
@@ -14594,7 +14598,7 @@
                                       <p:cBhvr>
                                         <p:cTn id="40" fill="hold"/>
                                         <p:tgtEl>
-                                          <p:spTgt spid="322">
+                                          <p:spTgt spid="323">
                                             <p:txEl>
                                               <p:pRg st="8" end="8"/>
                                             </p:txEl>
@@ -14642,7 +14646,7 @@
                                       <p:cBhvr>
                                         <p:cTn id="44" fill="hold"/>
                                         <p:tgtEl>
-                                          <p:spTgt spid="322">
+                                          <p:spTgt spid="323">
                                             <p:txEl>
                                               <p:pRg st="9" end="9"/>
                                             </p:txEl>
@@ -14690,7 +14694,7 @@
                                       <p:cBhvr>
                                         <p:cTn id="48" fill="hold"/>
                                         <p:tgtEl>
-                                          <p:spTgt spid="322">
+                                          <p:spTgt spid="323">
                                             <p:txEl>
                                               <p:pRg st="10" end="10"/>
                                             </p:txEl>
@@ -14738,7 +14742,7 @@
                                       <p:cBhvr>
                                         <p:cTn id="52" fill="hold"/>
                                         <p:tgtEl>
-                                          <p:spTgt spid="322">
+                                          <p:spTgt spid="323">
                                             <p:txEl>
                                               <p:pRg st="11" end="11"/>
                                             </p:txEl>
@@ -14786,7 +14790,7 @@
                                       <p:cBhvr>
                                         <p:cTn id="56" fill="hold"/>
                                         <p:tgtEl>
-                                          <p:spTgt spid="322">
+                                          <p:spTgt spid="323">
                                             <p:txEl>
                                               <p:pRg st="12" end="12"/>
                                             </p:txEl>
@@ -14831,7 +14835,7 @@
       </p:par>
     </p:tnLst>
     <p:bldLst>
-      <p:bldP build="p" bldLvl="5" animBg="1" rev="0" advAuto="0" spid="322" grpId="1"/>
+      <p:bldP build="p" bldLvl="5" animBg="1" rev="0" advAuto="0" spid="323" grpId="1"/>
     </p:bldLst>
   </p:timing>
 </p:sld>
@@ -14856,7 +14860,7 @@
       </p:grpSpPr>
       <p:sp>
         <p:nvSpPr>
-          <p:cNvPr id="327" name="Summary"/>
+          <p:cNvPr id="328" name="Summary"/>
           <p:cNvSpPr txBox="1"/>
           <p:nvPr>
             <p:ph type="title"/>
@@ -14880,7 +14884,7 @@
       </p:sp>
       <p:sp>
         <p:nvSpPr>
-          <p:cNvPr id="328" name="Kruskal Algo…"/>
+          <p:cNvPr id="329" name="Kruskal Algo…"/>
           <p:cNvSpPr txBox="1"/>
           <p:nvPr>
             <p:ph type="body" idx="1"/>
@@ -14937,7 +14941,7 @@
       </p:sp>
       <p:sp>
         <p:nvSpPr>
-          <p:cNvPr id="329" name="Slide Number"/>
+          <p:cNvPr id="330" name="Slide Number"/>
           <p:cNvSpPr txBox="1"/>
           <p:nvPr>
             <p:ph type="sldNum" sz="quarter" idx="2"/>
@@ -14964,7 +14968,7 @@
       </p:sp>
       <p:sp>
         <p:nvSpPr>
-          <p:cNvPr id="330" name="DAA/Greedy Algorithms"/>
+          <p:cNvPr id="331" name="DAA/Greedy Algorithms"/>
           <p:cNvSpPr txBox="1"/>
           <p:nvPr/>
         </p:nvSpPr>
@@ -15004,7 +15008,7 @@
       </p:sp>
       <p:sp>
         <p:nvSpPr>
-          <p:cNvPr id="331" name="RPR/"/>
+          <p:cNvPr id="332" name="RPR/"/>
           <p:cNvSpPr txBox="1"/>
           <p:nvPr/>
         </p:nvSpPr>
@@ -15081,7 +15085,7 @@
                                       <p:cBhvr>
                                         <p:cTn id="6" fill="hold"/>
                                         <p:tgtEl>
-                                          <p:spTgt spid="328">
+                                          <p:spTgt spid="329">
                                             <p:bg/>
                                           </p:spTgt>
                                         </p:tgtEl>
@@ -15109,7 +15113,7 @@
                                       <p:cBhvr>
                                         <p:cTn id="8" fill="hold"/>
                                         <p:tgtEl>
-                                          <p:spTgt spid="328">
+                                          <p:spTgt spid="329">
                                             <p:txEl>
                                               <p:pRg st="0" end="0"/>
                                             </p:txEl>
@@ -15157,7 +15161,7 @@
                                       <p:cBhvr>
                                         <p:cTn id="12" fill="hold"/>
                                         <p:tgtEl>
-                                          <p:spTgt spid="328">
+                                          <p:spTgt spid="329">
                                             <p:txEl>
                                               <p:pRg st="1" end="1"/>
                                             </p:txEl>
@@ -15205,7 +15209,7 @@
                                       <p:cBhvr>
                                         <p:cTn id="16" fill="hold"/>
                                         <p:tgtEl>
-                                          <p:spTgt spid="328">
+                                          <p:spTgt spid="329">
                                             <p:txEl>
                                               <p:pRg st="2" end="2"/>
                                             </p:txEl>
@@ -15253,7 +15257,7 @@
                                       <p:cBhvr>
                                         <p:cTn id="20" fill="hold"/>
                                         <p:tgtEl>
-                                          <p:spTgt spid="328">
+                                          <p:spTgt spid="329">
                                             <p:txEl>
                                               <p:pRg st="3" end="3"/>
                                             </p:txEl>
@@ -15301,7 +15305,7 @@
                                       <p:cBhvr>
                                         <p:cTn id="24" fill="hold"/>
                                         <p:tgtEl>
-                                          <p:spTgt spid="328">
+                                          <p:spTgt spid="329">
                                             <p:txEl>
                                               <p:pRg st="4" end="4"/>
                                             </p:txEl>
@@ -15346,7 +15350,7 @@
       </p:par>
     </p:tnLst>
     <p:bldLst>
-      <p:bldP build="p" bldLvl="5" animBg="1" rev="0" advAuto="0" spid="328" grpId="1"/>
+      <p:bldP build="p" bldLvl="5" animBg="1" rev="0" advAuto="0" spid="329" grpId="1"/>
     </p:bldLst>
   </p:timing>
 </p:sld>
@@ -15424,33 +15428,69 @@
           <a:p>
             <a:pPr lvl="1"/>
             <a:r>
-              <a:t>Produce MST through a series of expanding forests F</a:t>
-            </a:r>
-            <a:r>
-              <a:rPr baseline="-21199"/>
+              <a:t>Produce MST through a series of expanding forests </a:t>
+            </a:r>
+            <a:r>
+              <a:rPr>
+                <a:latin typeface="Courier New"/>
+                <a:ea typeface="Courier New"/>
+                <a:cs typeface="Courier New"/>
+                <a:sym typeface="Courier New"/>
+              </a:rPr>
+              <a:t>F</a:t>
+            </a:r>
+            <a:r>
+              <a:rPr baseline="-21199">
+                <a:latin typeface="Courier New"/>
+                <a:ea typeface="Courier New"/>
+                <a:cs typeface="Courier New"/>
+                <a:sym typeface="Courier New"/>
+              </a:rPr>
               <a:t>1</a:t>
             </a:r>
             <a:r>
+              <a:rPr>
+                <a:latin typeface="Courier New"/>
+                <a:ea typeface="Courier New"/>
+                <a:cs typeface="Courier New"/>
+                <a:sym typeface="Courier New"/>
+              </a:rPr>
               <a:t>, F</a:t>
             </a:r>
             <a:r>
-              <a:rPr baseline="-21199"/>
+              <a:rPr baseline="-21199">
+                <a:latin typeface="Courier New"/>
+                <a:ea typeface="Courier New"/>
+                <a:cs typeface="Courier New"/>
+                <a:sym typeface="Courier New"/>
+              </a:rPr>
               <a:t>2</a:t>
             </a:r>
             <a:r>
+              <a:rPr>
+                <a:latin typeface="Courier New"/>
+                <a:ea typeface="Courier New"/>
+                <a:cs typeface="Courier New"/>
+                <a:sym typeface="Courier New"/>
+              </a:rPr>
               <a:t>, …, F</a:t>
             </a:r>
             <a:r>
               <a:rPr baseline="-21199" i="1">
-                <a:latin typeface="Times New Roman"/>
-                <a:ea typeface="Times New Roman"/>
-                <a:cs typeface="Times New Roman"/>
-                <a:sym typeface="Times New Roman"/>
+                <a:latin typeface="Courier New"/>
+                <a:ea typeface="Courier New"/>
+                <a:cs typeface="Courier New"/>
+                <a:sym typeface="Courier New"/>
               </a:rPr>
               <a:t>n-</a:t>
             </a:r>
             <a:r>
-              <a:rPr baseline="-21199"/>
+              <a:rPr baseline="-21199">
+                <a:latin typeface="Courier New"/>
+                <a:ea typeface="Courier New"/>
+                <a:cs typeface="Courier New"/>
+                <a:sym typeface="Courier New"/>
+              </a:rPr>
               <a:t>1</a:t>
             </a:r>
             <a:endParaRPr baseline="-21199"/>
@@ -17718,16 +17758,16 @@
       </p:par>
     </p:tnLst>
     <p:bldLst>
+      <p:bldP build="whole" bldLvl="1" animBg="1" rev="0" advAuto="0" spid="74" grpId="7"/>
+      <p:bldP build="whole" bldLvl="1" animBg="1" rev="0" advAuto="0" spid="85" grpId="4"/>
+      <p:bldP build="whole" bldLvl="1" animBg="1" rev="0" advAuto="0" spid="86" grpId="6"/>
+      <p:bldP build="whole" bldLvl="1" animBg="1" rev="0" advAuto="0" spid="74" grpId="8"/>
+      <p:bldP build="whole" bldLvl="1" animBg="1" rev="0" advAuto="0" spid="76" grpId="9"/>
+      <p:bldP build="whole" bldLvl="1" animBg="1" rev="0" advAuto="0" spid="83" grpId="5"/>
+      <p:bldP build="whole" bldLvl="1" animBg="1" rev="0" advAuto="0" spid="76" grpId="10"/>
       <p:bldP build="whole" bldLvl="1" animBg="1" rev="0" advAuto="0" spid="84" grpId="2"/>
       <p:bldP build="whole" bldLvl="1" animBg="1" rev="0" advAuto="0" spid="77" grpId="1"/>
-      <p:bldP build="whole" bldLvl="1" animBg="1" rev="0" advAuto="0" spid="86" grpId="6"/>
       <p:bldP build="whole" bldLvl="1" animBg="1" rev="0" advAuto="0" spid="75" grpId="3"/>
-      <p:bldP build="whole" bldLvl="1" animBg="1" rev="0" advAuto="0" spid="76" grpId="9"/>
-      <p:bldP build="whole" bldLvl="1" animBg="1" rev="0" advAuto="0" spid="76" grpId="10"/>
-      <p:bldP build="whole" bldLvl="1" animBg="1" rev="0" advAuto="0" spid="74" grpId="7"/>
-      <p:bldP build="whole" bldLvl="1" animBg="1" rev="0" advAuto="0" spid="83" grpId="5"/>
-      <p:bldP build="whole" bldLvl="1" animBg="1" rev="0" advAuto="0" spid="74" grpId="8"/>
-      <p:bldP build="whole" bldLvl="1" animBg="1" rev="0" advAuto="0" spid="85" grpId="4"/>
     </p:bldLst>
   </p:timing>
 </p:sld>
@@ -17883,987 +17923,7 @@
       </p:sp>
       <p:sp>
         <p:nvSpPr>
-          <p:cNvPr id="93" name="a"/>
-          <p:cNvSpPr/>
-          <p:nvPr/>
-        </p:nvSpPr>
-        <p:spPr>
-          <a:xfrm>
-            <a:off x="1277639" y="2818158"/>
-            <a:ext cx="803522" cy="839612"/>
-          </a:xfrm>
-          <a:prstGeom prst="ellipse">
-            <a:avLst/>
-          </a:prstGeom>
-          <a:ln w="25400">
-            <a:solidFill>
-              <a:srgbClr val="000000"/>
-            </a:solidFill>
-          </a:ln>
-          <a:extLst>
-            <a:ext uri="{C572A759-6A51-4108-AA02-DFA0A04FC94B}">
-              <ma14:wrappingTextBoxFlag xmlns:ma14="http://schemas.microsoft.com/office/mac/drawingml/2011/main" val="1"/>
-            </a:ext>
-          </a:extLst>
-        </p:spPr>
-        <p:txBody>
-          <a:bodyPr lIns="50800" tIns="50800" rIns="50800" bIns="50800" anchor="ctr"/>
-          <a:lstStyle>
-            <a:lvl1pPr algn="ctr">
-              <a:defRPr b="1" sz="2400">
-                <a:latin typeface="Gill Sans MT"/>
-                <a:ea typeface="Gill Sans MT"/>
-                <a:cs typeface="Gill Sans MT"/>
-                <a:sym typeface="Gill Sans MT"/>
-              </a:defRPr>
-            </a:lvl1pPr>
-          </a:lstStyle>
-          <a:p>
-            <a:pPr/>
-            <a:r>
-              <a:t>a</a:t>
-            </a:r>
-          </a:p>
-        </p:txBody>
-      </p:sp>
-      <p:sp>
-        <p:nvSpPr>
-          <p:cNvPr id="94" name="d"/>
-          <p:cNvSpPr/>
-          <p:nvPr/>
-        </p:nvSpPr>
-        <p:spPr>
-          <a:xfrm>
-            <a:off x="8118506" y="2818158"/>
-            <a:ext cx="803522" cy="839612"/>
-          </a:xfrm>
-          <a:prstGeom prst="ellipse">
-            <a:avLst/>
-          </a:prstGeom>
-          <a:ln w="25400">
-            <a:solidFill>
-              <a:srgbClr val="000000"/>
-            </a:solidFill>
-          </a:ln>
-          <a:extLst>
-            <a:ext uri="{C572A759-6A51-4108-AA02-DFA0A04FC94B}">
-              <ma14:wrappingTextBoxFlag xmlns:ma14="http://schemas.microsoft.com/office/mac/drawingml/2011/main" val="1"/>
-            </a:ext>
-          </a:extLst>
-        </p:spPr>
-        <p:txBody>
-          <a:bodyPr lIns="50800" tIns="50800" rIns="50800" bIns="50800" anchor="ctr"/>
-          <a:lstStyle>
-            <a:lvl1pPr algn="ctr">
-              <a:defRPr b="1" sz="2400">
-                <a:latin typeface="Gill Sans MT"/>
-                <a:ea typeface="Gill Sans MT"/>
-                <a:cs typeface="Gill Sans MT"/>
-                <a:sym typeface="Gill Sans MT"/>
-              </a:defRPr>
-            </a:lvl1pPr>
-          </a:lstStyle>
-          <a:p>
-            <a:pPr/>
-            <a:r>
-              <a:t>d</a:t>
-            </a:r>
-          </a:p>
-        </p:txBody>
-      </p:sp>
-      <p:sp>
-        <p:nvSpPr>
-          <p:cNvPr id="95" name="e"/>
-          <p:cNvSpPr/>
-          <p:nvPr/>
-        </p:nvSpPr>
-        <p:spPr>
-          <a:xfrm>
-            <a:off x="4698072" y="4647298"/>
-            <a:ext cx="803522" cy="839613"/>
-          </a:xfrm>
-          <a:prstGeom prst="ellipse">
-            <a:avLst/>
-          </a:prstGeom>
-          <a:ln w="25400">
-            <a:solidFill>
-              <a:srgbClr val="000000"/>
-            </a:solidFill>
-          </a:ln>
-          <a:extLst>
-            <a:ext uri="{C572A759-6A51-4108-AA02-DFA0A04FC94B}">
-              <ma14:wrappingTextBoxFlag xmlns:ma14="http://schemas.microsoft.com/office/mac/drawingml/2011/main" val="1"/>
-            </a:ext>
-          </a:extLst>
-        </p:spPr>
-        <p:txBody>
-          <a:bodyPr lIns="50800" tIns="50800" rIns="50800" bIns="50800" anchor="ctr"/>
-          <a:lstStyle>
-            <a:lvl1pPr algn="ctr">
-              <a:defRPr b="1" sz="2400">
-                <a:latin typeface="Gill Sans MT"/>
-                <a:ea typeface="Gill Sans MT"/>
-                <a:cs typeface="Gill Sans MT"/>
-                <a:sym typeface="Gill Sans MT"/>
-              </a:defRPr>
-            </a:lvl1pPr>
-          </a:lstStyle>
-          <a:p>
-            <a:pPr/>
-            <a:r>
-              <a:t>e</a:t>
-            </a:r>
-          </a:p>
-        </p:txBody>
-      </p:sp>
-      <p:sp>
-        <p:nvSpPr>
-          <p:cNvPr id="96" name="b"/>
-          <p:cNvSpPr/>
-          <p:nvPr/>
-        </p:nvSpPr>
-        <p:spPr>
-          <a:xfrm>
-            <a:off x="3164575" y="1764405"/>
-            <a:ext cx="803523" cy="839612"/>
-          </a:xfrm>
-          <a:prstGeom prst="ellipse">
-            <a:avLst/>
-          </a:prstGeom>
-          <a:ln w="25400">
-            <a:solidFill>
-              <a:srgbClr val="000000"/>
-            </a:solidFill>
-          </a:ln>
-          <a:extLst>
-            <a:ext uri="{C572A759-6A51-4108-AA02-DFA0A04FC94B}">
-              <ma14:wrappingTextBoxFlag xmlns:ma14="http://schemas.microsoft.com/office/mac/drawingml/2011/main" val="1"/>
-            </a:ext>
-          </a:extLst>
-        </p:spPr>
-        <p:txBody>
-          <a:bodyPr lIns="50800" tIns="50800" rIns="50800" bIns="50800" anchor="ctr"/>
-          <a:lstStyle>
-            <a:lvl1pPr algn="ctr">
-              <a:defRPr b="1" sz="2400">
-                <a:latin typeface="Gill Sans MT"/>
-                <a:ea typeface="Gill Sans MT"/>
-                <a:cs typeface="Gill Sans MT"/>
-                <a:sym typeface="Gill Sans MT"/>
-              </a:defRPr>
-            </a:lvl1pPr>
-          </a:lstStyle>
-          <a:p>
-            <a:pPr/>
-            <a:r>
-              <a:t>b</a:t>
-            </a:r>
-          </a:p>
-        </p:txBody>
-      </p:sp>
-      <p:sp>
-        <p:nvSpPr>
-          <p:cNvPr id="97" name="f"/>
-          <p:cNvSpPr/>
-          <p:nvPr/>
-        </p:nvSpPr>
-        <p:spPr>
-          <a:xfrm>
-            <a:off x="4698072" y="2818158"/>
-            <a:ext cx="803522" cy="839612"/>
-          </a:xfrm>
-          <a:prstGeom prst="ellipse">
-            <a:avLst/>
-          </a:prstGeom>
-          <a:ln w="25400">
-            <a:solidFill>
-              <a:srgbClr val="000000"/>
-            </a:solidFill>
-          </a:ln>
-          <a:extLst>
-            <a:ext uri="{C572A759-6A51-4108-AA02-DFA0A04FC94B}">
-              <ma14:wrappingTextBoxFlag xmlns:ma14="http://schemas.microsoft.com/office/mac/drawingml/2011/main" val="1"/>
-            </a:ext>
-          </a:extLst>
-        </p:spPr>
-        <p:txBody>
-          <a:bodyPr lIns="50800" tIns="50800" rIns="50800" bIns="50800" anchor="ctr"/>
-          <a:lstStyle>
-            <a:lvl1pPr algn="ctr">
-              <a:defRPr b="1" sz="2400">
-                <a:latin typeface="Gill Sans MT"/>
-                <a:ea typeface="Gill Sans MT"/>
-                <a:cs typeface="Gill Sans MT"/>
-                <a:sym typeface="Gill Sans MT"/>
-              </a:defRPr>
-            </a:lvl1pPr>
-          </a:lstStyle>
-          <a:p>
-            <a:pPr/>
-            <a:r>
-              <a:t>f</a:t>
-            </a:r>
-          </a:p>
-        </p:txBody>
-      </p:sp>
-      <p:sp>
-        <p:nvSpPr>
-          <p:cNvPr id="98" name="c"/>
-          <p:cNvSpPr/>
-          <p:nvPr/>
-        </p:nvSpPr>
-        <p:spPr>
-          <a:xfrm>
-            <a:off x="6629600" y="1764405"/>
-            <a:ext cx="803523" cy="839612"/>
-          </a:xfrm>
-          <a:prstGeom prst="ellipse">
-            <a:avLst/>
-          </a:prstGeom>
-          <a:ln w="25400">
-            <a:solidFill>
-              <a:srgbClr val="000000"/>
-            </a:solidFill>
-          </a:ln>
-          <a:extLst>
-            <a:ext uri="{C572A759-6A51-4108-AA02-DFA0A04FC94B}">
-              <ma14:wrappingTextBoxFlag xmlns:ma14="http://schemas.microsoft.com/office/mac/drawingml/2011/main" val="1"/>
-            </a:ext>
-          </a:extLst>
-        </p:spPr>
-        <p:txBody>
-          <a:bodyPr lIns="50800" tIns="50800" rIns="50800" bIns="50800" anchor="ctr"/>
-          <a:lstStyle>
-            <a:lvl1pPr algn="ctr">
-              <a:defRPr b="1" sz="2400">
-                <a:latin typeface="Gill Sans MT"/>
-                <a:ea typeface="Gill Sans MT"/>
-                <a:cs typeface="Gill Sans MT"/>
-                <a:sym typeface="Gill Sans MT"/>
-              </a:defRPr>
-            </a:lvl1pPr>
-          </a:lstStyle>
-          <a:p>
-            <a:pPr/>
-            <a:r>
-              <a:t>c</a:t>
-            </a:r>
-          </a:p>
-        </p:txBody>
-      </p:sp>
-      <p:sp>
-        <p:nvSpPr>
-          <p:cNvPr id="99" name="Line"/>
-          <p:cNvSpPr/>
-          <p:nvPr/>
-        </p:nvSpPr>
-        <p:spPr>
-          <a:xfrm flipV="1">
-            <a:off x="2021875" y="2440419"/>
-            <a:ext cx="1204259" cy="618315"/>
-          </a:xfrm>
-          <a:prstGeom prst="line">
-            <a:avLst/>
-          </a:prstGeom>
-          <a:ln w="25400">
-            <a:solidFill>
-              <a:srgbClr val="000000"/>
-            </a:solidFill>
-          </a:ln>
-        </p:spPr>
-        <p:txBody>
-          <a:bodyPr lIns="0" tIns="0" rIns="0" bIns="0"/>
-          <a:lstStyle/>
-          <a:p>
-            <a:pPr/>
-          </a:p>
-        </p:txBody>
-      </p:sp>
-      <p:sp>
-        <p:nvSpPr>
-          <p:cNvPr id="100" name="Line"/>
-          <p:cNvSpPr/>
-          <p:nvPr/>
-        </p:nvSpPr>
-        <p:spPr>
-          <a:xfrm flipV="1">
-            <a:off x="5484247" y="2440419"/>
-            <a:ext cx="1204259" cy="618315"/>
-          </a:xfrm>
-          <a:prstGeom prst="line">
-            <a:avLst/>
-          </a:prstGeom>
-          <a:ln w="25400">
-            <a:solidFill>
-              <a:srgbClr val="000000"/>
-            </a:solidFill>
-          </a:ln>
-        </p:spPr>
-        <p:txBody>
-          <a:bodyPr lIns="0" tIns="0" rIns="0" bIns="0"/>
-          <a:lstStyle/>
-          <a:p>
-            <a:pPr/>
-          </a:p>
-        </p:txBody>
-      </p:sp>
-      <p:sp>
-        <p:nvSpPr>
-          <p:cNvPr id="101" name="Line"/>
-          <p:cNvSpPr/>
-          <p:nvPr/>
-        </p:nvSpPr>
-        <p:spPr>
-          <a:xfrm flipV="1">
-            <a:off x="5484246" y="3559437"/>
-            <a:ext cx="2651607" cy="1402512"/>
-          </a:xfrm>
-          <a:prstGeom prst="line">
-            <a:avLst/>
-          </a:prstGeom>
-          <a:ln w="25400">
-            <a:solidFill>
-              <a:srgbClr val="000000"/>
-            </a:solidFill>
-          </a:ln>
-        </p:spPr>
-        <p:txBody>
-          <a:bodyPr lIns="0" tIns="0" rIns="0" bIns="0"/>
-          <a:lstStyle/>
-          <a:p>
-            <a:pPr/>
-          </a:p>
-        </p:txBody>
-      </p:sp>
-      <p:sp>
-        <p:nvSpPr>
-          <p:cNvPr id="102" name="Line"/>
-          <p:cNvSpPr/>
-          <p:nvPr/>
-        </p:nvSpPr>
-        <p:spPr>
-          <a:xfrm>
-            <a:off x="1952460" y="3541186"/>
-            <a:ext cx="2727054" cy="1439014"/>
-          </a:xfrm>
-          <a:prstGeom prst="line">
-            <a:avLst/>
-          </a:prstGeom>
-          <a:ln w="25400">
-            <a:solidFill>
-              <a:srgbClr val="000000"/>
-            </a:solidFill>
-          </a:ln>
-        </p:spPr>
-        <p:txBody>
-          <a:bodyPr lIns="0" tIns="0" rIns="0" bIns="0"/>
-          <a:lstStyle/>
-          <a:p>
-            <a:pPr/>
-          </a:p>
-        </p:txBody>
-      </p:sp>
-      <p:sp>
-        <p:nvSpPr>
-          <p:cNvPr id="103" name="Line"/>
-          <p:cNvSpPr/>
-          <p:nvPr/>
-        </p:nvSpPr>
-        <p:spPr>
-          <a:xfrm>
-            <a:off x="3893916" y="2441400"/>
-            <a:ext cx="820545" cy="544969"/>
-          </a:xfrm>
-          <a:prstGeom prst="line">
-            <a:avLst/>
-          </a:prstGeom>
-          <a:ln w="25400">
-            <a:solidFill>
-              <a:srgbClr val="000000"/>
-            </a:solidFill>
-          </a:ln>
-        </p:spPr>
-        <p:txBody>
-          <a:bodyPr lIns="0" tIns="0" rIns="0" bIns="0"/>
-          <a:lstStyle/>
-          <a:p>
-            <a:pPr/>
-          </a:p>
-        </p:txBody>
-      </p:sp>
-      <p:sp>
-        <p:nvSpPr>
-          <p:cNvPr id="104" name="Line"/>
-          <p:cNvSpPr/>
-          <p:nvPr/>
-        </p:nvSpPr>
-        <p:spPr>
-          <a:xfrm>
-            <a:off x="7387603" y="2403076"/>
-            <a:ext cx="820545" cy="544969"/>
-          </a:xfrm>
-          <a:prstGeom prst="line">
-            <a:avLst/>
-          </a:prstGeom>
-          <a:ln w="25400">
-            <a:solidFill>
-              <a:srgbClr val="000000"/>
-            </a:solidFill>
-          </a:ln>
-        </p:spPr>
-        <p:txBody>
-          <a:bodyPr lIns="0" tIns="0" rIns="0" bIns="0"/>
-          <a:lstStyle/>
-          <a:p>
-            <a:pPr/>
-          </a:p>
-        </p:txBody>
-      </p:sp>
-      <p:sp>
-        <p:nvSpPr>
-          <p:cNvPr id="105" name="Line"/>
-          <p:cNvSpPr/>
-          <p:nvPr/>
-        </p:nvSpPr>
-        <p:spPr>
-          <a:xfrm>
-            <a:off x="5476684" y="3300004"/>
-            <a:ext cx="2627289" cy="1"/>
-          </a:xfrm>
-          <a:prstGeom prst="line">
-            <a:avLst/>
-          </a:prstGeom>
-          <a:ln w="25400">
-            <a:solidFill>
-              <a:srgbClr val="000000"/>
-            </a:solidFill>
-          </a:ln>
-        </p:spPr>
-        <p:txBody>
-          <a:bodyPr lIns="0" tIns="0" rIns="0" bIns="0"/>
-          <a:lstStyle/>
-          <a:p>
-            <a:pPr/>
-          </a:p>
-        </p:txBody>
-      </p:sp>
-      <p:sp>
-        <p:nvSpPr>
-          <p:cNvPr id="106" name="Line"/>
-          <p:cNvSpPr/>
-          <p:nvPr/>
-        </p:nvSpPr>
-        <p:spPr>
-          <a:xfrm>
-            <a:off x="2103937" y="3300004"/>
-            <a:ext cx="2627290" cy="1"/>
-          </a:xfrm>
-          <a:prstGeom prst="line">
-            <a:avLst/>
-          </a:prstGeom>
-          <a:ln w="25400">
-            <a:solidFill>
-              <a:srgbClr val="000000"/>
-            </a:solidFill>
-          </a:ln>
-        </p:spPr>
-        <p:txBody>
-          <a:bodyPr lIns="0" tIns="0" rIns="0" bIns="0"/>
-          <a:lstStyle/>
-          <a:p>
-            <a:pPr/>
-          </a:p>
-        </p:txBody>
-      </p:sp>
-      <p:sp>
-        <p:nvSpPr>
-          <p:cNvPr id="107" name="Line"/>
-          <p:cNvSpPr/>
-          <p:nvPr/>
-        </p:nvSpPr>
-        <p:spPr>
-          <a:xfrm>
-            <a:off x="4016037" y="2127764"/>
-            <a:ext cx="2627289" cy="1"/>
-          </a:xfrm>
-          <a:prstGeom prst="line">
-            <a:avLst/>
-          </a:prstGeom>
-          <a:ln w="25400">
-            <a:solidFill>
-              <a:srgbClr val="000000"/>
-            </a:solidFill>
-          </a:ln>
-        </p:spPr>
-        <p:txBody>
-          <a:bodyPr lIns="0" tIns="0" rIns="0" bIns="0"/>
-          <a:lstStyle/>
-          <a:p>
-            <a:pPr/>
-          </a:p>
-        </p:txBody>
-      </p:sp>
-      <p:sp>
-        <p:nvSpPr>
-          <p:cNvPr id="108" name="Line"/>
-          <p:cNvSpPr/>
-          <p:nvPr/>
-        </p:nvSpPr>
-        <p:spPr>
-          <a:xfrm>
-            <a:off x="5099833" y="3713566"/>
-            <a:ext cx="1" cy="877936"/>
-          </a:xfrm>
-          <a:prstGeom prst="line">
-            <a:avLst/>
-          </a:prstGeom>
-          <a:ln w="25400">
-            <a:solidFill>
-              <a:srgbClr val="000000"/>
-            </a:solidFill>
-          </a:ln>
-        </p:spPr>
-        <p:txBody>
-          <a:bodyPr lIns="0" tIns="0" rIns="0" bIns="0"/>
-          <a:lstStyle/>
-          <a:p>
-            <a:pPr/>
-          </a:p>
-        </p:txBody>
-      </p:sp>
-      <p:sp>
-        <p:nvSpPr>
-          <p:cNvPr id="109" name="2"/>
-          <p:cNvSpPr txBox="1"/>
-          <p:nvPr/>
-        </p:nvSpPr>
-        <p:spPr>
-          <a:xfrm>
-            <a:off x="5094114" y="3787025"/>
-            <a:ext cx="281401" cy="552393"/>
-          </a:xfrm>
-          <a:prstGeom prst="rect">
-            <a:avLst/>
-          </a:prstGeom>
-          <a:ln w="12700">
-            <a:miter lim="400000"/>
-          </a:ln>
-          <a:extLst>
-            <a:ext uri="{C572A759-6A51-4108-AA02-DFA0A04FC94B}">
-              <ma14:wrappingTextBoxFlag xmlns:ma14="http://schemas.microsoft.com/office/mac/drawingml/2011/main" val="1"/>
-            </a:ext>
-          </a:extLst>
-        </p:spPr>
-        <p:txBody>
-          <a:bodyPr lIns="50800" tIns="50800" rIns="50800" bIns="50800" anchor="ctr"/>
-          <a:lstStyle>
-            <a:lvl1pPr>
-              <a:defRPr b="1" sz="2600">
-                <a:latin typeface="Arial"/>
-                <a:ea typeface="Arial"/>
-                <a:cs typeface="Arial"/>
-                <a:sym typeface="Arial"/>
-              </a:defRPr>
-            </a:lvl1pPr>
-          </a:lstStyle>
-          <a:p>
-            <a:pPr/>
-            <a:r>
-              <a:t>2</a:t>
-            </a:r>
-          </a:p>
-        </p:txBody>
-      </p:sp>
-      <p:sp>
-        <p:nvSpPr>
-          <p:cNvPr id="110" name="6"/>
-          <p:cNvSpPr txBox="1"/>
-          <p:nvPr/>
-        </p:nvSpPr>
-        <p:spPr>
-          <a:xfrm>
-            <a:off x="3080420" y="4149629"/>
-            <a:ext cx="471134" cy="731020"/>
-          </a:xfrm>
-          <a:prstGeom prst="rect">
-            <a:avLst/>
-          </a:prstGeom>
-          <a:ln w="12700">
-            <a:miter lim="400000"/>
-          </a:ln>
-          <a:extLst>
-            <a:ext uri="{C572A759-6A51-4108-AA02-DFA0A04FC94B}">
-              <ma14:wrappingTextBoxFlag xmlns:ma14="http://schemas.microsoft.com/office/mac/drawingml/2011/main" val="1"/>
-            </a:ext>
-          </a:extLst>
-        </p:spPr>
-        <p:txBody>
-          <a:bodyPr lIns="50800" tIns="50800" rIns="50800" bIns="50800" anchor="ctr"/>
-          <a:lstStyle>
-            <a:lvl1pPr>
-              <a:defRPr b="1" sz="2600">
-                <a:latin typeface="Arial"/>
-                <a:ea typeface="Arial"/>
-                <a:cs typeface="Arial"/>
-                <a:sym typeface="Arial"/>
-              </a:defRPr>
-            </a:lvl1pPr>
-          </a:lstStyle>
-          <a:p>
-            <a:pPr/>
-            <a:r>
-              <a:t>6</a:t>
-            </a:r>
-          </a:p>
-        </p:txBody>
-      </p:sp>
-      <p:sp>
-        <p:nvSpPr>
-          <p:cNvPr id="111" name="3"/>
-          <p:cNvSpPr txBox="1"/>
-          <p:nvPr/>
-        </p:nvSpPr>
-        <p:spPr>
-          <a:xfrm>
-            <a:off x="2311343" y="2399925"/>
-            <a:ext cx="281401" cy="498286"/>
-          </a:xfrm>
-          <a:prstGeom prst="rect">
-            <a:avLst/>
-          </a:prstGeom>
-          <a:ln w="12700">
-            <a:miter lim="400000"/>
-          </a:ln>
-          <a:extLst>
-            <a:ext uri="{C572A759-6A51-4108-AA02-DFA0A04FC94B}">
-              <ma14:wrappingTextBoxFlag xmlns:ma14="http://schemas.microsoft.com/office/mac/drawingml/2011/main" val="1"/>
-            </a:ext>
-          </a:extLst>
-        </p:spPr>
-        <p:txBody>
-          <a:bodyPr lIns="50800" tIns="50800" rIns="50800" bIns="50800" anchor="ctr"/>
-          <a:lstStyle>
-            <a:lvl1pPr>
-              <a:defRPr b="1" sz="2600">
-                <a:latin typeface="Arial"/>
-                <a:ea typeface="Arial"/>
-                <a:cs typeface="Arial"/>
-                <a:sym typeface="Arial"/>
-              </a:defRPr>
-            </a:lvl1pPr>
-          </a:lstStyle>
-          <a:p>
-            <a:pPr/>
-            <a:r>
-              <a:t>3</a:t>
-            </a:r>
-          </a:p>
-        </p:txBody>
-      </p:sp>
-      <p:sp>
-        <p:nvSpPr>
-          <p:cNvPr id="112" name="5"/>
-          <p:cNvSpPr txBox="1"/>
-          <p:nvPr/>
-        </p:nvSpPr>
-        <p:spPr>
-          <a:xfrm>
-            <a:off x="3182015" y="2703119"/>
-            <a:ext cx="471134" cy="731020"/>
-          </a:xfrm>
-          <a:prstGeom prst="rect">
-            <a:avLst/>
-          </a:prstGeom>
-          <a:ln w="12700">
-            <a:miter lim="400000"/>
-          </a:ln>
-          <a:extLst>
-            <a:ext uri="{C572A759-6A51-4108-AA02-DFA0A04FC94B}">
-              <ma14:wrappingTextBoxFlag xmlns:ma14="http://schemas.microsoft.com/office/mac/drawingml/2011/main" val="1"/>
-            </a:ext>
-          </a:extLst>
-        </p:spPr>
-        <p:txBody>
-          <a:bodyPr lIns="50800" tIns="50800" rIns="50800" bIns="50800" anchor="ctr"/>
-          <a:lstStyle>
-            <a:lvl1pPr>
-              <a:defRPr b="1" sz="2600">
-                <a:latin typeface="Arial"/>
-                <a:ea typeface="Arial"/>
-                <a:cs typeface="Arial"/>
-                <a:sym typeface="Arial"/>
-              </a:defRPr>
-            </a:lvl1pPr>
-          </a:lstStyle>
-          <a:p>
-            <a:pPr/>
-            <a:r>
-              <a:t>5</a:t>
-            </a:r>
-          </a:p>
-        </p:txBody>
-      </p:sp>
-      <p:sp>
-        <p:nvSpPr>
-          <p:cNvPr id="113" name="1"/>
-          <p:cNvSpPr txBox="1"/>
-          <p:nvPr/>
-        </p:nvSpPr>
-        <p:spPr>
-          <a:xfrm>
-            <a:off x="5063282" y="1487291"/>
-            <a:ext cx="471134" cy="731020"/>
-          </a:xfrm>
-          <a:prstGeom prst="rect">
-            <a:avLst/>
-          </a:prstGeom>
-          <a:ln w="12700">
-            <a:miter lim="400000"/>
-          </a:ln>
-          <a:extLst>
-            <a:ext uri="{C572A759-6A51-4108-AA02-DFA0A04FC94B}">
-              <ma14:wrappingTextBoxFlag xmlns:ma14="http://schemas.microsoft.com/office/mac/drawingml/2011/main" val="1"/>
-            </a:ext>
-          </a:extLst>
-        </p:spPr>
-        <p:txBody>
-          <a:bodyPr lIns="50800" tIns="50800" rIns="50800" bIns="50800" anchor="ctr"/>
-          <a:lstStyle>
-            <a:lvl1pPr>
-              <a:defRPr b="1" sz="2600">
-                <a:latin typeface="Arial"/>
-                <a:ea typeface="Arial"/>
-                <a:cs typeface="Arial"/>
-                <a:sym typeface="Arial"/>
-              </a:defRPr>
-            </a:lvl1pPr>
-          </a:lstStyle>
-          <a:p>
-            <a:pPr/>
-            <a:r>
-              <a:t>1</a:t>
-            </a:r>
-          </a:p>
-        </p:txBody>
-      </p:sp>
-      <p:sp>
-        <p:nvSpPr>
-          <p:cNvPr id="114" name="4"/>
-          <p:cNvSpPr txBox="1"/>
-          <p:nvPr/>
-        </p:nvSpPr>
-        <p:spPr>
-          <a:xfrm>
-            <a:off x="4280521" y="2396391"/>
-            <a:ext cx="362401" cy="477414"/>
-          </a:xfrm>
-          <a:prstGeom prst="rect">
-            <a:avLst/>
-          </a:prstGeom>
-          <a:ln w="12700">
-            <a:miter lim="400000"/>
-          </a:ln>
-          <a:extLst>
-            <a:ext uri="{C572A759-6A51-4108-AA02-DFA0A04FC94B}">
-              <ma14:wrappingTextBoxFlag xmlns:ma14="http://schemas.microsoft.com/office/mac/drawingml/2011/main" val="1"/>
-            </a:ext>
-          </a:extLst>
-        </p:spPr>
-        <p:txBody>
-          <a:bodyPr lIns="50800" tIns="50800" rIns="50800" bIns="50800" anchor="ctr"/>
-          <a:lstStyle>
-            <a:lvl1pPr>
-              <a:defRPr b="1" sz="2600">
-                <a:latin typeface="Arial"/>
-                <a:ea typeface="Arial"/>
-                <a:cs typeface="Arial"/>
-                <a:sym typeface="Arial"/>
-              </a:defRPr>
-            </a:lvl1pPr>
-          </a:lstStyle>
-          <a:p>
-            <a:pPr/>
-            <a:r>
-              <a:t>4</a:t>
-            </a:r>
-          </a:p>
-        </p:txBody>
-      </p:sp>
-      <p:sp>
-        <p:nvSpPr>
-          <p:cNvPr id="115" name="4"/>
-          <p:cNvSpPr txBox="1"/>
-          <p:nvPr/>
-        </p:nvSpPr>
-        <p:spPr>
-          <a:xfrm>
-            <a:off x="5722279" y="2156754"/>
-            <a:ext cx="471134" cy="731020"/>
-          </a:xfrm>
-          <a:prstGeom prst="rect">
-            <a:avLst/>
-          </a:prstGeom>
-          <a:ln w="12700">
-            <a:miter lim="400000"/>
-          </a:ln>
-          <a:extLst>
-            <a:ext uri="{C572A759-6A51-4108-AA02-DFA0A04FC94B}">
-              <ma14:wrappingTextBoxFlag xmlns:ma14="http://schemas.microsoft.com/office/mac/drawingml/2011/main" val="1"/>
-            </a:ext>
-          </a:extLst>
-        </p:spPr>
-        <p:txBody>
-          <a:bodyPr lIns="50800" tIns="50800" rIns="50800" bIns="50800" anchor="ctr"/>
-          <a:lstStyle>
-            <a:lvl1pPr>
-              <a:defRPr b="1" sz="2600">
-                <a:latin typeface="Arial"/>
-                <a:ea typeface="Arial"/>
-                <a:cs typeface="Arial"/>
-                <a:sym typeface="Arial"/>
-              </a:defRPr>
-            </a:lvl1pPr>
-          </a:lstStyle>
-          <a:p>
-            <a:pPr/>
-            <a:r>
-              <a:t>4</a:t>
-            </a:r>
-          </a:p>
-        </p:txBody>
-      </p:sp>
-      <p:sp>
-        <p:nvSpPr>
-          <p:cNvPr id="116" name="5"/>
-          <p:cNvSpPr txBox="1"/>
-          <p:nvPr/>
-        </p:nvSpPr>
-        <p:spPr>
-          <a:xfrm>
-            <a:off x="6611928" y="2703119"/>
-            <a:ext cx="471135" cy="731020"/>
-          </a:xfrm>
-          <a:prstGeom prst="rect">
-            <a:avLst/>
-          </a:prstGeom>
-          <a:ln w="12700">
-            <a:miter lim="400000"/>
-          </a:ln>
-          <a:extLst>
-            <a:ext uri="{C572A759-6A51-4108-AA02-DFA0A04FC94B}">
-              <ma14:wrappingTextBoxFlag xmlns:ma14="http://schemas.microsoft.com/office/mac/drawingml/2011/main" val="1"/>
-            </a:ext>
-          </a:extLst>
-        </p:spPr>
-        <p:txBody>
-          <a:bodyPr lIns="50800" tIns="50800" rIns="50800" bIns="50800" anchor="ctr"/>
-          <a:lstStyle>
-            <a:lvl1pPr>
-              <a:defRPr b="1" sz="2600">
-                <a:latin typeface="Arial"/>
-                <a:ea typeface="Arial"/>
-                <a:cs typeface="Arial"/>
-                <a:sym typeface="Arial"/>
-              </a:defRPr>
-            </a:lvl1pPr>
-          </a:lstStyle>
-          <a:p>
-            <a:pPr/>
-            <a:r>
-              <a:t>5</a:t>
-            </a:r>
-          </a:p>
-        </p:txBody>
-      </p:sp>
-      <p:sp>
-        <p:nvSpPr>
-          <p:cNvPr id="117" name="6"/>
-          <p:cNvSpPr txBox="1"/>
-          <p:nvPr/>
-        </p:nvSpPr>
-        <p:spPr>
-          <a:xfrm>
-            <a:off x="7562308" y="2073571"/>
-            <a:ext cx="471135" cy="552393"/>
-          </a:xfrm>
-          <a:prstGeom prst="rect">
-            <a:avLst/>
-          </a:prstGeom>
-          <a:ln w="12700">
-            <a:miter lim="400000"/>
-          </a:ln>
-          <a:extLst>
-            <a:ext uri="{C572A759-6A51-4108-AA02-DFA0A04FC94B}">
-              <ma14:wrappingTextBoxFlag xmlns:ma14="http://schemas.microsoft.com/office/mac/drawingml/2011/main" val="1"/>
-            </a:ext>
-          </a:extLst>
-        </p:spPr>
-        <p:txBody>
-          <a:bodyPr lIns="50800" tIns="50800" rIns="50800" bIns="50800" anchor="ctr"/>
-          <a:lstStyle>
-            <a:lvl1pPr>
-              <a:defRPr b="1" sz="2600">
-                <a:latin typeface="Arial"/>
-                <a:ea typeface="Arial"/>
-                <a:cs typeface="Arial"/>
-                <a:sym typeface="Arial"/>
-              </a:defRPr>
-            </a:lvl1pPr>
-          </a:lstStyle>
-          <a:p>
-            <a:pPr/>
-            <a:r>
-              <a:t>6</a:t>
-            </a:r>
-          </a:p>
-        </p:txBody>
-      </p:sp>
-      <p:sp>
-        <p:nvSpPr>
-          <p:cNvPr id="118" name="8"/>
-          <p:cNvSpPr txBox="1"/>
-          <p:nvPr/>
-        </p:nvSpPr>
-        <p:spPr>
-          <a:xfrm>
-            <a:off x="6648112" y="4149629"/>
-            <a:ext cx="471135" cy="731020"/>
-          </a:xfrm>
-          <a:prstGeom prst="rect">
-            <a:avLst/>
-          </a:prstGeom>
-          <a:ln w="12700">
-            <a:miter lim="400000"/>
-          </a:ln>
-          <a:extLst>
-            <a:ext uri="{C572A759-6A51-4108-AA02-DFA0A04FC94B}">
-              <ma14:wrappingTextBoxFlag xmlns:ma14="http://schemas.microsoft.com/office/mac/drawingml/2011/main" val="1"/>
-            </a:ext>
-          </a:extLst>
-        </p:spPr>
-        <p:txBody>
-          <a:bodyPr lIns="50800" tIns="50800" rIns="50800" bIns="50800" anchor="ctr"/>
-          <a:lstStyle>
-            <a:lvl1pPr>
-              <a:defRPr b="1" sz="2600">
-                <a:latin typeface="Arial"/>
-                <a:ea typeface="Arial"/>
-                <a:cs typeface="Arial"/>
-                <a:sym typeface="Arial"/>
-              </a:defRPr>
-            </a:lvl1pPr>
-          </a:lstStyle>
-          <a:p>
-            <a:pPr/>
-            <a:r>
-              <a:t>8</a:t>
-            </a:r>
-          </a:p>
-        </p:txBody>
-      </p:sp>
-      <p:sp>
-        <p:nvSpPr>
-          <p:cNvPr id="119" name="Q: Construct an MST using Kruskal algo"/>
+          <p:cNvPr id="93" name="Q: Construct an MST using Kruskal algo"/>
           <p:cNvSpPr txBox="1"/>
           <p:nvPr/>
         </p:nvSpPr>
@@ -18914,27 +17974,1951 @@
           </a:p>
         </p:txBody>
       </p:sp>
+      <p:grpSp>
+        <p:nvGrpSpPr>
+          <p:cNvPr id="131" name="Group"/>
+          <p:cNvGrpSpPr/>
+          <p:nvPr/>
+        </p:nvGrpSpPr>
+        <p:grpSpPr>
+          <a:xfrm>
+            <a:off x="1269974" y="1487291"/>
+            <a:ext cx="7652054" cy="3999620"/>
+            <a:chOff x="0" y="0"/>
+            <a:chExt cx="7652052" cy="3999618"/>
+          </a:xfrm>
+        </p:grpSpPr>
+        <p:sp>
+          <p:nvSpPr>
+            <p:cNvPr id="94" name="a"/>
+            <p:cNvSpPr/>
+            <p:nvPr/>
+          </p:nvSpPr>
+          <p:spPr>
+            <a:xfrm>
+              <a:off x="7665" y="1330866"/>
+              <a:ext cx="803522" cy="839612"/>
+            </a:xfrm>
+            <a:prstGeom prst="ellipse">
+              <a:avLst/>
+            </a:prstGeom>
+            <a:noFill/>
+            <a:ln w="25400" cap="flat">
+              <a:solidFill>
+                <a:srgbClr val="000000"/>
+              </a:solidFill>
+              <a:prstDash val="solid"/>
+              <a:round/>
+            </a:ln>
+            <a:effectLst/>
+            <a:extLst>
+              <a:ext uri="{C572A759-6A51-4108-AA02-DFA0A04FC94B}">
+                <ma14:wrappingTextBoxFlag xmlns:ma14="http://schemas.microsoft.com/office/mac/drawingml/2011/main" val="1"/>
+              </a:ext>
+            </a:extLst>
+          </p:spPr>
+          <p:txBody>
+            <a:bodyPr wrap="square" lIns="50800" tIns="50800" rIns="50800" bIns="50800" numCol="1" anchor="ctr">
+              <a:noAutofit/>
+            </a:bodyPr>
+            <a:lstStyle>
+              <a:lvl1pPr algn="ctr">
+                <a:defRPr b="1" sz="2400">
+                  <a:latin typeface="Gill Sans MT"/>
+                  <a:ea typeface="Gill Sans MT"/>
+                  <a:cs typeface="Gill Sans MT"/>
+                  <a:sym typeface="Gill Sans MT"/>
+                </a:defRPr>
+              </a:lvl1pPr>
+            </a:lstStyle>
+            <a:p>
+              <a:pPr/>
+              <a:r>
+                <a:t>a</a:t>
+              </a:r>
+            </a:p>
+          </p:txBody>
+        </p:sp>
+        <p:sp>
+          <p:nvSpPr>
+            <p:cNvPr id="95" name="d"/>
+            <p:cNvSpPr/>
+            <p:nvPr/>
+          </p:nvSpPr>
+          <p:spPr>
+            <a:xfrm>
+              <a:off x="6848531" y="1330866"/>
+              <a:ext cx="803522" cy="839612"/>
+            </a:xfrm>
+            <a:prstGeom prst="ellipse">
+              <a:avLst/>
+            </a:prstGeom>
+            <a:noFill/>
+            <a:ln w="25400" cap="flat">
+              <a:solidFill>
+                <a:srgbClr val="000000"/>
+              </a:solidFill>
+              <a:prstDash val="solid"/>
+              <a:round/>
+            </a:ln>
+            <a:effectLst/>
+            <a:extLst>
+              <a:ext uri="{C572A759-6A51-4108-AA02-DFA0A04FC94B}">
+                <ma14:wrappingTextBoxFlag xmlns:ma14="http://schemas.microsoft.com/office/mac/drawingml/2011/main" val="1"/>
+              </a:ext>
+            </a:extLst>
+          </p:spPr>
+          <p:txBody>
+            <a:bodyPr wrap="square" lIns="50800" tIns="50800" rIns="50800" bIns="50800" numCol="1" anchor="ctr">
+              <a:noAutofit/>
+            </a:bodyPr>
+            <a:lstStyle>
+              <a:lvl1pPr algn="ctr">
+                <a:defRPr b="1" sz="2400">
+                  <a:latin typeface="Gill Sans MT"/>
+                  <a:ea typeface="Gill Sans MT"/>
+                  <a:cs typeface="Gill Sans MT"/>
+                  <a:sym typeface="Gill Sans MT"/>
+                </a:defRPr>
+              </a:lvl1pPr>
+            </a:lstStyle>
+            <a:p>
+              <a:pPr/>
+              <a:r>
+                <a:t>d</a:t>
+              </a:r>
+            </a:p>
+          </p:txBody>
+        </p:sp>
+        <p:sp>
+          <p:nvSpPr>
+            <p:cNvPr id="96" name="e"/>
+            <p:cNvSpPr/>
+            <p:nvPr/>
+          </p:nvSpPr>
+          <p:spPr>
+            <a:xfrm>
+              <a:off x="3428097" y="3160007"/>
+              <a:ext cx="803523" cy="839612"/>
+            </a:xfrm>
+            <a:prstGeom prst="ellipse">
+              <a:avLst/>
+            </a:prstGeom>
+            <a:noFill/>
+            <a:ln w="25400" cap="flat">
+              <a:solidFill>
+                <a:srgbClr val="000000"/>
+              </a:solidFill>
+              <a:prstDash val="solid"/>
+              <a:round/>
+            </a:ln>
+            <a:effectLst/>
+            <a:extLst>
+              <a:ext uri="{C572A759-6A51-4108-AA02-DFA0A04FC94B}">
+                <ma14:wrappingTextBoxFlag xmlns:ma14="http://schemas.microsoft.com/office/mac/drawingml/2011/main" val="1"/>
+              </a:ext>
+            </a:extLst>
+          </p:spPr>
+          <p:txBody>
+            <a:bodyPr wrap="square" lIns="50800" tIns="50800" rIns="50800" bIns="50800" numCol="1" anchor="ctr">
+              <a:noAutofit/>
+            </a:bodyPr>
+            <a:lstStyle>
+              <a:lvl1pPr algn="ctr">
+                <a:defRPr b="1" sz="2400">
+                  <a:latin typeface="Gill Sans MT"/>
+                  <a:ea typeface="Gill Sans MT"/>
+                  <a:cs typeface="Gill Sans MT"/>
+                  <a:sym typeface="Gill Sans MT"/>
+                </a:defRPr>
+              </a:lvl1pPr>
+            </a:lstStyle>
+            <a:p>
+              <a:pPr/>
+              <a:r>
+                <a:t>e</a:t>
+              </a:r>
+            </a:p>
+          </p:txBody>
+        </p:sp>
+        <p:sp>
+          <p:nvSpPr>
+            <p:cNvPr id="97" name="b"/>
+            <p:cNvSpPr/>
+            <p:nvPr/>
+          </p:nvSpPr>
+          <p:spPr>
+            <a:xfrm>
+              <a:off x="1894601" y="277113"/>
+              <a:ext cx="803522" cy="839613"/>
+            </a:xfrm>
+            <a:prstGeom prst="ellipse">
+              <a:avLst/>
+            </a:prstGeom>
+            <a:noFill/>
+            <a:ln w="25400" cap="flat">
+              <a:solidFill>
+                <a:srgbClr val="000000"/>
+              </a:solidFill>
+              <a:prstDash val="solid"/>
+              <a:round/>
+            </a:ln>
+            <a:effectLst/>
+            <a:extLst>
+              <a:ext uri="{C572A759-6A51-4108-AA02-DFA0A04FC94B}">
+                <ma14:wrappingTextBoxFlag xmlns:ma14="http://schemas.microsoft.com/office/mac/drawingml/2011/main" val="1"/>
+              </a:ext>
+            </a:extLst>
+          </p:spPr>
+          <p:txBody>
+            <a:bodyPr wrap="square" lIns="50800" tIns="50800" rIns="50800" bIns="50800" numCol="1" anchor="ctr">
+              <a:noAutofit/>
+            </a:bodyPr>
+            <a:lstStyle>
+              <a:lvl1pPr algn="ctr">
+                <a:defRPr b="1" sz="2400">
+                  <a:latin typeface="Gill Sans MT"/>
+                  <a:ea typeface="Gill Sans MT"/>
+                  <a:cs typeface="Gill Sans MT"/>
+                  <a:sym typeface="Gill Sans MT"/>
+                </a:defRPr>
+              </a:lvl1pPr>
+            </a:lstStyle>
+            <a:p>
+              <a:pPr/>
+              <a:r>
+                <a:t>b</a:t>
+              </a:r>
+            </a:p>
+          </p:txBody>
+        </p:sp>
+        <p:sp>
+          <p:nvSpPr>
+            <p:cNvPr id="98" name="f"/>
+            <p:cNvSpPr/>
+            <p:nvPr/>
+          </p:nvSpPr>
+          <p:spPr>
+            <a:xfrm>
+              <a:off x="3428097" y="1330866"/>
+              <a:ext cx="803523" cy="839612"/>
+            </a:xfrm>
+            <a:prstGeom prst="ellipse">
+              <a:avLst/>
+            </a:prstGeom>
+            <a:noFill/>
+            <a:ln w="25400" cap="flat">
+              <a:solidFill>
+                <a:srgbClr val="000000"/>
+              </a:solidFill>
+              <a:prstDash val="solid"/>
+              <a:round/>
+            </a:ln>
+            <a:effectLst/>
+            <a:extLst>
+              <a:ext uri="{C572A759-6A51-4108-AA02-DFA0A04FC94B}">
+                <ma14:wrappingTextBoxFlag xmlns:ma14="http://schemas.microsoft.com/office/mac/drawingml/2011/main" val="1"/>
+              </a:ext>
+            </a:extLst>
+          </p:spPr>
+          <p:txBody>
+            <a:bodyPr wrap="square" lIns="50800" tIns="50800" rIns="50800" bIns="50800" numCol="1" anchor="ctr">
+              <a:noAutofit/>
+            </a:bodyPr>
+            <a:lstStyle>
+              <a:lvl1pPr algn="ctr">
+                <a:defRPr b="1" sz="2400">
+                  <a:latin typeface="Gill Sans MT"/>
+                  <a:ea typeface="Gill Sans MT"/>
+                  <a:cs typeface="Gill Sans MT"/>
+                  <a:sym typeface="Gill Sans MT"/>
+                </a:defRPr>
+              </a:lvl1pPr>
+            </a:lstStyle>
+            <a:p>
+              <a:pPr/>
+              <a:r>
+                <a:t>f</a:t>
+              </a:r>
+            </a:p>
+          </p:txBody>
+        </p:sp>
+        <p:sp>
+          <p:nvSpPr>
+            <p:cNvPr id="99" name="c"/>
+            <p:cNvSpPr/>
+            <p:nvPr/>
+          </p:nvSpPr>
+          <p:spPr>
+            <a:xfrm>
+              <a:off x="5359626" y="277113"/>
+              <a:ext cx="803522" cy="839613"/>
+            </a:xfrm>
+            <a:prstGeom prst="ellipse">
+              <a:avLst/>
+            </a:prstGeom>
+            <a:noFill/>
+            <a:ln w="25400" cap="flat">
+              <a:solidFill>
+                <a:srgbClr val="000000"/>
+              </a:solidFill>
+              <a:prstDash val="solid"/>
+              <a:round/>
+            </a:ln>
+            <a:effectLst/>
+            <a:extLst>
+              <a:ext uri="{C572A759-6A51-4108-AA02-DFA0A04FC94B}">
+                <ma14:wrappingTextBoxFlag xmlns:ma14="http://schemas.microsoft.com/office/mac/drawingml/2011/main" val="1"/>
+              </a:ext>
+            </a:extLst>
+          </p:spPr>
+          <p:txBody>
+            <a:bodyPr wrap="square" lIns="50800" tIns="50800" rIns="50800" bIns="50800" numCol="1" anchor="ctr">
+              <a:noAutofit/>
+            </a:bodyPr>
+            <a:lstStyle>
+              <a:lvl1pPr algn="ctr">
+                <a:defRPr b="1" sz="2400">
+                  <a:latin typeface="Gill Sans MT"/>
+                  <a:ea typeface="Gill Sans MT"/>
+                  <a:cs typeface="Gill Sans MT"/>
+                  <a:sym typeface="Gill Sans MT"/>
+                </a:defRPr>
+              </a:lvl1pPr>
+            </a:lstStyle>
+            <a:p>
+              <a:pPr/>
+              <a:r>
+                <a:t>c</a:t>
+              </a:r>
+            </a:p>
+          </p:txBody>
+        </p:sp>
+        <p:sp>
+          <p:nvSpPr>
+            <p:cNvPr id="100" name="Line"/>
+            <p:cNvSpPr/>
+            <p:nvPr/>
+          </p:nvSpPr>
+          <p:spPr>
+            <a:xfrm flipV="1">
+              <a:off x="751901" y="953127"/>
+              <a:ext cx="1204259" cy="618315"/>
+            </a:xfrm>
+            <a:prstGeom prst="line">
+              <a:avLst/>
+            </a:prstGeom>
+            <a:noFill/>
+            <a:ln w="25400" cap="flat">
+              <a:solidFill>
+                <a:srgbClr val="000000"/>
+              </a:solidFill>
+              <a:prstDash val="solid"/>
+              <a:round/>
+            </a:ln>
+            <a:effectLst/>
+          </p:spPr>
+          <p:txBody>
+            <a:bodyPr wrap="square" lIns="0" tIns="0" rIns="0" bIns="0" numCol="1" anchor="t">
+              <a:noAutofit/>
+            </a:bodyPr>
+            <a:lstStyle/>
+            <a:p>
+              <a:pPr/>
+            </a:p>
+          </p:txBody>
+        </p:sp>
+        <p:sp>
+          <p:nvSpPr>
+            <p:cNvPr id="101" name="Line"/>
+            <p:cNvSpPr/>
+            <p:nvPr/>
+          </p:nvSpPr>
+          <p:spPr>
+            <a:xfrm flipV="1">
+              <a:off x="4214273" y="953127"/>
+              <a:ext cx="1204258" cy="618315"/>
+            </a:xfrm>
+            <a:prstGeom prst="line">
+              <a:avLst/>
+            </a:prstGeom>
+            <a:noFill/>
+            <a:ln w="25400" cap="flat">
+              <a:solidFill>
+                <a:srgbClr val="000000"/>
+              </a:solidFill>
+              <a:prstDash val="solid"/>
+              <a:round/>
+            </a:ln>
+            <a:effectLst/>
+          </p:spPr>
+          <p:txBody>
+            <a:bodyPr wrap="square" lIns="0" tIns="0" rIns="0" bIns="0" numCol="1" anchor="t">
+              <a:noAutofit/>
+            </a:bodyPr>
+            <a:lstStyle/>
+            <a:p>
+              <a:pPr/>
+            </a:p>
+          </p:txBody>
+        </p:sp>
+        <p:sp>
+          <p:nvSpPr>
+            <p:cNvPr id="102" name="Line"/>
+            <p:cNvSpPr/>
+            <p:nvPr/>
+          </p:nvSpPr>
+          <p:spPr>
+            <a:xfrm flipV="1">
+              <a:off x="4214272" y="2072146"/>
+              <a:ext cx="2651606" cy="1402511"/>
+            </a:xfrm>
+            <a:prstGeom prst="line">
+              <a:avLst/>
+            </a:prstGeom>
+            <a:noFill/>
+            <a:ln w="25400" cap="flat">
+              <a:solidFill>
+                <a:srgbClr val="000000"/>
+              </a:solidFill>
+              <a:prstDash val="solid"/>
+              <a:round/>
+            </a:ln>
+            <a:effectLst/>
+          </p:spPr>
+          <p:txBody>
+            <a:bodyPr wrap="square" lIns="0" tIns="0" rIns="0" bIns="0" numCol="1" anchor="t">
+              <a:noAutofit/>
+            </a:bodyPr>
+            <a:lstStyle/>
+            <a:p>
+              <a:pPr/>
+            </a:p>
+          </p:txBody>
+        </p:sp>
+        <p:sp>
+          <p:nvSpPr>
+            <p:cNvPr id="103" name="Line"/>
+            <p:cNvSpPr/>
+            <p:nvPr/>
+          </p:nvSpPr>
+          <p:spPr>
+            <a:xfrm>
+              <a:off x="682486" y="2053895"/>
+              <a:ext cx="2727054" cy="1439013"/>
+            </a:xfrm>
+            <a:prstGeom prst="line">
+              <a:avLst/>
+            </a:prstGeom>
+            <a:noFill/>
+            <a:ln w="25400" cap="flat">
+              <a:solidFill>
+                <a:srgbClr val="000000"/>
+              </a:solidFill>
+              <a:prstDash val="solid"/>
+              <a:round/>
+            </a:ln>
+            <a:effectLst/>
+          </p:spPr>
+          <p:txBody>
+            <a:bodyPr wrap="square" lIns="0" tIns="0" rIns="0" bIns="0" numCol="1" anchor="t">
+              <a:noAutofit/>
+            </a:bodyPr>
+            <a:lstStyle/>
+            <a:p>
+              <a:pPr/>
+            </a:p>
+          </p:txBody>
+        </p:sp>
+        <p:sp>
+          <p:nvSpPr>
+            <p:cNvPr id="104" name="Line"/>
+            <p:cNvSpPr/>
+            <p:nvPr/>
+          </p:nvSpPr>
+          <p:spPr>
+            <a:xfrm>
+              <a:off x="2623942" y="954108"/>
+              <a:ext cx="820545" cy="544970"/>
+            </a:xfrm>
+            <a:prstGeom prst="line">
+              <a:avLst/>
+            </a:prstGeom>
+            <a:noFill/>
+            <a:ln w="25400" cap="flat">
+              <a:solidFill>
+                <a:srgbClr val="000000"/>
+              </a:solidFill>
+              <a:prstDash val="solid"/>
+              <a:round/>
+            </a:ln>
+            <a:effectLst/>
+          </p:spPr>
+          <p:txBody>
+            <a:bodyPr wrap="square" lIns="0" tIns="0" rIns="0" bIns="0" numCol="1" anchor="t">
+              <a:noAutofit/>
+            </a:bodyPr>
+            <a:lstStyle/>
+            <a:p>
+              <a:pPr/>
+            </a:p>
+          </p:txBody>
+        </p:sp>
+        <p:sp>
+          <p:nvSpPr>
+            <p:cNvPr id="105" name="Line"/>
+            <p:cNvSpPr/>
+            <p:nvPr/>
+          </p:nvSpPr>
+          <p:spPr>
+            <a:xfrm>
+              <a:off x="6117628" y="915784"/>
+              <a:ext cx="820546" cy="544970"/>
+            </a:xfrm>
+            <a:prstGeom prst="line">
+              <a:avLst/>
+            </a:prstGeom>
+            <a:noFill/>
+            <a:ln w="25400" cap="flat">
+              <a:solidFill>
+                <a:srgbClr val="000000"/>
+              </a:solidFill>
+              <a:prstDash val="solid"/>
+              <a:round/>
+            </a:ln>
+            <a:effectLst/>
+          </p:spPr>
+          <p:txBody>
+            <a:bodyPr wrap="square" lIns="0" tIns="0" rIns="0" bIns="0" numCol="1" anchor="t">
+              <a:noAutofit/>
+            </a:bodyPr>
+            <a:lstStyle/>
+            <a:p>
+              <a:pPr/>
+            </a:p>
+          </p:txBody>
+        </p:sp>
+        <p:sp>
+          <p:nvSpPr>
+            <p:cNvPr id="106" name="Line"/>
+            <p:cNvSpPr/>
+            <p:nvPr/>
+          </p:nvSpPr>
+          <p:spPr>
+            <a:xfrm>
+              <a:off x="4206709" y="1812712"/>
+              <a:ext cx="2627290" cy="1"/>
+            </a:xfrm>
+            <a:prstGeom prst="line">
+              <a:avLst/>
+            </a:prstGeom>
+            <a:noFill/>
+            <a:ln w="25400" cap="flat">
+              <a:solidFill>
+                <a:srgbClr val="000000"/>
+              </a:solidFill>
+              <a:prstDash val="solid"/>
+              <a:round/>
+            </a:ln>
+            <a:effectLst/>
+          </p:spPr>
+          <p:txBody>
+            <a:bodyPr wrap="square" lIns="0" tIns="0" rIns="0" bIns="0" numCol="1" anchor="t">
+              <a:noAutofit/>
+            </a:bodyPr>
+            <a:lstStyle/>
+            <a:p>
+              <a:pPr/>
+            </a:p>
+          </p:txBody>
+        </p:sp>
+        <p:sp>
+          <p:nvSpPr>
+            <p:cNvPr id="107" name="Line"/>
+            <p:cNvSpPr/>
+            <p:nvPr/>
+          </p:nvSpPr>
+          <p:spPr>
+            <a:xfrm>
+              <a:off x="833963" y="1812712"/>
+              <a:ext cx="2627290" cy="1"/>
+            </a:xfrm>
+            <a:prstGeom prst="line">
+              <a:avLst/>
+            </a:prstGeom>
+            <a:noFill/>
+            <a:ln w="25400" cap="flat">
+              <a:solidFill>
+                <a:srgbClr val="000000"/>
+              </a:solidFill>
+              <a:prstDash val="solid"/>
+              <a:round/>
+            </a:ln>
+            <a:effectLst/>
+          </p:spPr>
+          <p:txBody>
+            <a:bodyPr wrap="square" lIns="0" tIns="0" rIns="0" bIns="0" numCol="1" anchor="t">
+              <a:noAutofit/>
+            </a:bodyPr>
+            <a:lstStyle/>
+            <a:p>
+              <a:pPr/>
+            </a:p>
+          </p:txBody>
+        </p:sp>
+        <p:sp>
+          <p:nvSpPr>
+            <p:cNvPr id="108" name="Line"/>
+            <p:cNvSpPr/>
+            <p:nvPr/>
+          </p:nvSpPr>
+          <p:spPr>
+            <a:xfrm>
+              <a:off x="2746062" y="640472"/>
+              <a:ext cx="2627290" cy="1"/>
+            </a:xfrm>
+            <a:prstGeom prst="line">
+              <a:avLst/>
+            </a:prstGeom>
+            <a:noFill/>
+            <a:ln w="25400" cap="flat">
+              <a:solidFill>
+                <a:srgbClr val="000000"/>
+              </a:solidFill>
+              <a:prstDash val="solid"/>
+              <a:round/>
+            </a:ln>
+            <a:effectLst/>
+          </p:spPr>
+          <p:txBody>
+            <a:bodyPr wrap="square" lIns="0" tIns="0" rIns="0" bIns="0" numCol="1" anchor="t">
+              <a:noAutofit/>
+            </a:bodyPr>
+            <a:lstStyle/>
+            <a:p>
+              <a:pPr/>
+            </a:p>
+          </p:txBody>
+        </p:sp>
+        <p:sp>
+          <p:nvSpPr>
+            <p:cNvPr id="109" name="Line"/>
+            <p:cNvSpPr/>
+            <p:nvPr/>
+          </p:nvSpPr>
+          <p:spPr>
+            <a:xfrm>
+              <a:off x="3829858" y="2226275"/>
+              <a:ext cx="1" cy="877936"/>
+            </a:xfrm>
+            <a:prstGeom prst="line">
+              <a:avLst/>
+            </a:prstGeom>
+            <a:noFill/>
+            <a:ln w="25400" cap="flat">
+              <a:solidFill>
+                <a:srgbClr val="000000"/>
+              </a:solidFill>
+              <a:prstDash val="solid"/>
+              <a:round/>
+            </a:ln>
+            <a:effectLst/>
+          </p:spPr>
+          <p:txBody>
+            <a:bodyPr wrap="square" lIns="0" tIns="0" rIns="0" bIns="0" numCol="1" anchor="t">
+              <a:noAutofit/>
+            </a:bodyPr>
+            <a:lstStyle/>
+            <a:p>
+              <a:pPr/>
+            </a:p>
+          </p:txBody>
+        </p:sp>
+        <p:sp>
+          <p:nvSpPr>
+            <p:cNvPr id="110" name="2"/>
+            <p:cNvSpPr txBox="1"/>
+            <p:nvPr/>
+          </p:nvSpPr>
+          <p:spPr>
+            <a:xfrm>
+              <a:off x="3824139" y="2299733"/>
+              <a:ext cx="281401" cy="552394"/>
+            </a:xfrm>
+            <a:prstGeom prst="rect">
+              <a:avLst/>
+            </a:prstGeom>
+            <a:noFill/>
+            <a:ln w="12700" cap="flat">
+              <a:noFill/>
+              <a:miter lim="400000"/>
+            </a:ln>
+            <a:effectLst/>
+            <a:extLst>
+              <a:ext uri="{C572A759-6A51-4108-AA02-DFA0A04FC94B}">
+                <ma14:wrappingTextBoxFlag xmlns:ma14="http://schemas.microsoft.com/office/mac/drawingml/2011/main" val="1"/>
+              </a:ext>
+            </a:extLst>
+          </p:spPr>
+          <p:txBody>
+            <a:bodyPr wrap="square" lIns="50800" tIns="50800" rIns="50800" bIns="50800" numCol="1" anchor="ctr">
+              <a:noAutofit/>
+            </a:bodyPr>
+            <a:lstStyle>
+              <a:lvl1pPr>
+                <a:defRPr b="1" sz="2600">
+                  <a:latin typeface="Arial"/>
+                  <a:ea typeface="Arial"/>
+                  <a:cs typeface="Arial"/>
+                  <a:sym typeface="Arial"/>
+                </a:defRPr>
+              </a:lvl1pPr>
+            </a:lstStyle>
+            <a:p>
+              <a:pPr/>
+              <a:r>
+                <a:t>2</a:t>
+              </a:r>
+            </a:p>
+          </p:txBody>
+        </p:sp>
+        <p:sp>
+          <p:nvSpPr>
+            <p:cNvPr id="111" name="6"/>
+            <p:cNvSpPr txBox="1"/>
+            <p:nvPr/>
+          </p:nvSpPr>
+          <p:spPr>
+            <a:xfrm>
+              <a:off x="1810446" y="2662338"/>
+              <a:ext cx="471134" cy="731020"/>
+            </a:xfrm>
+            <a:prstGeom prst="rect">
+              <a:avLst/>
+            </a:prstGeom>
+            <a:noFill/>
+            <a:ln w="12700" cap="flat">
+              <a:noFill/>
+              <a:miter lim="400000"/>
+            </a:ln>
+            <a:effectLst/>
+            <a:extLst>
+              <a:ext uri="{C572A759-6A51-4108-AA02-DFA0A04FC94B}">
+                <ma14:wrappingTextBoxFlag xmlns:ma14="http://schemas.microsoft.com/office/mac/drawingml/2011/main" val="1"/>
+              </a:ext>
+            </a:extLst>
+          </p:spPr>
+          <p:txBody>
+            <a:bodyPr wrap="square" lIns="50800" tIns="50800" rIns="50800" bIns="50800" numCol="1" anchor="ctr">
+              <a:noAutofit/>
+            </a:bodyPr>
+            <a:lstStyle>
+              <a:lvl1pPr>
+                <a:defRPr b="1" sz="2600">
+                  <a:latin typeface="Arial"/>
+                  <a:ea typeface="Arial"/>
+                  <a:cs typeface="Arial"/>
+                  <a:sym typeface="Arial"/>
+                </a:defRPr>
+              </a:lvl1pPr>
+            </a:lstStyle>
+            <a:p>
+              <a:pPr/>
+              <a:r>
+                <a:t>6</a:t>
+              </a:r>
+            </a:p>
+          </p:txBody>
+        </p:sp>
+        <p:sp>
+          <p:nvSpPr>
+            <p:cNvPr id="112" name="3"/>
+            <p:cNvSpPr txBox="1"/>
+            <p:nvPr/>
+          </p:nvSpPr>
+          <p:spPr>
+            <a:xfrm>
+              <a:off x="1041368" y="912633"/>
+              <a:ext cx="281401" cy="498287"/>
+            </a:xfrm>
+            <a:prstGeom prst="rect">
+              <a:avLst/>
+            </a:prstGeom>
+            <a:noFill/>
+            <a:ln w="12700" cap="flat">
+              <a:noFill/>
+              <a:miter lim="400000"/>
+            </a:ln>
+            <a:effectLst/>
+            <a:extLst>
+              <a:ext uri="{C572A759-6A51-4108-AA02-DFA0A04FC94B}">
+                <ma14:wrappingTextBoxFlag xmlns:ma14="http://schemas.microsoft.com/office/mac/drawingml/2011/main" val="1"/>
+              </a:ext>
+            </a:extLst>
+          </p:spPr>
+          <p:txBody>
+            <a:bodyPr wrap="square" lIns="50800" tIns="50800" rIns="50800" bIns="50800" numCol="1" anchor="ctr">
+              <a:noAutofit/>
+            </a:bodyPr>
+            <a:lstStyle>
+              <a:lvl1pPr>
+                <a:defRPr b="1" sz="2600">
+                  <a:latin typeface="Arial"/>
+                  <a:ea typeface="Arial"/>
+                  <a:cs typeface="Arial"/>
+                  <a:sym typeface="Arial"/>
+                </a:defRPr>
+              </a:lvl1pPr>
+            </a:lstStyle>
+            <a:p>
+              <a:pPr/>
+              <a:r>
+                <a:t>3</a:t>
+              </a:r>
+            </a:p>
+          </p:txBody>
+        </p:sp>
+        <p:sp>
+          <p:nvSpPr>
+            <p:cNvPr id="113" name="5"/>
+            <p:cNvSpPr txBox="1"/>
+            <p:nvPr/>
+          </p:nvSpPr>
+          <p:spPr>
+            <a:xfrm>
+              <a:off x="1912041" y="1215828"/>
+              <a:ext cx="471134" cy="731019"/>
+            </a:xfrm>
+            <a:prstGeom prst="rect">
+              <a:avLst/>
+            </a:prstGeom>
+            <a:noFill/>
+            <a:ln w="12700" cap="flat">
+              <a:noFill/>
+              <a:miter lim="400000"/>
+            </a:ln>
+            <a:effectLst/>
+            <a:extLst>
+              <a:ext uri="{C572A759-6A51-4108-AA02-DFA0A04FC94B}">
+                <ma14:wrappingTextBoxFlag xmlns:ma14="http://schemas.microsoft.com/office/mac/drawingml/2011/main" val="1"/>
+              </a:ext>
+            </a:extLst>
+          </p:spPr>
+          <p:txBody>
+            <a:bodyPr wrap="square" lIns="50800" tIns="50800" rIns="50800" bIns="50800" numCol="1" anchor="ctr">
+              <a:noAutofit/>
+            </a:bodyPr>
+            <a:lstStyle>
+              <a:lvl1pPr>
+                <a:defRPr b="1" sz="2600">
+                  <a:latin typeface="Arial"/>
+                  <a:ea typeface="Arial"/>
+                  <a:cs typeface="Arial"/>
+                  <a:sym typeface="Arial"/>
+                </a:defRPr>
+              </a:lvl1pPr>
+            </a:lstStyle>
+            <a:p>
+              <a:pPr/>
+              <a:r>
+                <a:t>5</a:t>
+              </a:r>
+            </a:p>
+          </p:txBody>
+        </p:sp>
+        <p:sp>
+          <p:nvSpPr>
+            <p:cNvPr id="114" name="1"/>
+            <p:cNvSpPr txBox="1"/>
+            <p:nvPr/>
+          </p:nvSpPr>
+          <p:spPr>
+            <a:xfrm>
+              <a:off x="3793307" y="0"/>
+              <a:ext cx="471135" cy="731019"/>
+            </a:xfrm>
+            <a:prstGeom prst="rect">
+              <a:avLst/>
+            </a:prstGeom>
+            <a:noFill/>
+            <a:ln w="12700" cap="flat">
+              <a:noFill/>
+              <a:miter lim="400000"/>
+            </a:ln>
+            <a:effectLst/>
+            <a:extLst>
+              <a:ext uri="{C572A759-6A51-4108-AA02-DFA0A04FC94B}">
+                <ma14:wrappingTextBoxFlag xmlns:ma14="http://schemas.microsoft.com/office/mac/drawingml/2011/main" val="1"/>
+              </a:ext>
+            </a:extLst>
+          </p:spPr>
+          <p:txBody>
+            <a:bodyPr wrap="square" lIns="50800" tIns="50800" rIns="50800" bIns="50800" numCol="1" anchor="ctr">
+              <a:noAutofit/>
+            </a:bodyPr>
+            <a:lstStyle>
+              <a:lvl1pPr>
+                <a:defRPr b="1" sz="2600">
+                  <a:latin typeface="Arial"/>
+                  <a:ea typeface="Arial"/>
+                  <a:cs typeface="Arial"/>
+                  <a:sym typeface="Arial"/>
+                </a:defRPr>
+              </a:lvl1pPr>
+            </a:lstStyle>
+            <a:p>
+              <a:pPr/>
+              <a:r>
+                <a:t>1</a:t>
+              </a:r>
+            </a:p>
+          </p:txBody>
+        </p:sp>
+        <p:sp>
+          <p:nvSpPr>
+            <p:cNvPr id="115" name="4"/>
+            <p:cNvSpPr txBox="1"/>
+            <p:nvPr/>
+          </p:nvSpPr>
+          <p:spPr>
+            <a:xfrm>
+              <a:off x="3010546" y="909100"/>
+              <a:ext cx="362402" cy="477413"/>
+            </a:xfrm>
+            <a:prstGeom prst="rect">
+              <a:avLst/>
+            </a:prstGeom>
+            <a:noFill/>
+            <a:ln w="12700" cap="flat">
+              <a:noFill/>
+              <a:miter lim="400000"/>
+            </a:ln>
+            <a:effectLst/>
+            <a:extLst>
+              <a:ext uri="{C572A759-6A51-4108-AA02-DFA0A04FC94B}">
+                <ma14:wrappingTextBoxFlag xmlns:ma14="http://schemas.microsoft.com/office/mac/drawingml/2011/main" val="1"/>
+              </a:ext>
+            </a:extLst>
+          </p:spPr>
+          <p:txBody>
+            <a:bodyPr wrap="square" lIns="50800" tIns="50800" rIns="50800" bIns="50800" numCol="1" anchor="ctr">
+              <a:noAutofit/>
+            </a:bodyPr>
+            <a:lstStyle>
+              <a:lvl1pPr>
+                <a:defRPr b="1" sz="2600">
+                  <a:latin typeface="Arial"/>
+                  <a:ea typeface="Arial"/>
+                  <a:cs typeface="Arial"/>
+                  <a:sym typeface="Arial"/>
+                </a:defRPr>
+              </a:lvl1pPr>
+            </a:lstStyle>
+            <a:p>
+              <a:pPr/>
+              <a:r>
+                <a:t>4</a:t>
+              </a:r>
+            </a:p>
+          </p:txBody>
+        </p:sp>
+        <p:sp>
+          <p:nvSpPr>
+            <p:cNvPr id="116" name="4"/>
+            <p:cNvSpPr txBox="1"/>
+            <p:nvPr/>
+          </p:nvSpPr>
+          <p:spPr>
+            <a:xfrm>
+              <a:off x="4452304" y="669463"/>
+              <a:ext cx="471135" cy="731020"/>
+            </a:xfrm>
+            <a:prstGeom prst="rect">
+              <a:avLst/>
+            </a:prstGeom>
+            <a:noFill/>
+            <a:ln w="12700" cap="flat">
+              <a:noFill/>
+              <a:miter lim="400000"/>
+            </a:ln>
+            <a:effectLst/>
+            <a:extLst>
+              <a:ext uri="{C572A759-6A51-4108-AA02-DFA0A04FC94B}">
+                <ma14:wrappingTextBoxFlag xmlns:ma14="http://schemas.microsoft.com/office/mac/drawingml/2011/main" val="1"/>
+              </a:ext>
+            </a:extLst>
+          </p:spPr>
+          <p:txBody>
+            <a:bodyPr wrap="square" lIns="50800" tIns="50800" rIns="50800" bIns="50800" numCol="1" anchor="ctr">
+              <a:noAutofit/>
+            </a:bodyPr>
+            <a:lstStyle>
+              <a:lvl1pPr>
+                <a:defRPr b="1" sz="2600">
+                  <a:latin typeface="Arial"/>
+                  <a:ea typeface="Arial"/>
+                  <a:cs typeface="Arial"/>
+                  <a:sym typeface="Arial"/>
+                </a:defRPr>
+              </a:lvl1pPr>
+            </a:lstStyle>
+            <a:p>
+              <a:pPr/>
+              <a:r>
+                <a:t>4</a:t>
+              </a:r>
+            </a:p>
+          </p:txBody>
+        </p:sp>
+        <p:sp>
+          <p:nvSpPr>
+            <p:cNvPr id="117" name="5"/>
+            <p:cNvSpPr txBox="1"/>
+            <p:nvPr/>
+          </p:nvSpPr>
+          <p:spPr>
+            <a:xfrm>
+              <a:off x="5341954" y="1215828"/>
+              <a:ext cx="471135" cy="731019"/>
+            </a:xfrm>
+            <a:prstGeom prst="rect">
+              <a:avLst/>
+            </a:prstGeom>
+            <a:noFill/>
+            <a:ln w="12700" cap="flat">
+              <a:noFill/>
+              <a:miter lim="400000"/>
+            </a:ln>
+            <a:effectLst/>
+            <a:extLst>
+              <a:ext uri="{C572A759-6A51-4108-AA02-DFA0A04FC94B}">
+                <ma14:wrappingTextBoxFlag xmlns:ma14="http://schemas.microsoft.com/office/mac/drawingml/2011/main" val="1"/>
+              </a:ext>
+            </a:extLst>
+          </p:spPr>
+          <p:txBody>
+            <a:bodyPr wrap="square" lIns="50800" tIns="50800" rIns="50800" bIns="50800" numCol="1" anchor="ctr">
+              <a:noAutofit/>
+            </a:bodyPr>
+            <a:lstStyle>
+              <a:lvl1pPr>
+                <a:defRPr b="1" sz="2600">
+                  <a:latin typeface="Arial"/>
+                  <a:ea typeface="Arial"/>
+                  <a:cs typeface="Arial"/>
+                  <a:sym typeface="Arial"/>
+                </a:defRPr>
+              </a:lvl1pPr>
+            </a:lstStyle>
+            <a:p>
+              <a:pPr/>
+              <a:r>
+                <a:t>5</a:t>
+              </a:r>
+            </a:p>
+          </p:txBody>
+        </p:sp>
+        <p:sp>
+          <p:nvSpPr>
+            <p:cNvPr id="118" name="6"/>
+            <p:cNvSpPr txBox="1"/>
+            <p:nvPr/>
+          </p:nvSpPr>
+          <p:spPr>
+            <a:xfrm>
+              <a:off x="6292334" y="586279"/>
+              <a:ext cx="471134" cy="552394"/>
+            </a:xfrm>
+            <a:prstGeom prst="rect">
+              <a:avLst/>
+            </a:prstGeom>
+            <a:noFill/>
+            <a:ln w="12700" cap="flat">
+              <a:noFill/>
+              <a:miter lim="400000"/>
+            </a:ln>
+            <a:effectLst/>
+            <a:extLst>
+              <a:ext uri="{C572A759-6A51-4108-AA02-DFA0A04FC94B}">
+                <ma14:wrappingTextBoxFlag xmlns:ma14="http://schemas.microsoft.com/office/mac/drawingml/2011/main" val="1"/>
+              </a:ext>
+            </a:extLst>
+          </p:spPr>
+          <p:txBody>
+            <a:bodyPr wrap="square" lIns="50800" tIns="50800" rIns="50800" bIns="50800" numCol="1" anchor="ctr">
+              <a:noAutofit/>
+            </a:bodyPr>
+            <a:lstStyle>
+              <a:lvl1pPr>
+                <a:defRPr b="1" sz="2600">
+                  <a:latin typeface="Arial"/>
+                  <a:ea typeface="Arial"/>
+                  <a:cs typeface="Arial"/>
+                  <a:sym typeface="Arial"/>
+                </a:defRPr>
+              </a:lvl1pPr>
+            </a:lstStyle>
+            <a:p>
+              <a:pPr/>
+              <a:r>
+                <a:t>6</a:t>
+              </a:r>
+            </a:p>
+          </p:txBody>
+        </p:sp>
+        <p:sp>
+          <p:nvSpPr>
+            <p:cNvPr id="119" name="8"/>
+            <p:cNvSpPr txBox="1"/>
+            <p:nvPr/>
+          </p:nvSpPr>
+          <p:spPr>
+            <a:xfrm>
+              <a:off x="5378138" y="2662338"/>
+              <a:ext cx="471134" cy="731020"/>
+            </a:xfrm>
+            <a:prstGeom prst="rect">
+              <a:avLst/>
+            </a:prstGeom>
+            <a:noFill/>
+            <a:ln w="12700" cap="flat">
+              <a:noFill/>
+              <a:miter lim="400000"/>
+            </a:ln>
+            <a:effectLst/>
+            <a:extLst>
+              <a:ext uri="{C572A759-6A51-4108-AA02-DFA0A04FC94B}">
+                <ma14:wrappingTextBoxFlag xmlns:ma14="http://schemas.microsoft.com/office/mac/drawingml/2011/main" val="1"/>
+              </a:ext>
+            </a:extLst>
+          </p:spPr>
+          <p:txBody>
+            <a:bodyPr wrap="square" lIns="50800" tIns="50800" rIns="50800" bIns="50800" numCol="1" anchor="ctr">
+              <a:noAutofit/>
+            </a:bodyPr>
+            <a:lstStyle>
+              <a:lvl1pPr>
+                <a:defRPr b="1" sz="2600">
+                  <a:latin typeface="Arial"/>
+                  <a:ea typeface="Arial"/>
+                  <a:cs typeface="Arial"/>
+                  <a:sym typeface="Arial"/>
+                </a:defRPr>
+              </a:lvl1pPr>
+            </a:lstStyle>
+            <a:p>
+              <a:pPr/>
+              <a:r>
+                <a:t>8</a:t>
+              </a:r>
+            </a:p>
+          </p:txBody>
+        </p:sp>
+        <p:sp>
+          <p:nvSpPr>
+            <p:cNvPr id="120" name="a"/>
+            <p:cNvSpPr/>
+            <p:nvPr/>
+          </p:nvSpPr>
+          <p:spPr>
+            <a:xfrm>
+              <a:off x="0" y="1330866"/>
+              <a:ext cx="803522" cy="839612"/>
+            </a:xfrm>
+            <a:prstGeom prst="ellipse">
+              <a:avLst/>
+            </a:prstGeom>
+            <a:solidFill>
+              <a:schemeClr val="accent3"/>
+            </a:solidFill>
+            <a:ln w="25400" cap="flat">
+              <a:solidFill>
+                <a:srgbClr val="000000"/>
+              </a:solidFill>
+              <a:prstDash val="solid"/>
+              <a:round/>
+            </a:ln>
+            <a:effectLst/>
+            <a:extLst>
+              <a:ext uri="{C572A759-6A51-4108-AA02-DFA0A04FC94B}">
+                <ma14:wrappingTextBoxFlag xmlns:ma14="http://schemas.microsoft.com/office/mac/drawingml/2011/main" val="1"/>
+              </a:ext>
+            </a:extLst>
+          </p:spPr>
+          <p:txBody>
+            <a:bodyPr wrap="square" lIns="50800" tIns="50800" rIns="50800" bIns="50800" numCol="1" anchor="ctr">
+              <a:noAutofit/>
+            </a:bodyPr>
+            <a:lstStyle>
+              <a:lvl1pPr algn="ctr">
+                <a:defRPr b="1" sz="2400">
+                  <a:latin typeface="Gill Sans MT"/>
+                  <a:ea typeface="Gill Sans MT"/>
+                  <a:cs typeface="Gill Sans MT"/>
+                  <a:sym typeface="Gill Sans MT"/>
+                </a:defRPr>
+              </a:lvl1pPr>
+            </a:lstStyle>
+            <a:p>
+              <a:pPr/>
+              <a:r>
+                <a:t>a</a:t>
+              </a:r>
+            </a:p>
+          </p:txBody>
+        </p:sp>
+        <p:sp>
+          <p:nvSpPr>
+            <p:cNvPr id="121" name="b"/>
+            <p:cNvSpPr/>
+            <p:nvPr/>
+          </p:nvSpPr>
+          <p:spPr>
+            <a:xfrm>
+              <a:off x="1896751" y="277113"/>
+              <a:ext cx="803523" cy="839613"/>
+            </a:xfrm>
+            <a:prstGeom prst="ellipse">
+              <a:avLst/>
+            </a:prstGeom>
+            <a:solidFill>
+              <a:schemeClr val="accent3"/>
+            </a:solidFill>
+            <a:ln w="25400" cap="flat">
+              <a:solidFill>
+                <a:srgbClr val="000000"/>
+              </a:solidFill>
+              <a:prstDash val="solid"/>
+              <a:round/>
+            </a:ln>
+            <a:effectLst/>
+            <a:extLst>
+              <a:ext uri="{C572A759-6A51-4108-AA02-DFA0A04FC94B}">
+                <ma14:wrappingTextBoxFlag xmlns:ma14="http://schemas.microsoft.com/office/mac/drawingml/2011/main" val="1"/>
+              </a:ext>
+            </a:extLst>
+          </p:spPr>
+          <p:txBody>
+            <a:bodyPr wrap="square" lIns="50800" tIns="50800" rIns="50800" bIns="50800" numCol="1" anchor="ctr">
+              <a:noAutofit/>
+            </a:bodyPr>
+            <a:lstStyle>
+              <a:lvl1pPr algn="ctr">
+                <a:defRPr b="1" sz="2400">
+                  <a:latin typeface="Gill Sans MT"/>
+                  <a:ea typeface="Gill Sans MT"/>
+                  <a:cs typeface="Gill Sans MT"/>
+                  <a:sym typeface="Gill Sans MT"/>
+                </a:defRPr>
+              </a:lvl1pPr>
+            </a:lstStyle>
+            <a:p>
+              <a:pPr/>
+              <a:r>
+                <a:t>b</a:t>
+              </a:r>
+            </a:p>
+          </p:txBody>
+        </p:sp>
+        <p:sp>
+          <p:nvSpPr>
+            <p:cNvPr id="122" name="c"/>
+            <p:cNvSpPr/>
+            <p:nvPr/>
+          </p:nvSpPr>
+          <p:spPr>
+            <a:xfrm>
+              <a:off x="5359626" y="277113"/>
+              <a:ext cx="803522" cy="839613"/>
+            </a:xfrm>
+            <a:prstGeom prst="ellipse">
+              <a:avLst/>
+            </a:prstGeom>
+            <a:solidFill>
+              <a:schemeClr val="accent3"/>
+            </a:solidFill>
+            <a:ln w="25400" cap="flat">
+              <a:solidFill>
+                <a:srgbClr val="000000"/>
+              </a:solidFill>
+              <a:prstDash val="solid"/>
+              <a:round/>
+            </a:ln>
+            <a:effectLst/>
+            <a:extLst>
+              <a:ext uri="{C572A759-6A51-4108-AA02-DFA0A04FC94B}">
+                <ma14:wrappingTextBoxFlag xmlns:ma14="http://schemas.microsoft.com/office/mac/drawingml/2011/main" val="1"/>
+              </a:ext>
+            </a:extLst>
+          </p:spPr>
+          <p:txBody>
+            <a:bodyPr wrap="square" lIns="50800" tIns="50800" rIns="50800" bIns="50800" numCol="1" anchor="ctr">
+              <a:noAutofit/>
+            </a:bodyPr>
+            <a:lstStyle>
+              <a:lvl1pPr algn="ctr">
+                <a:defRPr b="1" sz="2400">
+                  <a:latin typeface="Gill Sans MT"/>
+                  <a:ea typeface="Gill Sans MT"/>
+                  <a:cs typeface="Gill Sans MT"/>
+                  <a:sym typeface="Gill Sans MT"/>
+                </a:defRPr>
+              </a:lvl1pPr>
+            </a:lstStyle>
+            <a:p>
+              <a:pPr/>
+              <a:r>
+                <a:t>c</a:t>
+              </a:r>
+            </a:p>
+          </p:txBody>
+        </p:sp>
+        <p:sp>
+          <p:nvSpPr>
+            <p:cNvPr id="123" name="d"/>
+            <p:cNvSpPr/>
+            <p:nvPr/>
+          </p:nvSpPr>
+          <p:spPr>
+            <a:xfrm>
+              <a:off x="6848531" y="1323760"/>
+              <a:ext cx="803522" cy="839612"/>
+            </a:xfrm>
+            <a:prstGeom prst="ellipse">
+              <a:avLst/>
+            </a:prstGeom>
+            <a:solidFill>
+              <a:schemeClr val="accent3"/>
+            </a:solidFill>
+            <a:ln w="25400" cap="flat">
+              <a:solidFill>
+                <a:srgbClr val="000000"/>
+              </a:solidFill>
+              <a:prstDash val="solid"/>
+              <a:round/>
+            </a:ln>
+            <a:effectLst/>
+            <a:extLst>
+              <a:ext uri="{C572A759-6A51-4108-AA02-DFA0A04FC94B}">
+                <ma14:wrappingTextBoxFlag xmlns:ma14="http://schemas.microsoft.com/office/mac/drawingml/2011/main" val="1"/>
+              </a:ext>
+            </a:extLst>
+          </p:spPr>
+          <p:txBody>
+            <a:bodyPr wrap="square" lIns="50800" tIns="50800" rIns="50800" bIns="50800" numCol="1" anchor="ctr">
+              <a:noAutofit/>
+            </a:bodyPr>
+            <a:lstStyle>
+              <a:lvl1pPr algn="ctr">
+                <a:defRPr b="1" sz="2400">
+                  <a:latin typeface="Gill Sans MT"/>
+                  <a:ea typeface="Gill Sans MT"/>
+                  <a:cs typeface="Gill Sans MT"/>
+                  <a:sym typeface="Gill Sans MT"/>
+                </a:defRPr>
+              </a:lvl1pPr>
+            </a:lstStyle>
+            <a:p>
+              <a:pPr/>
+              <a:r>
+                <a:t>d</a:t>
+              </a:r>
+            </a:p>
+          </p:txBody>
+        </p:sp>
+        <p:sp>
+          <p:nvSpPr>
+            <p:cNvPr id="124" name="e"/>
+            <p:cNvSpPr/>
+            <p:nvPr/>
+          </p:nvSpPr>
+          <p:spPr>
+            <a:xfrm>
+              <a:off x="3430439" y="3160007"/>
+              <a:ext cx="803522" cy="839612"/>
+            </a:xfrm>
+            <a:prstGeom prst="ellipse">
+              <a:avLst/>
+            </a:prstGeom>
+            <a:solidFill>
+              <a:schemeClr val="accent3"/>
+            </a:solidFill>
+            <a:ln w="25400" cap="flat">
+              <a:solidFill>
+                <a:srgbClr val="000000"/>
+              </a:solidFill>
+              <a:prstDash val="solid"/>
+              <a:round/>
+            </a:ln>
+            <a:effectLst/>
+            <a:extLst>
+              <a:ext uri="{C572A759-6A51-4108-AA02-DFA0A04FC94B}">
+                <ma14:wrappingTextBoxFlag xmlns:ma14="http://schemas.microsoft.com/office/mac/drawingml/2011/main" val="1"/>
+              </a:ext>
+            </a:extLst>
+          </p:spPr>
+          <p:txBody>
+            <a:bodyPr wrap="square" lIns="50800" tIns="50800" rIns="50800" bIns="50800" numCol="1" anchor="ctr">
+              <a:noAutofit/>
+            </a:bodyPr>
+            <a:lstStyle>
+              <a:lvl1pPr algn="ctr">
+                <a:defRPr b="1" sz="2400">
+                  <a:latin typeface="Gill Sans MT"/>
+                  <a:ea typeface="Gill Sans MT"/>
+                  <a:cs typeface="Gill Sans MT"/>
+                  <a:sym typeface="Gill Sans MT"/>
+                </a:defRPr>
+              </a:lvl1pPr>
+            </a:lstStyle>
+            <a:p>
+              <a:pPr/>
+              <a:r>
+                <a:t>e</a:t>
+              </a:r>
+            </a:p>
+          </p:txBody>
+        </p:sp>
+        <p:sp>
+          <p:nvSpPr>
+            <p:cNvPr id="125" name="f"/>
+            <p:cNvSpPr/>
+            <p:nvPr/>
+          </p:nvSpPr>
+          <p:spPr>
+            <a:xfrm>
+              <a:off x="3430667" y="1323760"/>
+              <a:ext cx="803522" cy="839612"/>
+            </a:xfrm>
+            <a:prstGeom prst="ellipse">
+              <a:avLst/>
+            </a:prstGeom>
+            <a:solidFill>
+              <a:schemeClr val="accent3"/>
+            </a:solidFill>
+            <a:ln w="25400" cap="flat">
+              <a:solidFill>
+                <a:srgbClr val="000000"/>
+              </a:solidFill>
+              <a:prstDash val="solid"/>
+              <a:round/>
+            </a:ln>
+            <a:effectLst/>
+            <a:extLst>
+              <a:ext uri="{C572A759-6A51-4108-AA02-DFA0A04FC94B}">
+                <ma14:wrappingTextBoxFlag xmlns:ma14="http://schemas.microsoft.com/office/mac/drawingml/2011/main" val="1"/>
+              </a:ext>
+            </a:extLst>
+          </p:spPr>
+          <p:txBody>
+            <a:bodyPr wrap="square" lIns="50800" tIns="50800" rIns="50800" bIns="50800" numCol="1" anchor="ctr">
+              <a:noAutofit/>
+            </a:bodyPr>
+            <a:lstStyle>
+              <a:lvl1pPr algn="ctr">
+                <a:defRPr b="1" sz="2400">
+                  <a:latin typeface="Gill Sans MT"/>
+                  <a:ea typeface="Gill Sans MT"/>
+                  <a:cs typeface="Gill Sans MT"/>
+                  <a:sym typeface="Gill Sans MT"/>
+                </a:defRPr>
+              </a:lvl1pPr>
+            </a:lstStyle>
+            <a:p>
+              <a:pPr/>
+              <a:r>
+                <a:t>f</a:t>
+              </a:r>
+            </a:p>
+          </p:txBody>
+        </p:sp>
+        <p:sp>
+          <p:nvSpPr>
+            <p:cNvPr id="126" name="Line"/>
+            <p:cNvSpPr/>
+            <p:nvPr/>
+          </p:nvSpPr>
+          <p:spPr>
+            <a:xfrm>
+              <a:off x="2733362" y="634122"/>
+              <a:ext cx="2627290" cy="1"/>
+            </a:xfrm>
+            <a:prstGeom prst="line">
+              <a:avLst/>
+            </a:prstGeom>
+            <a:noFill/>
+            <a:ln w="38100" cap="flat">
+              <a:solidFill>
+                <a:schemeClr val="accent3">
+                  <a:hueOff val="-333990"/>
+                  <a:satOff val="3917"/>
+                  <a:lumOff val="-6666"/>
+                </a:schemeClr>
+              </a:solidFill>
+              <a:prstDash val="solid"/>
+              <a:round/>
+            </a:ln>
+            <a:effectLst/>
+          </p:spPr>
+          <p:txBody>
+            <a:bodyPr wrap="square" lIns="0" tIns="0" rIns="0" bIns="0" numCol="1" anchor="t">
+              <a:noAutofit/>
+            </a:bodyPr>
+            <a:lstStyle/>
+            <a:p>
+              <a:pPr/>
+            </a:p>
+          </p:txBody>
+        </p:sp>
+        <p:sp>
+          <p:nvSpPr>
+            <p:cNvPr id="127" name="Line"/>
+            <p:cNvSpPr/>
+            <p:nvPr/>
+          </p:nvSpPr>
+          <p:spPr>
+            <a:xfrm>
+              <a:off x="3836208" y="2228588"/>
+              <a:ext cx="1" cy="877937"/>
+            </a:xfrm>
+            <a:prstGeom prst="line">
+              <a:avLst/>
+            </a:prstGeom>
+            <a:noFill/>
+            <a:ln w="38100" cap="flat">
+              <a:solidFill>
+                <a:schemeClr val="accent3">
+                  <a:hueOff val="-333990"/>
+                  <a:satOff val="3917"/>
+                  <a:lumOff val="-6666"/>
+                </a:schemeClr>
+              </a:solidFill>
+              <a:prstDash val="solid"/>
+              <a:round/>
+            </a:ln>
+            <a:effectLst/>
+          </p:spPr>
+          <p:txBody>
+            <a:bodyPr wrap="square" lIns="0" tIns="0" rIns="0" bIns="0" numCol="1" anchor="t">
+              <a:noAutofit/>
+            </a:bodyPr>
+            <a:lstStyle/>
+            <a:p>
+              <a:pPr/>
+            </a:p>
+          </p:txBody>
+        </p:sp>
+        <p:sp>
+          <p:nvSpPr>
+            <p:cNvPr id="128" name="Line"/>
+            <p:cNvSpPr/>
+            <p:nvPr/>
+          </p:nvSpPr>
+          <p:spPr>
+            <a:xfrm flipV="1">
+              <a:off x="756883" y="946076"/>
+              <a:ext cx="1204259" cy="618315"/>
+            </a:xfrm>
+            <a:prstGeom prst="line">
+              <a:avLst/>
+            </a:prstGeom>
+            <a:noFill/>
+            <a:ln w="38100" cap="flat">
+              <a:solidFill>
+                <a:schemeClr val="accent3">
+                  <a:hueOff val="-333990"/>
+                  <a:satOff val="3917"/>
+                  <a:lumOff val="-6666"/>
+                </a:schemeClr>
+              </a:solidFill>
+              <a:prstDash val="solid"/>
+              <a:round/>
+            </a:ln>
+            <a:effectLst/>
+          </p:spPr>
+          <p:txBody>
+            <a:bodyPr wrap="square" lIns="0" tIns="0" rIns="0" bIns="0" numCol="1" anchor="t">
+              <a:noAutofit/>
+            </a:bodyPr>
+            <a:lstStyle/>
+            <a:p>
+              <a:pPr/>
+            </a:p>
+          </p:txBody>
+        </p:sp>
+        <p:sp>
+          <p:nvSpPr>
+            <p:cNvPr id="129" name="Line"/>
+            <p:cNvSpPr/>
+            <p:nvPr/>
+          </p:nvSpPr>
+          <p:spPr>
+            <a:xfrm>
+              <a:off x="2623942" y="950369"/>
+              <a:ext cx="820545" cy="544969"/>
+            </a:xfrm>
+            <a:prstGeom prst="line">
+              <a:avLst/>
+            </a:prstGeom>
+            <a:noFill/>
+            <a:ln w="38100" cap="flat">
+              <a:solidFill>
+                <a:schemeClr val="accent3">
+                  <a:hueOff val="-333990"/>
+                  <a:satOff val="3917"/>
+                  <a:lumOff val="-6666"/>
+                </a:schemeClr>
+              </a:solidFill>
+              <a:prstDash val="solid"/>
+              <a:round/>
+            </a:ln>
+            <a:effectLst/>
+          </p:spPr>
+          <p:txBody>
+            <a:bodyPr wrap="square" lIns="0" tIns="0" rIns="0" bIns="0" numCol="1" anchor="t">
+              <a:noAutofit/>
+            </a:bodyPr>
+            <a:lstStyle/>
+            <a:p>
+              <a:pPr/>
+            </a:p>
+          </p:txBody>
+        </p:sp>
+        <p:sp>
+          <p:nvSpPr>
+            <p:cNvPr id="130" name="Line"/>
+            <p:cNvSpPr/>
+            <p:nvPr/>
+          </p:nvSpPr>
+          <p:spPr>
+            <a:xfrm>
+              <a:off x="4206709" y="1802779"/>
+              <a:ext cx="2627290" cy="1"/>
+            </a:xfrm>
+            <a:prstGeom prst="line">
+              <a:avLst/>
+            </a:prstGeom>
+            <a:noFill/>
+            <a:ln w="38100" cap="flat">
+              <a:solidFill>
+                <a:schemeClr val="accent3">
+                  <a:hueOff val="-333990"/>
+                  <a:satOff val="3917"/>
+                  <a:lumOff val="-6666"/>
+                </a:schemeClr>
+              </a:solidFill>
+              <a:prstDash val="solid"/>
+              <a:round/>
+            </a:ln>
+            <a:effectLst/>
+          </p:spPr>
+          <p:txBody>
+            <a:bodyPr wrap="square" lIns="0" tIns="0" rIns="0" bIns="0" numCol="1" anchor="t">
+              <a:noAutofit/>
+            </a:bodyPr>
+            <a:lstStyle/>
+            <a:p>
+              <a:pPr/>
+            </a:p>
+          </p:txBody>
+        </p:sp>
+      </p:grpSp>
+    </p:spTree>
+  </p:cSld>
+  <p:clrMapOvr>
+    <a:masterClrMapping/>
+  </p:clrMapOvr>
+  <p:transition xmlns:p14="http://schemas.microsoft.com/office/powerpoint/2010/main" spd="med" advClick="1"/>
+  <p:timing>
+    <p:tnLst>
+      <p:par>
+        <p:cTn id="1" nodeType="tmRoot" restart="never" dur="indefinite" fill="hold">
+          <p:childTnLst>
+            <p:seq concurrent="1" prevAc="none" nextAc="seek">
+              <p:cTn id="2" nodeType="mainSeq" dur="indefinite" fill="hold">
+                <p:childTnLst>
+                  <p:par>
+                    <p:cTn id="3" fill="hold">
+                      <p:stCondLst>
+                        <p:cond delay="indefinite"/>
+                      </p:stCondLst>
+                      <p:childTnLst>
+                        <p:par>
+                          <p:cTn id="4" fill="hold">
+                            <p:stCondLst>
+                              <p:cond delay="0"/>
+                            </p:stCondLst>
+                            <p:childTnLst>
+                              <p:par>
+                                <p:cTn id="5" presetClass="entr" nodeType="clickEffect" presetSubtype="0" presetID="1" grpId="1" fill="hold">
+                                  <p:stCondLst>
+                                    <p:cond delay="0"/>
+                                  </p:stCondLst>
+                                  <p:iterate type="el" backwards="0">
+                                    <p:tmAbs val="0"/>
+                                  </p:iterate>
+                                  <p:childTnLst>
+                                    <p:set>
+                                      <p:cBhvr>
+                                        <p:cTn id="6" fill="hold"/>
+                                        <p:tgtEl>
+                                          <p:spTgt spid="93">
+                                            <p:bg/>
+                                          </p:spTgt>
+                                        </p:tgtEl>
+                                        <p:attrNameLst>
+                                          <p:attrName>style.visibility</p:attrName>
+                                        </p:attrNameLst>
+                                      </p:cBhvr>
+                                      <p:to>
+                                        <p:strVal val="visible"/>
+                                      </p:to>
+                                    </p:set>
+                                  </p:childTnLst>
+                                </p:cTn>
+                              </p:par>
+                              <p:par>
+                                <p:cTn id="7" presetClass="entr" nodeType="withEffect" presetSubtype="0" presetID="1" grpId="1" fill="hold">
+                                  <p:stCondLst>
+                                    <p:cond delay="0"/>
+                                  </p:stCondLst>
+                                  <p:iterate type="el" backwards="0">
+                                    <p:tmAbs val="0"/>
+                                  </p:iterate>
+                                  <p:childTnLst>
+                                    <p:set>
+                                      <p:cBhvr>
+                                        <p:cTn id="8" fill="hold"/>
+                                        <p:tgtEl>
+                                          <p:spTgt spid="93">
+                                            <p:txEl>
+                                              <p:pRg st="0" end="0"/>
+                                            </p:txEl>
+                                          </p:spTgt>
+                                        </p:tgtEl>
+                                        <p:attrNameLst>
+                                          <p:attrName>style.visibility</p:attrName>
+                                        </p:attrNameLst>
+                                      </p:cBhvr>
+                                      <p:to>
+                                        <p:strVal val="visible"/>
+                                      </p:to>
+                                    </p:set>
+                                  </p:childTnLst>
+                                </p:cTn>
+                              </p:par>
+                            </p:childTnLst>
+                          </p:cTn>
+                        </p:par>
+                      </p:childTnLst>
+                    </p:cTn>
+                  </p:par>
+                </p:childTnLst>
+              </p:cTn>
+              <p:prevCondLst>
+                <p:cond evt="onPrev">
+                  <p:tgtEl>
+                    <p:sldTgt/>
+                  </p:tgtEl>
+                </p:cond>
+              </p:prevCondLst>
+              <p:nextCondLst>
+                <p:cond evt="onNext">
+                  <p:tgtEl>
+                    <p:sldTgt/>
+                  </p:tgtEl>
+                </p:cond>
+              </p:nextCondLst>
+            </p:seq>
+          </p:childTnLst>
+        </p:cTn>
+      </p:par>
+    </p:tnLst>
+    <p:bldLst>
+      <p:bldP build="p" bldLvl="5" animBg="1" rev="0" advAuto="0" spid="93" grpId="1"/>
+    </p:bldLst>
+  </p:timing>
+</p:sld>
+</file>
+
+<file path=ppt/slides/slide6.xml><?xml version="1.0" encoding="utf-8"?>
+<p:sld xmlns:a="http://schemas.openxmlformats.org/drawingml/2006/main" xmlns:r="http://schemas.openxmlformats.org/officeDocument/2006/relationships" xmlns:p="http://schemas.openxmlformats.org/presentationml/2006/main" xmlns:m="http://schemas.openxmlformats.org/officeDocument/2006/math" xmlns:a14="http://schemas.microsoft.com/office/drawing/2010/main" showMasterSp="1" showMasterPhAnim="1">
+  <p:cSld>
+    <p:spTree>
+      <p:nvGrpSpPr>
+        <p:cNvPr id="1" name=""/>
+        <p:cNvGrpSpPr/>
+        <p:nvPr/>
+      </p:nvGrpSpPr>
+      <p:grpSpPr>
+        <a:xfrm>
+          <a:off x="0" y="0"/>
+          <a:ext cx="0" cy="0"/>
+          <a:chOff x="0" y="0"/>
+          <a:chExt cx="0" cy="0"/>
+        </a:xfrm>
+      </p:grpSpPr>
       <p:sp>
         <p:nvSpPr>
-          <p:cNvPr id="120" name="a"/>
-          <p:cNvSpPr/>
+          <p:cNvPr id="133" name="Analysis of Kruskal’s Algorithm"/>
+          <p:cNvSpPr txBox="1"/>
+          <p:nvPr>
+            <p:ph type="title"/>
+          </p:nvPr>
+        </p:nvSpPr>
+        <p:spPr>
+          <a:prstGeom prst="rect">
+            <a:avLst/>
+          </a:prstGeom>
+        </p:spPr>
+        <p:txBody>
+          <a:bodyPr/>
+          <a:lstStyle/>
+          <a:p>
+            <a:pPr/>
+            <a:r>
+              <a:t>Analysis of Kruskal’s Algorithm</a:t>
+            </a:r>
+          </a:p>
+        </p:txBody>
+      </p:sp>
+      <p:sp>
+        <p:nvSpPr>
+          <p:cNvPr id="134" name="Algorithm looks easier to implement…"/>
+          <p:cNvSpPr txBox="1"/>
+          <p:nvPr>
+            <p:ph type="body" idx="1"/>
+          </p:nvPr>
+        </p:nvSpPr>
+        <p:spPr>
+          <a:prstGeom prst="rect">
+            <a:avLst/>
+          </a:prstGeom>
+        </p:spPr>
+        <p:txBody>
+          <a:bodyPr/>
+          <a:lstStyle/>
+          <a:p>
+            <a:pPr/>
+            <a:r>
+              <a:t>Algorithm looks easier to implement</a:t>
+            </a:r>
+          </a:p>
+          <a:p>
+            <a:pPr lvl="1"/>
+            <a:r>
+              <a:t>Just sort the edge in non-increasing order of weights and consider one edge at a time</a:t>
+            </a:r>
+          </a:p>
+          <a:p>
+            <a:pPr/>
+            <a:r>
+              <a:t>Cycle checking is harder to implement</a:t>
+            </a:r>
+          </a:p>
+          <a:p>
+            <a:pPr lvl="1"/>
+            <a:r>
+              <a:t>A cycle occurs when the added edge connects vertices in the same connected component</a:t>
+            </a:r>
+          </a:p>
+          <a:p>
+            <a:pPr/>
+            <a:r>
+              <a:t>Using Union-Find algorithm to merge the connected components</a:t>
+            </a:r>
+          </a:p>
+          <a:p>
+            <a:pPr/>
+            <a:r>
+              <a:t>Time complexity:</a:t>
+            </a:r>
+          </a:p>
+          <a:p>
+            <a:pPr lvl="1">
+              <a:defRPr>
+                <a:latin typeface="Courier New"/>
+                <a:ea typeface="Courier New"/>
+                <a:cs typeface="Courier New"/>
+                <a:sym typeface="Courier New"/>
+              </a:defRPr>
+            </a:pPr>
+            <a:r>
+              <a:t>O(m*lg m)</a:t>
+            </a:r>
+            <a:r>
+              <a:rPr>
+                <a:latin typeface="Gill Sans MT"/>
+                <a:ea typeface="Gill Sans MT"/>
+                <a:cs typeface="Gill Sans MT"/>
+                <a:sym typeface="Gill Sans MT"/>
+              </a:rPr>
+              <a:t>, where </a:t>
+            </a:r>
+            <a:r>
+              <a:t>m</a:t>
+            </a:r>
+            <a:r>
+              <a:rPr>
+                <a:latin typeface="Gill Sans MT"/>
+                <a:ea typeface="Gill Sans MT"/>
+                <a:cs typeface="Gill Sans MT"/>
+                <a:sym typeface="Gill Sans MT"/>
+              </a:rPr>
+              <a:t> is number of edges.</a:t>
+            </a:r>
+          </a:p>
+          <a:p>
+            <a:pPr lvl="1"/>
+            <a:r>
+              <a:t>The time spent is mostly on sorting.</a:t>
+            </a:r>
+          </a:p>
+        </p:txBody>
+      </p:sp>
+      <p:sp>
+        <p:nvSpPr>
+          <p:cNvPr id="135" name="Slide Number"/>
+          <p:cNvSpPr txBox="1"/>
+          <p:nvPr>
+            <p:ph type="sldNum" sz="quarter" idx="2"/>
+          </p:nvPr>
+        </p:nvSpPr>
+        <p:spPr>
+          <a:prstGeom prst="rect">
+            <a:avLst/>
+          </a:prstGeom>
+          <a:extLst>
+            <a:ext uri="{C572A759-6A51-4108-AA02-DFA0A04FC94B}">
+              <ma14:wrappingTextBoxFlag xmlns:ma14="http://schemas.microsoft.com/office/mac/drawingml/2011/main" val="1"/>
+            </a:ext>
+          </a:extLst>
+        </p:spPr>
+        <p:txBody>
+          <a:bodyPr/>
+          <a:lstStyle/>
+          <a:p>
+            <a:pPr/>
+            <a:fld id="{86CB4B4D-7CA3-9044-876B-883B54F8677D}" type="slidenum"/>
+          </a:p>
+        </p:txBody>
+      </p:sp>
+      <p:sp>
+        <p:nvSpPr>
+          <p:cNvPr id="136" name="DAA/Greedy Algorithms"/>
+          <p:cNvSpPr txBox="1"/>
           <p:nvPr/>
         </p:nvSpPr>
         <p:spPr>
           <a:xfrm>
-            <a:off x="1269974" y="2818158"/>
-            <a:ext cx="803522" cy="839612"/>
+            <a:off x="423212" y="6963885"/>
+            <a:ext cx="3244911" cy="431552"/>
           </a:xfrm>
-          <a:prstGeom prst="ellipse">
+          <a:prstGeom prst="rect">
             <a:avLst/>
           </a:prstGeom>
-          <a:solidFill>
-            <a:schemeClr val="accent3"/>
-          </a:solidFill>
-          <a:ln w="25400">
-            <a:solidFill>
-              <a:srgbClr val="000000"/>
-            </a:solidFill>
+          <a:ln w="12700">
+            <a:miter lim="400000"/>
           </a:ln>
           <a:extLst>
             <a:ext uri="{C572A759-6A51-4108-AA02-DFA0A04FC94B}">
@@ -18943,46 +19927,38 @@
           </a:extLst>
         </p:spPr>
         <p:txBody>
-          <a:bodyPr lIns="50800" tIns="50800" rIns="50800" bIns="50800" anchor="ctr"/>
+          <a:bodyPr wrap="none" lIns="50800" tIns="50800" rIns="50800" bIns="50800" anchor="ctr">
+            <a:spAutoFit/>
+          </a:bodyPr>
           <a:lstStyle>
-            <a:lvl1pPr algn="ctr">
-              <a:defRPr b="1" sz="2400">
-                <a:latin typeface="Gill Sans MT"/>
-                <a:ea typeface="Gill Sans MT"/>
-                <a:cs typeface="Gill Sans MT"/>
-                <a:sym typeface="Gill Sans MT"/>
-              </a:defRPr>
+            <a:lvl1pPr>
+              <a:defRPr sz="2400"/>
             </a:lvl1pPr>
           </a:lstStyle>
           <a:p>
             <a:pPr/>
             <a:r>
-              <a:t>a</a:t>
+              <a:t>DAA/Greedy Algorithms</a:t>
             </a:r>
           </a:p>
         </p:txBody>
       </p:sp>
       <p:sp>
         <p:nvSpPr>
-          <p:cNvPr id="121" name="b"/>
-          <p:cNvSpPr/>
+          <p:cNvPr id="137" name="RPR/"/>
+          <p:cNvSpPr txBox="1"/>
           <p:nvPr/>
         </p:nvSpPr>
         <p:spPr>
           <a:xfrm>
-            <a:off x="3166726" y="1764405"/>
-            <a:ext cx="803522" cy="839612"/>
+            <a:off x="7535212" y="6988206"/>
+            <a:ext cx="705605" cy="382910"/>
           </a:xfrm>
-          <a:prstGeom prst="ellipse">
+          <a:prstGeom prst="rect">
             <a:avLst/>
           </a:prstGeom>
-          <a:solidFill>
-            <a:schemeClr val="accent3"/>
-          </a:solidFill>
-          <a:ln w="25400">
-            <a:solidFill>
-              <a:srgbClr val="000000"/>
-            </a:solidFill>
+          <a:ln w="12700">
+            <a:miter lim="400000"/>
           </a:ln>
           <a:extLst>
             <a:ext uri="{C572A759-6A51-4108-AA02-DFA0A04FC94B}">
@@ -18991,374 +19967,19 @@
           </a:extLst>
         </p:spPr>
         <p:txBody>
-          <a:bodyPr lIns="50800" tIns="50800" rIns="50800" bIns="50800" anchor="ctr"/>
+          <a:bodyPr wrap="none" lIns="50800" tIns="50800" rIns="50800" bIns="50800" anchor="ctr">
+            <a:spAutoFit/>
+          </a:bodyPr>
           <a:lstStyle>
-            <a:lvl1pPr algn="ctr">
-              <a:defRPr b="1" sz="2400">
-                <a:latin typeface="Gill Sans MT"/>
-                <a:ea typeface="Gill Sans MT"/>
-                <a:cs typeface="Gill Sans MT"/>
-                <a:sym typeface="Gill Sans MT"/>
-              </a:defRPr>
+            <a:lvl1pPr>
+              <a:defRPr sz="2000"/>
             </a:lvl1pPr>
           </a:lstStyle>
           <a:p>
             <a:pPr/>
             <a:r>
-              <a:t>b</a:t>
-            </a:r>
-          </a:p>
-        </p:txBody>
-      </p:sp>
-      <p:sp>
-        <p:nvSpPr>
-          <p:cNvPr id="122" name="c"/>
-          <p:cNvSpPr/>
-          <p:nvPr/>
-        </p:nvSpPr>
-        <p:spPr>
-          <a:xfrm>
-            <a:off x="6629600" y="1764405"/>
-            <a:ext cx="803523" cy="839612"/>
-          </a:xfrm>
-          <a:prstGeom prst="ellipse">
-            <a:avLst/>
-          </a:prstGeom>
-          <a:solidFill>
-            <a:schemeClr val="accent3"/>
-          </a:solidFill>
-          <a:ln w="25400">
-            <a:solidFill>
-              <a:srgbClr val="000000"/>
-            </a:solidFill>
-          </a:ln>
-          <a:extLst>
-            <a:ext uri="{C572A759-6A51-4108-AA02-DFA0A04FC94B}">
-              <ma14:wrappingTextBoxFlag xmlns:ma14="http://schemas.microsoft.com/office/mac/drawingml/2011/main" val="1"/>
-            </a:ext>
-          </a:extLst>
-        </p:spPr>
-        <p:txBody>
-          <a:bodyPr lIns="50800" tIns="50800" rIns="50800" bIns="50800" anchor="ctr"/>
-          <a:lstStyle>
-            <a:lvl1pPr algn="ctr">
-              <a:defRPr b="1" sz="2400">
-                <a:latin typeface="Gill Sans MT"/>
-                <a:ea typeface="Gill Sans MT"/>
-                <a:cs typeface="Gill Sans MT"/>
-                <a:sym typeface="Gill Sans MT"/>
-              </a:defRPr>
-            </a:lvl1pPr>
-          </a:lstStyle>
-          <a:p>
-            <a:pPr/>
-            <a:r>
-              <a:t>c</a:t>
-            </a:r>
-          </a:p>
-        </p:txBody>
-      </p:sp>
-      <p:sp>
-        <p:nvSpPr>
-          <p:cNvPr id="123" name="d"/>
-          <p:cNvSpPr/>
-          <p:nvPr/>
-        </p:nvSpPr>
-        <p:spPr>
-          <a:xfrm>
-            <a:off x="8118506" y="2811052"/>
-            <a:ext cx="803522" cy="839612"/>
-          </a:xfrm>
-          <a:prstGeom prst="ellipse">
-            <a:avLst/>
-          </a:prstGeom>
-          <a:solidFill>
-            <a:schemeClr val="accent3"/>
-          </a:solidFill>
-          <a:ln w="25400">
-            <a:solidFill>
-              <a:srgbClr val="000000"/>
-            </a:solidFill>
-          </a:ln>
-          <a:extLst>
-            <a:ext uri="{C572A759-6A51-4108-AA02-DFA0A04FC94B}">
-              <ma14:wrappingTextBoxFlag xmlns:ma14="http://schemas.microsoft.com/office/mac/drawingml/2011/main" val="1"/>
-            </a:ext>
-          </a:extLst>
-        </p:spPr>
-        <p:txBody>
-          <a:bodyPr lIns="50800" tIns="50800" rIns="50800" bIns="50800" anchor="ctr"/>
-          <a:lstStyle>
-            <a:lvl1pPr algn="ctr">
-              <a:defRPr b="1" sz="2400">
-                <a:latin typeface="Gill Sans MT"/>
-                <a:ea typeface="Gill Sans MT"/>
-                <a:cs typeface="Gill Sans MT"/>
-                <a:sym typeface="Gill Sans MT"/>
-              </a:defRPr>
-            </a:lvl1pPr>
-          </a:lstStyle>
-          <a:p>
-            <a:pPr/>
-            <a:r>
-              <a:t>d</a:t>
-            </a:r>
-          </a:p>
-        </p:txBody>
-      </p:sp>
-      <p:sp>
-        <p:nvSpPr>
-          <p:cNvPr id="124" name="e"/>
-          <p:cNvSpPr/>
-          <p:nvPr/>
-        </p:nvSpPr>
-        <p:spPr>
-          <a:xfrm>
-            <a:off x="4700413" y="4647298"/>
-            <a:ext cx="803523" cy="839613"/>
-          </a:xfrm>
-          <a:prstGeom prst="ellipse">
-            <a:avLst/>
-          </a:prstGeom>
-          <a:solidFill>
-            <a:schemeClr val="accent3"/>
-          </a:solidFill>
-          <a:ln w="25400">
-            <a:solidFill>
-              <a:srgbClr val="000000"/>
-            </a:solidFill>
-          </a:ln>
-          <a:extLst>
-            <a:ext uri="{C572A759-6A51-4108-AA02-DFA0A04FC94B}">
-              <ma14:wrappingTextBoxFlag xmlns:ma14="http://schemas.microsoft.com/office/mac/drawingml/2011/main" val="1"/>
-            </a:ext>
-          </a:extLst>
-        </p:spPr>
-        <p:txBody>
-          <a:bodyPr lIns="50800" tIns="50800" rIns="50800" bIns="50800" anchor="ctr"/>
-          <a:lstStyle>
-            <a:lvl1pPr algn="ctr">
-              <a:defRPr b="1" sz="2400">
-                <a:latin typeface="Gill Sans MT"/>
-                <a:ea typeface="Gill Sans MT"/>
-                <a:cs typeface="Gill Sans MT"/>
-                <a:sym typeface="Gill Sans MT"/>
-              </a:defRPr>
-            </a:lvl1pPr>
-          </a:lstStyle>
-          <a:p>
-            <a:pPr/>
-            <a:r>
-              <a:t>e</a:t>
-            </a:r>
-          </a:p>
-        </p:txBody>
-      </p:sp>
-      <p:sp>
-        <p:nvSpPr>
-          <p:cNvPr id="125" name="f"/>
-          <p:cNvSpPr/>
-          <p:nvPr/>
-        </p:nvSpPr>
-        <p:spPr>
-          <a:xfrm>
-            <a:off x="4700641" y="2811052"/>
-            <a:ext cx="803523" cy="839612"/>
-          </a:xfrm>
-          <a:prstGeom prst="ellipse">
-            <a:avLst/>
-          </a:prstGeom>
-          <a:solidFill>
-            <a:schemeClr val="accent3"/>
-          </a:solidFill>
-          <a:ln w="25400">
-            <a:solidFill>
-              <a:srgbClr val="000000"/>
-            </a:solidFill>
-          </a:ln>
-          <a:extLst>
-            <a:ext uri="{C572A759-6A51-4108-AA02-DFA0A04FC94B}">
-              <ma14:wrappingTextBoxFlag xmlns:ma14="http://schemas.microsoft.com/office/mac/drawingml/2011/main" val="1"/>
-            </a:ext>
-          </a:extLst>
-        </p:spPr>
-        <p:txBody>
-          <a:bodyPr lIns="50800" tIns="50800" rIns="50800" bIns="50800" anchor="ctr"/>
-          <a:lstStyle>
-            <a:lvl1pPr algn="ctr">
-              <a:defRPr b="1" sz="2400">
-                <a:latin typeface="Gill Sans MT"/>
-                <a:ea typeface="Gill Sans MT"/>
-                <a:cs typeface="Gill Sans MT"/>
-                <a:sym typeface="Gill Sans MT"/>
-              </a:defRPr>
-            </a:lvl1pPr>
-          </a:lstStyle>
-          <a:p>
-            <a:pPr/>
-            <a:r>
-              <a:t>f</a:t>
-            </a:r>
-          </a:p>
-        </p:txBody>
-      </p:sp>
-      <p:sp>
-        <p:nvSpPr>
-          <p:cNvPr id="126" name="Line"/>
-          <p:cNvSpPr/>
-          <p:nvPr/>
-        </p:nvSpPr>
-        <p:spPr>
-          <a:xfrm>
-            <a:off x="4003337" y="2121414"/>
-            <a:ext cx="2627289" cy="1"/>
-          </a:xfrm>
-          <a:prstGeom prst="line">
-            <a:avLst/>
-          </a:prstGeom>
-          <a:ln w="38100">
-            <a:solidFill>
-              <a:schemeClr val="accent3">
-                <a:hueOff val="-333990"/>
-                <a:satOff val="3917"/>
-                <a:lumOff val="-6666"/>
-              </a:schemeClr>
-            </a:solidFill>
-          </a:ln>
-        </p:spPr>
-        <p:txBody>
-          <a:bodyPr lIns="0" tIns="0" rIns="0" bIns="0"/>
-          <a:lstStyle/>
-          <a:p>
-            <a:pPr/>
-          </a:p>
-        </p:txBody>
-      </p:sp>
-      <p:sp>
-        <p:nvSpPr>
-          <p:cNvPr id="127" name="Line"/>
-          <p:cNvSpPr/>
-          <p:nvPr/>
-        </p:nvSpPr>
-        <p:spPr>
-          <a:xfrm>
-            <a:off x="5106182" y="3715880"/>
-            <a:ext cx="1" cy="877936"/>
-          </a:xfrm>
-          <a:prstGeom prst="line">
-            <a:avLst/>
-          </a:prstGeom>
-          <a:ln w="38100">
-            <a:solidFill>
-              <a:schemeClr val="accent3">
-                <a:hueOff val="-333990"/>
-                <a:satOff val="3917"/>
-                <a:lumOff val="-6666"/>
-              </a:schemeClr>
-            </a:solidFill>
-          </a:ln>
-        </p:spPr>
-        <p:txBody>
-          <a:bodyPr lIns="0" tIns="0" rIns="0" bIns="0"/>
-          <a:lstStyle/>
-          <a:p>
-            <a:pPr/>
-          </a:p>
-        </p:txBody>
-      </p:sp>
-      <p:sp>
-        <p:nvSpPr>
-          <p:cNvPr id="128" name="Line"/>
-          <p:cNvSpPr/>
-          <p:nvPr/>
-        </p:nvSpPr>
-        <p:spPr>
-          <a:xfrm flipV="1">
-            <a:off x="2026857" y="2433367"/>
-            <a:ext cx="1204259" cy="618316"/>
-          </a:xfrm>
-          <a:prstGeom prst="line">
-            <a:avLst/>
-          </a:prstGeom>
-          <a:ln w="38100">
-            <a:solidFill>
-              <a:schemeClr val="accent3">
-                <a:hueOff val="-333990"/>
-                <a:satOff val="3917"/>
-                <a:lumOff val="-6666"/>
-              </a:schemeClr>
-            </a:solidFill>
-          </a:ln>
-        </p:spPr>
-        <p:txBody>
-          <a:bodyPr lIns="0" tIns="0" rIns="0" bIns="0"/>
-          <a:lstStyle/>
-          <a:p>
-            <a:pPr/>
-          </a:p>
-        </p:txBody>
-      </p:sp>
-      <p:sp>
-        <p:nvSpPr>
-          <p:cNvPr id="129" name="Line"/>
-          <p:cNvSpPr/>
-          <p:nvPr/>
-        </p:nvSpPr>
-        <p:spPr>
-          <a:xfrm>
-            <a:off x="3893916" y="2437660"/>
-            <a:ext cx="820545" cy="544970"/>
-          </a:xfrm>
-          <a:prstGeom prst="line">
-            <a:avLst/>
-          </a:prstGeom>
-          <a:ln w="38100">
-            <a:solidFill>
-              <a:schemeClr val="accent3">
-                <a:hueOff val="-333990"/>
-                <a:satOff val="3917"/>
-                <a:lumOff val="-6666"/>
-              </a:schemeClr>
-            </a:solidFill>
-          </a:ln>
-        </p:spPr>
-        <p:txBody>
-          <a:bodyPr lIns="0" tIns="0" rIns="0" bIns="0"/>
-          <a:lstStyle/>
-          <a:p>
-            <a:pPr/>
-          </a:p>
-        </p:txBody>
-      </p:sp>
-      <p:sp>
-        <p:nvSpPr>
-          <p:cNvPr id="130" name="Line"/>
-          <p:cNvSpPr/>
-          <p:nvPr/>
-        </p:nvSpPr>
-        <p:spPr>
-          <a:xfrm>
-            <a:off x="5476684" y="3290071"/>
-            <a:ext cx="2627289" cy="1"/>
-          </a:xfrm>
-          <a:prstGeom prst="line">
-            <a:avLst/>
-          </a:prstGeom>
-          <a:ln w="38100">
-            <a:solidFill>
-              <a:schemeClr val="accent3">
-                <a:hueOff val="-333990"/>
-                <a:satOff val="3917"/>
-                <a:lumOff val="-6666"/>
-              </a:schemeClr>
-            </a:solidFill>
-          </a:ln>
-        </p:spPr>
-        <p:txBody>
-          <a:bodyPr lIns="0" tIns="0" rIns="0" bIns="0"/>
-          <a:lstStyle/>
-          <a:p>
-            <a:pPr/>
+              <a:t>RPR/</a:t>
+            </a:r>
           </a:p>
         </p:txBody>
       </p:sp>
@@ -19401,7 +20022,7 @@
                                       <p:cBhvr>
                                         <p:cTn id="6" fill="hold"/>
                                         <p:tgtEl>
-                                          <p:spTgt spid="119">
+                                          <p:spTgt spid="134">
                                             <p:bg/>
                                           </p:spTgt>
                                         </p:tgtEl>
@@ -19429,1657 +20050,7 @@
                                       <p:cBhvr>
                                         <p:cTn id="8" fill="hold"/>
                                         <p:tgtEl>
-                                          <p:spTgt spid="119">
-                                            <p:txEl>
-                                              <p:pRg st="0" end="0"/>
-                                            </p:txEl>
-                                          </p:spTgt>
-                                        </p:tgtEl>
-                                        <p:attrNameLst>
-                                          <p:attrName>style.visibility</p:attrName>
-                                        </p:attrNameLst>
-                                      </p:cBhvr>
-                                      <p:to>
-                                        <p:strVal val="visible"/>
-                                      </p:to>
-                                    </p:set>
-                                  </p:childTnLst>
-                                </p:cTn>
-                              </p:par>
-                            </p:childTnLst>
-                          </p:cTn>
-                        </p:par>
-                      </p:childTnLst>
-                    </p:cTn>
-                  </p:par>
-                  <p:par>
-                    <p:cTn id="9" fill="hold">
-                      <p:stCondLst>
-                        <p:cond delay="indefinite"/>
-                      </p:stCondLst>
-                      <p:childTnLst>
-                        <p:par>
-                          <p:cTn id="10" fill="hold">
-                            <p:stCondLst>
-                              <p:cond delay="0"/>
-                            </p:stCondLst>
-                            <p:childTnLst>
-                              <p:par>
-                                <p:cTn id="11" presetClass="emph" nodeType="clickEffect" presetSubtype="0" presetID="35" grpId="2" repeatCount="6000" fill="hold">
-                                  <p:stCondLst>
-                                    <p:cond delay="0"/>
-                                  </p:stCondLst>
-                                  <p:childTnLst>
-                                    <p:anim calcmode="discrete" valueType="str">
-                                      <p:cBhvr>
-                                        <p:cTn id="12" dur="1000" fill="hold"/>
-                                        <p:tgtEl>
-                                          <p:spTgt spid="107"/>
-                                        </p:tgtEl>
-                                        <p:attrNameLst>
-                                          <p:attrName>style.visibility</p:attrName>
-                                        </p:attrNameLst>
-                                      </p:cBhvr>
-                                      <p:tavLst>
-                                        <p:tav tm="0">
-                                          <p:val>
-                                            <p:strVal val="hidden"/>
-                                          </p:val>
-                                        </p:tav>
-                                        <p:tav tm="50000">
-                                          <p:val>
-                                            <p:strVal val="visible"/>
-                                          </p:val>
-                                        </p:tav>
-                                      </p:tavLst>
-                                    </p:anim>
-                                  </p:childTnLst>
-                                </p:cTn>
-                              </p:par>
-                            </p:childTnLst>
-                          </p:cTn>
-                        </p:par>
-                      </p:childTnLst>
-                    </p:cTn>
-                  </p:par>
-                  <p:par>
-                    <p:cTn id="13" fill="hold">
-                      <p:stCondLst>
-                        <p:cond delay="indefinite"/>
-                      </p:stCondLst>
-                      <p:childTnLst>
-                        <p:par>
-                          <p:cTn id="14" fill="hold">
-                            <p:stCondLst>
-                              <p:cond delay="0"/>
-                            </p:stCondLst>
-                            <p:childTnLst>
-                              <p:par>
-                                <p:cTn id="15" presetClass="entr" nodeType="clickEffect" presetSubtype="0" presetID="1" grpId="3" fill="hold">
-                                  <p:stCondLst>
-                                    <p:cond delay="0"/>
-                                  </p:stCondLst>
-                                  <p:iterate type="el" backwards="0">
-                                    <p:tmAbs val="0"/>
-                                  </p:iterate>
-                                  <p:childTnLst>
-                                    <p:set>
-                                      <p:cBhvr>
-                                        <p:cTn id="16" fill="hold"/>
-                                        <p:tgtEl>
-                                          <p:spTgt spid="126"/>
-                                        </p:tgtEl>
-                                        <p:attrNameLst>
-                                          <p:attrName>style.visibility</p:attrName>
-                                        </p:attrNameLst>
-                                      </p:cBhvr>
-                                      <p:to>
-                                        <p:strVal val="visible"/>
-                                      </p:to>
-                                    </p:set>
-                                  </p:childTnLst>
-                                </p:cTn>
-                              </p:par>
-                            </p:childTnLst>
-                          </p:cTn>
-                        </p:par>
-                      </p:childTnLst>
-                    </p:cTn>
-                  </p:par>
-                  <p:par>
-                    <p:cTn id="17" fill="hold">
-                      <p:stCondLst>
-                        <p:cond delay="indefinite"/>
-                      </p:stCondLst>
-                      <p:childTnLst>
-                        <p:par>
-                          <p:cTn id="18" fill="hold">
-                            <p:stCondLst>
-                              <p:cond delay="0"/>
-                            </p:stCondLst>
-                            <p:childTnLst>
-                              <p:par>
-                                <p:cTn id="19" presetClass="entr" nodeType="clickEffect" presetSubtype="0" presetID="1" grpId="4" fill="hold">
-                                  <p:stCondLst>
-                                    <p:cond delay="0"/>
-                                  </p:stCondLst>
-                                  <p:iterate type="el" backwards="0">
-                                    <p:tmAbs val="0"/>
-                                  </p:iterate>
-                                  <p:childTnLst>
-                                    <p:set>
-                                      <p:cBhvr>
-                                        <p:cTn id="20" fill="hold"/>
-                                        <p:tgtEl>
-                                          <p:spTgt spid="121"/>
-                                        </p:tgtEl>
-                                        <p:attrNameLst>
-                                          <p:attrName>style.visibility</p:attrName>
-                                        </p:attrNameLst>
-                                      </p:cBhvr>
-                                      <p:to>
-                                        <p:strVal val="visible"/>
-                                      </p:to>
-                                    </p:set>
-                                  </p:childTnLst>
-                                </p:cTn>
-                              </p:par>
-                            </p:childTnLst>
-                          </p:cTn>
-                        </p:par>
-                      </p:childTnLst>
-                    </p:cTn>
-                  </p:par>
-                  <p:par>
-                    <p:cTn id="21" fill="hold">
-                      <p:stCondLst>
-                        <p:cond delay="indefinite"/>
-                      </p:stCondLst>
-                      <p:childTnLst>
-                        <p:par>
-                          <p:cTn id="22" fill="hold">
-                            <p:stCondLst>
-                              <p:cond delay="0"/>
-                            </p:stCondLst>
-                            <p:childTnLst>
-                              <p:par>
-                                <p:cTn id="23" presetClass="entr" nodeType="clickEffect" presetSubtype="0" presetID="1" grpId="5" fill="hold">
-                                  <p:stCondLst>
-                                    <p:cond delay="0"/>
-                                  </p:stCondLst>
-                                  <p:iterate type="el" backwards="0">
-                                    <p:tmAbs val="0"/>
-                                  </p:iterate>
-                                  <p:childTnLst>
-                                    <p:set>
-                                      <p:cBhvr>
-                                        <p:cTn id="24" fill="hold"/>
-                                        <p:tgtEl>
-                                          <p:spTgt spid="122"/>
-                                        </p:tgtEl>
-                                        <p:attrNameLst>
-                                          <p:attrName>style.visibility</p:attrName>
-                                        </p:attrNameLst>
-                                      </p:cBhvr>
-                                      <p:to>
-                                        <p:strVal val="visible"/>
-                                      </p:to>
-                                    </p:set>
-                                  </p:childTnLst>
-                                </p:cTn>
-                              </p:par>
-                            </p:childTnLst>
-                          </p:cTn>
-                        </p:par>
-                      </p:childTnLst>
-                    </p:cTn>
-                  </p:par>
-                  <p:par>
-                    <p:cTn id="25" fill="hold">
-                      <p:stCondLst>
-                        <p:cond delay="indefinite"/>
-                      </p:stCondLst>
-                      <p:childTnLst>
-                        <p:par>
-                          <p:cTn id="26" fill="hold">
-                            <p:stCondLst>
-                              <p:cond delay="0"/>
-                            </p:stCondLst>
-                            <p:childTnLst>
-                              <p:par>
-                                <p:cTn id="27" presetClass="emph" nodeType="clickEffect" presetSubtype="0" presetID="35" grpId="6" repeatCount="6000" fill="hold">
-                                  <p:stCondLst>
-                                    <p:cond delay="0"/>
-                                  </p:stCondLst>
-                                  <p:childTnLst>
-                                    <p:anim calcmode="discrete" valueType="str">
-                                      <p:cBhvr>
-                                        <p:cTn id="28" dur="1000" fill="hold"/>
-                                        <p:tgtEl>
-                                          <p:spTgt spid="108"/>
-                                        </p:tgtEl>
-                                        <p:attrNameLst>
-                                          <p:attrName>style.visibility</p:attrName>
-                                        </p:attrNameLst>
-                                      </p:cBhvr>
-                                      <p:tavLst>
-                                        <p:tav tm="0">
-                                          <p:val>
-                                            <p:strVal val="hidden"/>
-                                          </p:val>
-                                        </p:tav>
-                                        <p:tav tm="50000">
-                                          <p:val>
-                                            <p:strVal val="visible"/>
-                                          </p:val>
-                                        </p:tav>
-                                      </p:tavLst>
-                                    </p:anim>
-                                  </p:childTnLst>
-                                </p:cTn>
-                              </p:par>
-                            </p:childTnLst>
-                          </p:cTn>
-                        </p:par>
-                      </p:childTnLst>
-                    </p:cTn>
-                  </p:par>
-                  <p:par>
-                    <p:cTn id="29" fill="hold">
-                      <p:stCondLst>
-                        <p:cond delay="indefinite"/>
-                      </p:stCondLst>
-                      <p:childTnLst>
-                        <p:par>
-                          <p:cTn id="30" fill="hold">
-                            <p:stCondLst>
-                              <p:cond delay="0"/>
-                            </p:stCondLst>
-                            <p:childTnLst>
-                              <p:par>
-                                <p:cTn id="31" presetClass="entr" nodeType="clickEffect" presetSubtype="0" presetID="1" grpId="7" fill="hold">
-                                  <p:stCondLst>
-                                    <p:cond delay="0"/>
-                                  </p:stCondLst>
-                                  <p:iterate type="el" backwards="0">
-                                    <p:tmAbs val="0"/>
-                                  </p:iterate>
-                                  <p:childTnLst>
-                                    <p:set>
-                                      <p:cBhvr>
-                                        <p:cTn id="32" fill="hold"/>
-                                        <p:tgtEl>
-                                          <p:spTgt spid="127"/>
-                                        </p:tgtEl>
-                                        <p:attrNameLst>
-                                          <p:attrName>style.visibility</p:attrName>
-                                        </p:attrNameLst>
-                                      </p:cBhvr>
-                                      <p:to>
-                                        <p:strVal val="visible"/>
-                                      </p:to>
-                                    </p:set>
-                                  </p:childTnLst>
-                                </p:cTn>
-                              </p:par>
-                            </p:childTnLst>
-                          </p:cTn>
-                        </p:par>
-                      </p:childTnLst>
-                    </p:cTn>
-                  </p:par>
-                  <p:par>
-                    <p:cTn id="33" fill="hold">
-                      <p:stCondLst>
-                        <p:cond delay="indefinite"/>
-                      </p:stCondLst>
-                      <p:childTnLst>
-                        <p:par>
-                          <p:cTn id="34" fill="hold">
-                            <p:stCondLst>
-                              <p:cond delay="0"/>
-                            </p:stCondLst>
-                            <p:childTnLst>
-                              <p:par>
-                                <p:cTn id="35" presetClass="entr" nodeType="clickEffect" presetSubtype="0" presetID="1" grpId="8" fill="hold">
-                                  <p:stCondLst>
-                                    <p:cond delay="0"/>
-                                  </p:stCondLst>
-                                  <p:iterate type="el" backwards="0">
-                                    <p:tmAbs val="0"/>
-                                  </p:iterate>
-                                  <p:childTnLst>
-                                    <p:set>
-                                      <p:cBhvr>
-                                        <p:cTn id="36" fill="hold"/>
-                                        <p:tgtEl>
-                                          <p:spTgt spid="125"/>
-                                        </p:tgtEl>
-                                        <p:attrNameLst>
-                                          <p:attrName>style.visibility</p:attrName>
-                                        </p:attrNameLst>
-                                      </p:cBhvr>
-                                      <p:to>
-                                        <p:strVal val="visible"/>
-                                      </p:to>
-                                    </p:set>
-                                  </p:childTnLst>
-                                </p:cTn>
-                              </p:par>
-                            </p:childTnLst>
-                          </p:cTn>
-                        </p:par>
-                      </p:childTnLst>
-                    </p:cTn>
-                  </p:par>
-                  <p:par>
-                    <p:cTn id="37" fill="hold">
-                      <p:stCondLst>
-                        <p:cond delay="indefinite"/>
-                      </p:stCondLst>
-                      <p:childTnLst>
-                        <p:par>
-                          <p:cTn id="38" fill="hold">
-                            <p:stCondLst>
-                              <p:cond delay="0"/>
-                            </p:stCondLst>
-                            <p:childTnLst>
-                              <p:par>
-                                <p:cTn id="39" presetClass="entr" nodeType="clickEffect" presetSubtype="0" presetID="1" grpId="9" fill="hold">
-                                  <p:stCondLst>
-                                    <p:cond delay="0"/>
-                                  </p:stCondLst>
-                                  <p:iterate type="el" backwards="0">
-                                    <p:tmAbs val="0"/>
-                                  </p:iterate>
-                                  <p:childTnLst>
-                                    <p:set>
-                                      <p:cBhvr>
-                                        <p:cTn id="40" fill="hold"/>
-                                        <p:tgtEl>
-                                          <p:spTgt spid="124"/>
-                                        </p:tgtEl>
-                                        <p:attrNameLst>
-                                          <p:attrName>style.visibility</p:attrName>
-                                        </p:attrNameLst>
-                                      </p:cBhvr>
-                                      <p:to>
-                                        <p:strVal val="visible"/>
-                                      </p:to>
-                                    </p:set>
-                                  </p:childTnLst>
-                                </p:cTn>
-                              </p:par>
-                            </p:childTnLst>
-                          </p:cTn>
-                        </p:par>
-                      </p:childTnLst>
-                    </p:cTn>
-                  </p:par>
-                  <p:par>
-                    <p:cTn id="41" fill="hold">
-                      <p:stCondLst>
-                        <p:cond delay="indefinite"/>
-                      </p:stCondLst>
-                      <p:childTnLst>
-                        <p:par>
-                          <p:cTn id="42" fill="hold">
-                            <p:stCondLst>
-                              <p:cond delay="0"/>
-                            </p:stCondLst>
-                            <p:childTnLst>
-                              <p:par>
-                                <p:cTn id="43" presetClass="emph" nodeType="clickEffect" presetSubtype="0" presetID="35" grpId="10" repeatCount="6000" fill="hold">
-                                  <p:stCondLst>
-                                    <p:cond delay="0"/>
-                                  </p:stCondLst>
-                                  <p:childTnLst>
-                                    <p:anim calcmode="discrete" valueType="str">
-                                      <p:cBhvr>
-                                        <p:cTn id="44" dur="1000" fill="hold"/>
-                                        <p:tgtEl>
-                                          <p:spTgt spid="99"/>
-                                        </p:tgtEl>
-                                        <p:attrNameLst>
-                                          <p:attrName>style.visibility</p:attrName>
-                                        </p:attrNameLst>
-                                      </p:cBhvr>
-                                      <p:tavLst>
-                                        <p:tav tm="0">
-                                          <p:val>
-                                            <p:strVal val="hidden"/>
-                                          </p:val>
-                                        </p:tav>
-                                        <p:tav tm="50000">
-                                          <p:val>
-                                            <p:strVal val="visible"/>
-                                          </p:val>
-                                        </p:tav>
-                                      </p:tavLst>
-                                    </p:anim>
-                                  </p:childTnLst>
-                                </p:cTn>
-                              </p:par>
-                            </p:childTnLst>
-                          </p:cTn>
-                        </p:par>
-                      </p:childTnLst>
-                    </p:cTn>
-                  </p:par>
-                  <p:par>
-                    <p:cTn id="45" fill="hold">
-                      <p:stCondLst>
-                        <p:cond delay="indefinite"/>
-                      </p:stCondLst>
-                      <p:childTnLst>
-                        <p:par>
-                          <p:cTn id="46" fill="hold">
-                            <p:stCondLst>
-                              <p:cond delay="0"/>
-                            </p:stCondLst>
-                            <p:childTnLst>
-                              <p:par>
-                                <p:cTn id="47" presetClass="entr" nodeType="clickEffect" presetSubtype="0" presetID="1" grpId="11" fill="hold">
-                                  <p:stCondLst>
-                                    <p:cond delay="0"/>
-                                  </p:stCondLst>
-                                  <p:iterate type="el" backwards="0">
-                                    <p:tmAbs val="0"/>
-                                  </p:iterate>
-                                  <p:childTnLst>
-                                    <p:set>
-                                      <p:cBhvr>
-                                        <p:cTn id="48" fill="hold"/>
-                                        <p:tgtEl>
-                                          <p:spTgt spid="128"/>
-                                        </p:tgtEl>
-                                        <p:attrNameLst>
-                                          <p:attrName>style.visibility</p:attrName>
-                                        </p:attrNameLst>
-                                      </p:cBhvr>
-                                      <p:to>
-                                        <p:strVal val="visible"/>
-                                      </p:to>
-                                    </p:set>
-                                  </p:childTnLst>
-                                </p:cTn>
-                              </p:par>
-                            </p:childTnLst>
-                          </p:cTn>
-                        </p:par>
-                      </p:childTnLst>
-                    </p:cTn>
-                  </p:par>
-                  <p:par>
-                    <p:cTn id="49" fill="hold">
-                      <p:stCondLst>
-                        <p:cond delay="indefinite"/>
-                      </p:stCondLst>
-                      <p:childTnLst>
-                        <p:par>
-                          <p:cTn id="50" fill="hold">
-                            <p:stCondLst>
-                              <p:cond delay="0"/>
-                            </p:stCondLst>
-                            <p:childTnLst>
-                              <p:par>
-                                <p:cTn id="51" presetClass="entr" nodeType="clickEffect" presetSubtype="0" presetID="1" grpId="12" fill="hold">
-                                  <p:stCondLst>
-                                    <p:cond delay="0"/>
-                                  </p:stCondLst>
-                                  <p:iterate type="el" backwards="0">
-                                    <p:tmAbs val="0"/>
-                                  </p:iterate>
-                                  <p:childTnLst>
-                                    <p:set>
-                                      <p:cBhvr>
-                                        <p:cTn id="52" fill="hold"/>
-                                        <p:tgtEl>
-                                          <p:spTgt spid="120"/>
-                                        </p:tgtEl>
-                                        <p:attrNameLst>
-                                          <p:attrName>style.visibility</p:attrName>
-                                        </p:attrNameLst>
-                                      </p:cBhvr>
-                                      <p:to>
-                                        <p:strVal val="visible"/>
-                                      </p:to>
-                                    </p:set>
-                                  </p:childTnLst>
-                                </p:cTn>
-                              </p:par>
-                            </p:childTnLst>
-                          </p:cTn>
-                        </p:par>
-                      </p:childTnLst>
-                    </p:cTn>
-                  </p:par>
-                  <p:par>
-                    <p:cTn id="53" fill="hold">
-                      <p:stCondLst>
-                        <p:cond delay="indefinite"/>
-                      </p:stCondLst>
-                      <p:childTnLst>
-                        <p:par>
-                          <p:cTn id="54" fill="hold">
-                            <p:stCondLst>
-                              <p:cond delay="0"/>
-                            </p:stCondLst>
-                            <p:childTnLst>
-                              <p:par>
-                                <p:cTn id="55" presetClass="emph" nodeType="clickEffect" presetSubtype="0" presetID="35" grpId="13" repeatCount="6000" fill="hold">
-                                  <p:stCondLst>
-                                    <p:cond delay="0"/>
-                                  </p:stCondLst>
-                                  <p:childTnLst>
-                                    <p:anim calcmode="discrete" valueType="str">
-                                      <p:cBhvr>
-                                        <p:cTn id="56" dur="1000" fill="hold"/>
-                                        <p:tgtEl>
-                                          <p:spTgt spid="103"/>
-                                        </p:tgtEl>
-                                        <p:attrNameLst>
-                                          <p:attrName>style.visibility</p:attrName>
-                                        </p:attrNameLst>
-                                      </p:cBhvr>
-                                      <p:tavLst>
-                                        <p:tav tm="0">
-                                          <p:val>
-                                            <p:strVal val="hidden"/>
-                                          </p:val>
-                                        </p:tav>
-                                        <p:tav tm="50000">
-                                          <p:val>
-                                            <p:strVal val="visible"/>
-                                          </p:val>
-                                        </p:tav>
-                                      </p:tavLst>
-                                    </p:anim>
-                                  </p:childTnLst>
-                                </p:cTn>
-                              </p:par>
-                            </p:childTnLst>
-                          </p:cTn>
-                        </p:par>
-                      </p:childTnLst>
-                    </p:cTn>
-                  </p:par>
-                  <p:par>
-                    <p:cTn id="57" fill="hold">
-                      <p:stCondLst>
-                        <p:cond delay="indefinite"/>
-                      </p:stCondLst>
-                      <p:childTnLst>
-                        <p:par>
-                          <p:cTn id="58" fill="hold">
-                            <p:stCondLst>
-                              <p:cond delay="0"/>
-                            </p:stCondLst>
-                            <p:childTnLst>
-                              <p:par>
-                                <p:cTn id="59" presetClass="entr" nodeType="clickEffect" presetSubtype="0" presetID="1" grpId="14" fill="hold">
-                                  <p:stCondLst>
-                                    <p:cond delay="0"/>
-                                  </p:stCondLst>
-                                  <p:iterate type="el" backwards="0">
-                                    <p:tmAbs val="0"/>
-                                  </p:iterate>
-                                  <p:childTnLst>
-                                    <p:set>
-                                      <p:cBhvr>
-                                        <p:cTn id="60" fill="hold"/>
-                                        <p:tgtEl>
-                                          <p:spTgt spid="129"/>
-                                        </p:tgtEl>
-                                        <p:attrNameLst>
-                                          <p:attrName>style.visibility</p:attrName>
-                                        </p:attrNameLst>
-                                      </p:cBhvr>
-                                      <p:to>
-                                        <p:strVal val="visible"/>
-                                      </p:to>
-                                    </p:set>
-                                  </p:childTnLst>
-                                </p:cTn>
-                              </p:par>
-                            </p:childTnLst>
-                          </p:cTn>
-                        </p:par>
-                      </p:childTnLst>
-                    </p:cTn>
-                  </p:par>
-                  <p:par>
-                    <p:cTn id="61" fill="hold">
-                      <p:stCondLst>
-                        <p:cond delay="indefinite"/>
-                      </p:stCondLst>
-                      <p:childTnLst>
-                        <p:par>
-                          <p:cTn id="62" fill="hold">
-                            <p:stCondLst>
-                              <p:cond delay="0"/>
-                            </p:stCondLst>
-                            <p:childTnLst>
-                              <p:par>
-                                <p:cTn id="63" presetClass="emph" nodeType="clickEffect" presetSubtype="0" presetID="35" grpId="15" repeatCount="6000" fill="hold">
-                                  <p:stCondLst>
-                                    <p:cond delay="0"/>
-                                  </p:stCondLst>
-                                  <p:childTnLst>
-                                    <p:anim calcmode="discrete" valueType="str">
-                                      <p:cBhvr>
-                                        <p:cTn id="64" dur="1000" fill="hold"/>
-                                        <p:tgtEl>
-                                          <p:spTgt spid="100"/>
-                                        </p:tgtEl>
-                                        <p:attrNameLst>
-                                          <p:attrName>style.visibility</p:attrName>
-                                        </p:attrNameLst>
-                                      </p:cBhvr>
-                                      <p:tavLst>
-                                        <p:tav tm="0">
-                                          <p:val>
-                                            <p:strVal val="hidden"/>
-                                          </p:val>
-                                        </p:tav>
-                                        <p:tav tm="50000">
-                                          <p:val>
-                                            <p:strVal val="visible"/>
-                                          </p:val>
-                                        </p:tav>
-                                      </p:tavLst>
-                                    </p:anim>
-                                  </p:childTnLst>
-                                </p:cTn>
-                              </p:par>
-                            </p:childTnLst>
-                          </p:cTn>
-                        </p:par>
-                      </p:childTnLst>
-                    </p:cTn>
-                  </p:par>
-                  <p:par>
-                    <p:cTn id="65" fill="hold">
-                      <p:stCondLst>
-                        <p:cond delay="indefinite"/>
-                      </p:stCondLst>
-                      <p:childTnLst>
-                        <p:par>
-                          <p:cTn id="66" fill="hold">
-                            <p:stCondLst>
-                              <p:cond delay="0"/>
-                            </p:stCondLst>
-                            <p:childTnLst>
-                              <p:par>
-                                <p:cTn id="67" presetClass="exit" nodeType="clickEffect" presetID="9" grpId="16" fill="hold">
-                                  <p:stCondLst>
-                                    <p:cond delay="0"/>
-                                  </p:stCondLst>
-                                  <p:iterate type="el" backwards="0">
-                                    <p:tmAbs val="0"/>
-                                  </p:iterate>
-                                  <p:childTnLst>
-                                    <p:animEffect filter="dissolve" transition="out">
-                                      <p:cBhvr>
-                                        <p:cTn id="68" dur="500" fill="hold"/>
-                                        <p:tgtEl>
-                                          <p:spTgt spid="100"/>
-                                        </p:tgtEl>
-                                      </p:cBhvr>
-                                    </p:animEffect>
-                                    <p:set>
-                                      <p:cBhvr>
-                                        <p:cTn id="69" fill="hold">
-                                          <p:stCondLst>
-                                            <p:cond delay="499"/>
-                                          </p:stCondLst>
-                                        </p:cTn>
-                                        <p:tgtEl>
-                                          <p:spTgt spid="100"/>
-                                        </p:tgtEl>
-                                        <p:attrNameLst>
-                                          <p:attrName>style.visibility</p:attrName>
-                                        </p:attrNameLst>
-                                      </p:cBhvr>
-                                      <p:to>
-                                        <p:strVal val="hidden"/>
-                                      </p:to>
-                                    </p:set>
-                                  </p:childTnLst>
-                                </p:cTn>
-                              </p:par>
-                            </p:childTnLst>
-                          </p:cTn>
-                        </p:par>
-                      </p:childTnLst>
-                    </p:cTn>
-                  </p:par>
-                  <p:par>
-                    <p:cTn id="70" fill="hold">
-                      <p:stCondLst>
-                        <p:cond delay="indefinite"/>
-                      </p:stCondLst>
-                      <p:childTnLst>
-                        <p:par>
-                          <p:cTn id="71" fill="hold">
-                            <p:stCondLst>
-                              <p:cond delay="0"/>
-                            </p:stCondLst>
-                            <p:childTnLst>
-                              <p:par>
-                                <p:cTn id="72" presetClass="emph" nodeType="clickEffect" presetSubtype="0" presetID="35" grpId="17" repeatCount="6000" fill="hold">
-                                  <p:stCondLst>
-                                    <p:cond delay="0"/>
-                                  </p:stCondLst>
-                                  <p:childTnLst>
-                                    <p:anim calcmode="discrete" valueType="str">
-                                      <p:cBhvr>
-                                        <p:cTn id="73" dur="1000" fill="hold"/>
-                                        <p:tgtEl>
-                                          <p:spTgt spid="106"/>
-                                        </p:tgtEl>
-                                        <p:attrNameLst>
-                                          <p:attrName>style.visibility</p:attrName>
-                                        </p:attrNameLst>
-                                      </p:cBhvr>
-                                      <p:tavLst>
-                                        <p:tav tm="0">
-                                          <p:val>
-                                            <p:strVal val="hidden"/>
-                                          </p:val>
-                                        </p:tav>
-                                        <p:tav tm="50000">
-                                          <p:val>
-                                            <p:strVal val="visible"/>
-                                          </p:val>
-                                        </p:tav>
-                                      </p:tavLst>
-                                    </p:anim>
-                                  </p:childTnLst>
-                                </p:cTn>
-                              </p:par>
-                            </p:childTnLst>
-                          </p:cTn>
-                        </p:par>
-                      </p:childTnLst>
-                    </p:cTn>
-                  </p:par>
-                  <p:par>
-                    <p:cTn id="74" fill="hold">
-                      <p:stCondLst>
-                        <p:cond delay="indefinite"/>
-                      </p:stCondLst>
-                      <p:childTnLst>
-                        <p:par>
-                          <p:cTn id="75" fill="hold">
-                            <p:stCondLst>
-                              <p:cond delay="0"/>
-                            </p:stCondLst>
-                            <p:childTnLst>
-                              <p:par>
-                                <p:cTn id="76" presetClass="exit" nodeType="clickEffect" presetID="9" grpId="18" fill="hold">
-                                  <p:stCondLst>
-                                    <p:cond delay="0"/>
-                                  </p:stCondLst>
-                                  <p:iterate type="el" backwards="0">
-                                    <p:tmAbs val="0"/>
-                                  </p:iterate>
-                                  <p:childTnLst>
-                                    <p:animEffect filter="dissolve" transition="out">
-                                      <p:cBhvr>
-                                        <p:cTn id="77" dur="1000" fill="hold"/>
-                                        <p:tgtEl>
-                                          <p:spTgt spid="106"/>
-                                        </p:tgtEl>
-                                      </p:cBhvr>
-                                    </p:animEffect>
-                                    <p:set>
-                                      <p:cBhvr>
-                                        <p:cTn id="78" fill="hold">
-                                          <p:stCondLst>
-                                            <p:cond delay="999"/>
-                                          </p:stCondLst>
-                                        </p:cTn>
-                                        <p:tgtEl>
-                                          <p:spTgt spid="106"/>
-                                        </p:tgtEl>
-                                        <p:attrNameLst>
-                                          <p:attrName>style.visibility</p:attrName>
-                                        </p:attrNameLst>
-                                      </p:cBhvr>
-                                      <p:to>
-                                        <p:strVal val="hidden"/>
-                                      </p:to>
-                                    </p:set>
-                                  </p:childTnLst>
-                                </p:cTn>
-                              </p:par>
-                            </p:childTnLst>
-                          </p:cTn>
-                        </p:par>
-                      </p:childTnLst>
-                    </p:cTn>
-                  </p:par>
-                  <p:par>
-                    <p:cTn id="79" fill="hold">
-                      <p:stCondLst>
-                        <p:cond delay="indefinite"/>
-                      </p:stCondLst>
-                      <p:childTnLst>
-                        <p:par>
-                          <p:cTn id="80" fill="hold">
-                            <p:stCondLst>
-                              <p:cond delay="0"/>
-                            </p:stCondLst>
-                            <p:childTnLst>
-                              <p:par>
-                                <p:cTn id="81" presetClass="emph" nodeType="clickEffect" presetSubtype="0" presetID="35" grpId="19" repeatCount="4000" fill="hold">
-                                  <p:stCondLst>
-                                    <p:cond delay="0"/>
-                                  </p:stCondLst>
-                                  <p:childTnLst>
-                                    <p:anim calcmode="discrete" valueType="str">
-                                      <p:cBhvr>
-                                        <p:cTn id="82" dur="1000" fill="hold"/>
-                                        <p:tgtEl>
-                                          <p:spTgt spid="105"/>
-                                        </p:tgtEl>
-                                        <p:attrNameLst>
-                                          <p:attrName>style.visibility</p:attrName>
-                                        </p:attrNameLst>
-                                      </p:cBhvr>
-                                      <p:tavLst>
-                                        <p:tav tm="0">
-                                          <p:val>
-                                            <p:strVal val="hidden"/>
-                                          </p:val>
-                                        </p:tav>
-                                        <p:tav tm="50000">
-                                          <p:val>
-                                            <p:strVal val="visible"/>
-                                          </p:val>
-                                        </p:tav>
-                                      </p:tavLst>
-                                    </p:anim>
-                                  </p:childTnLst>
-                                </p:cTn>
-                              </p:par>
-                            </p:childTnLst>
-                          </p:cTn>
-                        </p:par>
-                      </p:childTnLst>
-                    </p:cTn>
-                  </p:par>
-                  <p:par>
-                    <p:cTn id="83" fill="hold">
-                      <p:stCondLst>
-                        <p:cond delay="indefinite"/>
-                      </p:stCondLst>
-                      <p:childTnLst>
-                        <p:par>
-                          <p:cTn id="84" fill="hold">
-                            <p:stCondLst>
-                              <p:cond delay="0"/>
-                            </p:stCondLst>
-                            <p:childTnLst>
-                              <p:par>
-                                <p:cTn id="85" presetClass="entr" nodeType="clickEffect" presetSubtype="0" presetID="1" grpId="20" fill="hold">
-                                  <p:stCondLst>
-                                    <p:cond delay="0"/>
-                                  </p:stCondLst>
-                                  <p:iterate type="el" backwards="0">
-                                    <p:tmAbs val="0"/>
-                                  </p:iterate>
-                                  <p:childTnLst>
-                                    <p:set>
-                                      <p:cBhvr>
-                                        <p:cTn id="86" fill="hold"/>
-                                        <p:tgtEl>
-                                          <p:spTgt spid="130"/>
-                                        </p:tgtEl>
-                                        <p:attrNameLst>
-                                          <p:attrName>style.visibility</p:attrName>
-                                        </p:attrNameLst>
-                                      </p:cBhvr>
-                                      <p:to>
-                                        <p:strVal val="visible"/>
-                                      </p:to>
-                                    </p:set>
-                                  </p:childTnLst>
-                                </p:cTn>
-                              </p:par>
-                            </p:childTnLst>
-                          </p:cTn>
-                        </p:par>
-                      </p:childTnLst>
-                    </p:cTn>
-                  </p:par>
-                  <p:par>
-                    <p:cTn id="87" fill="hold">
-                      <p:stCondLst>
-                        <p:cond delay="indefinite"/>
-                      </p:stCondLst>
-                      <p:childTnLst>
-                        <p:par>
-                          <p:cTn id="88" fill="hold">
-                            <p:stCondLst>
-                              <p:cond delay="0"/>
-                            </p:stCondLst>
-                            <p:childTnLst>
-                              <p:par>
-                                <p:cTn id="89" presetClass="entr" nodeType="clickEffect" presetSubtype="0" presetID="1" grpId="21" fill="hold">
-                                  <p:stCondLst>
-                                    <p:cond delay="0"/>
-                                  </p:stCondLst>
-                                  <p:iterate type="el" backwards="0">
-                                    <p:tmAbs val="0"/>
-                                  </p:iterate>
-                                  <p:childTnLst>
-                                    <p:set>
-                                      <p:cBhvr>
-                                        <p:cTn id="90" fill="hold"/>
-                                        <p:tgtEl>
-                                          <p:spTgt spid="123"/>
-                                        </p:tgtEl>
-                                        <p:attrNameLst>
-                                          <p:attrName>style.visibility</p:attrName>
-                                        </p:attrNameLst>
-                                      </p:cBhvr>
-                                      <p:to>
-                                        <p:strVal val="visible"/>
-                                      </p:to>
-                                    </p:set>
-                                  </p:childTnLst>
-                                </p:cTn>
-                              </p:par>
-                            </p:childTnLst>
-                          </p:cTn>
-                        </p:par>
-                      </p:childTnLst>
-                    </p:cTn>
-                  </p:par>
-                  <p:par>
-                    <p:cTn id="91" fill="hold">
-                      <p:stCondLst>
-                        <p:cond delay="indefinite"/>
-                      </p:stCondLst>
-                      <p:childTnLst>
-                        <p:par>
-                          <p:cTn id="92" fill="hold">
-                            <p:stCondLst>
-                              <p:cond delay="0"/>
-                            </p:stCondLst>
-                            <p:childTnLst>
-                              <p:par>
-                                <p:cTn id="93" presetClass="emph" nodeType="clickEffect" presetSubtype="0" presetID="35" grpId="22" repeatCount="6000" fill="hold">
-                                  <p:stCondLst>
-                                    <p:cond delay="0"/>
-                                  </p:stCondLst>
-                                  <p:childTnLst>
-                                    <p:anim calcmode="discrete" valueType="str">
-                                      <p:cBhvr>
-                                        <p:cTn id="94" dur="1000" fill="hold"/>
-                                        <p:tgtEl>
-                                          <p:spTgt spid="102"/>
-                                        </p:tgtEl>
-                                        <p:attrNameLst>
-                                          <p:attrName>style.visibility</p:attrName>
-                                        </p:attrNameLst>
-                                      </p:cBhvr>
-                                      <p:tavLst>
-                                        <p:tav tm="0">
-                                          <p:val>
-                                            <p:strVal val="hidden"/>
-                                          </p:val>
-                                        </p:tav>
-                                        <p:tav tm="50000">
-                                          <p:val>
-                                            <p:strVal val="visible"/>
-                                          </p:val>
-                                        </p:tav>
-                                      </p:tavLst>
-                                    </p:anim>
-                                  </p:childTnLst>
-                                </p:cTn>
-                              </p:par>
-                            </p:childTnLst>
-                          </p:cTn>
-                        </p:par>
-                      </p:childTnLst>
-                    </p:cTn>
-                  </p:par>
-                  <p:par>
-                    <p:cTn id="95" fill="hold">
-                      <p:stCondLst>
-                        <p:cond delay="indefinite"/>
-                      </p:stCondLst>
-                      <p:childTnLst>
-                        <p:par>
-                          <p:cTn id="96" fill="hold">
-                            <p:stCondLst>
-                              <p:cond delay="0"/>
-                            </p:stCondLst>
-                            <p:childTnLst>
-                              <p:par>
-                                <p:cTn id="97" presetClass="exit" nodeType="clickEffect" presetID="9" grpId="23" fill="hold">
-                                  <p:stCondLst>
-                                    <p:cond delay="0"/>
-                                  </p:stCondLst>
-                                  <p:iterate type="el" backwards="0">
-                                    <p:tmAbs val="0"/>
-                                  </p:iterate>
-                                  <p:childTnLst>
-                                    <p:animEffect filter="dissolve" transition="out">
-                                      <p:cBhvr>
-                                        <p:cTn id="98" dur="1000" fill="hold"/>
-                                        <p:tgtEl>
-                                          <p:spTgt spid="102"/>
-                                        </p:tgtEl>
-                                      </p:cBhvr>
-                                    </p:animEffect>
-                                    <p:set>
-                                      <p:cBhvr>
-                                        <p:cTn id="99" fill="hold">
-                                          <p:stCondLst>
-                                            <p:cond delay="999"/>
-                                          </p:stCondLst>
-                                        </p:cTn>
-                                        <p:tgtEl>
-                                          <p:spTgt spid="102"/>
-                                        </p:tgtEl>
-                                        <p:attrNameLst>
-                                          <p:attrName>style.visibility</p:attrName>
-                                        </p:attrNameLst>
-                                      </p:cBhvr>
-                                      <p:to>
-                                        <p:strVal val="hidden"/>
-                                      </p:to>
-                                    </p:set>
-                                  </p:childTnLst>
-                                </p:cTn>
-                              </p:par>
-                            </p:childTnLst>
-                          </p:cTn>
-                        </p:par>
-                      </p:childTnLst>
-                    </p:cTn>
-                  </p:par>
-                  <p:par>
-                    <p:cTn id="100" fill="hold">
-                      <p:stCondLst>
-                        <p:cond delay="indefinite"/>
-                      </p:stCondLst>
-                      <p:childTnLst>
-                        <p:par>
-                          <p:cTn id="101" fill="hold">
-                            <p:stCondLst>
-                              <p:cond delay="0"/>
-                            </p:stCondLst>
-                            <p:childTnLst>
-                              <p:par>
-                                <p:cTn id="102" presetClass="emph" nodeType="clickEffect" presetSubtype="0" presetID="35" grpId="24" repeatCount="6000" fill="hold">
-                                  <p:stCondLst>
-                                    <p:cond delay="0"/>
-                                  </p:stCondLst>
-                                  <p:childTnLst>
-                                    <p:anim calcmode="discrete" valueType="str">
-                                      <p:cBhvr>
-                                        <p:cTn id="103" dur="1000" fill="hold"/>
-                                        <p:tgtEl>
-                                          <p:spTgt spid="104"/>
-                                        </p:tgtEl>
-                                        <p:attrNameLst>
-                                          <p:attrName>style.visibility</p:attrName>
-                                        </p:attrNameLst>
-                                      </p:cBhvr>
-                                      <p:tavLst>
-                                        <p:tav tm="0">
-                                          <p:val>
-                                            <p:strVal val="hidden"/>
-                                          </p:val>
-                                        </p:tav>
-                                        <p:tav tm="50000">
-                                          <p:val>
-                                            <p:strVal val="visible"/>
-                                          </p:val>
-                                        </p:tav>
-                                      </p:tavLst>
-                                    </p:anim>
-                                  </p:childTnLst>
-                                </p:cTn>
-                              </p:par>
-                            </p:childTnLst>
-                          </p:cTn>
-                        </p:par>
-                      </p:childTnLst>
-                    </p:cTn>
-                  </p:par>
-                  <p:par>
-                    <p:cTn id="104" fill="hold">
-                      <p:stCondLst>
-                        <p:cond delay="indefinite"/>
-                      </p:stCondLst>
-                      <p:childTnLst>
-                        <p:par>
-                          <p:cTn id="105" fill="hold">
-                            <p:stCondLst>
-                              <p:cond delay="0"/>
-                            </p:stCondLst>
-                            <p:childTnLst>
-                              <p:par>
-                                <p:cTn id="106" presetClass="exit" nodeType="clickEffect" presetID="9" grpId="25" fill="hold">
-                                  <p:stCondLst>
-                                    <p:cond delay="0"/>
-                                  </p:stCondLst>
-                                  <p:iterate type="el" backwards="0">
-                                    <p:tmAbs val="0"/>
-                                  </p:iterate>
-                                  <p:childTnLst>
-                                    <p:animEffect filter="dissolve" transition="out">
-                                      <p:cBhvr>
-                                        <p:cTn id="107" dur="1000" fill="hold"/>
-                                        <p:tgtEl>
-                                          <p:spTgt spid="104"/>
-                                        </p:tgtEl>
-                                      </p:cBhvr>
-                                    </p:animEffect>
-                                    <p:set>
-                                      <p:cBhvr>
-                                        <p:cTn id="108" fill="hold">
-                                          <p:stCondLst>
-                                            <p:cond delay="999"/>
-                                          </p:stCondLst>
-                                        </p:cTn>
-                                        <p:tgtEl>
-                                          <p:spTgt spid="104"/>
-                                        </p:tgtEl>
-                                        <p:attrNameLst>
-                                          <p:attrName>style.visibility</p:attrName>
-                                        </p:attrNameLst>
-                                      </p:cBhvr>
-                                      <p:to>
-                                        <p:strVal val="hidden"/>
-                                      </p:to>
-                                    </p:set>
-                                  </p:childTnLst>
-                                </p:cTn>
-                              </p:par>
-                            </p:childTnLst>
-                          </p:cTn>
-                        </p:par>
-                      </p:childTnLst>
-                    </p:cTn>
-                  </p:par>
-                  <p:par>
-                    <p:cTn id="109" fill="hold">
-                      <p:stCondLst>
-                        <p:cond delay="indefinite"/>
-                      </p:stCondLst>
-                      <p:childTnLst>
-                        <p:par>
-                          <p:cTn id="110" fill="hold">
-                            <p:stCondLst>
-                              <p:cond delay="0"/>
-                            </p:stCondLst>
-                            <p:childTnLst>
-                              <p:par>
-                                <p:cTn id="111" presetClass="emph" nodeType="clickEffect" presetSubtype="0" presetID="35" grpId="26" repeatCount="4000" fill="hold">
-                                  <p:stCondLst>
-                                    <p:cond delay="0"/>
-                                  </p:stCondLst>
-                                  <p:childTnLst>
-                                    <p:anim calcmode="discrete" valueType="str">
-                                      <p:cBhvr>
-                                        <p:cTn id="112" dur="1000" fill="hold"/>
-                                        <p:tgtEl>
-                                          <p:spTgt spid="101"/>
-                                        </p:tgtEl>
-                                        <p:attrNameLst>
-                                          <p:attrName>style.visibility</p:attrName>
-                                        </p:attrNameLst>
-                                      </p:cBhvr>
-                                      <p:tavLst>
-                                        <p:tav tm="0">
-                                          <p:val>
-                                            <p:strVal val="hidden"/>
-                                          </p:val>
-                                        </p:tav>
-                                        <p:tav tm="50000">
-                                          <p:val>
-                                            <p:strVal val="visible"/>
-                                          </p:val>
-                                        </p:tav>
-                                      </p:tavLst>
-                                    </p:anim>
-                                  </p:childTnLst>
-                                </p:cTn>
-                              </p:par>
-                            </p:childTnLst>
-                          </p:cTn>
-                        </p:par>
-                      </p:childTnLst>
-                    </p:cTn>
-                  </p:par>
-                  <p:par>
-                    <p:cTn id="113" fill="hold">
-                      <p:stCondLst>
-                        <p:cond delay="indefinite"/>
-                      </p:stCondLst>
-                      <p:childTnLst>
-                        <p:par>
-                          <p:cTn id="114" fill="hold">
-                            <p:stCondLst>
-                              <p:cond delay="0"/>
-                            </p:stCondLst>
-                            <p:childTnLst>
-                              <p:par>
-                                <p:cTn id="115" presetClass="exit" nodeType="clickEffect" presetID="9" grpId="27" fill="hold">
-                                  <p:stCondLst>
-                                    <p:cond delay="0"/>
-                                  </p:stCondLst>
-                                  <p:iterate type="el" backwards="0">
-                                    <p:tmAbs val="0"/>
-                                  </p:iterate>
-                                  <p:childTnLst>
-                                    <p:animEffect filter="dissolve" transition="out">
-                                      <p:cBhvr>
-                                        <p:cTn id="116" dur="1000" fill="hold"/>
-                                        <p:tgtEl>
-                                          <p:spTgt spid="101"/>
-                                        </p:tgtEl>
-                                      </p:cBhvr>
-                                    </p:animEffect>
-                                    <p:set>
-                                      <p:cBhvr>
-                                        <p:cTn id="117" fill="hold">
-                                          <p:stCondLst>
-                                            <p:cond delay="999"/>
-                                          </p:stCondLst>
-                                        </p:cTn>
-                                        <p:tgtEl>
-                                          <p:spTgt spid="101"/>
-                                        </p:tgtEl>
-                                        <p:attrNameLst>
-                                          <p:attrName>style.visibility</p:attrName>
-                                        </p:attrNameLst>
-                                      </p:cBhvr>
-                                      <p:to>
-                                        <p:strVal val="hidden"/>
-                                      </p:to>
-                                    </p:set>
-                                  </p:childTnLst>
-                                </p:cTn>
-                              </p:par>
-                            </p:childTnLst>
-                          </p:cTn>
-                        </p:par>
-                      </p:childTnLst>
-                    </p:cTn>
-                  </p:par>
-                </p:childTnLst>
-              </p:cTn>
-              <p:prevCondLst>
-                <p:cond evt="onPrev">
-                  <p:tgtEl>
-                    <p:sldTgt/>
-                  </p:tgtEl>
-                </p:cond>
-              </p:prevCondLst>
-              <p:nextCondLst>
-                <p:cond evt="onNext">
-                  <p:tgtEl>
-                    <p:sldTgt/>
-                  </p:tgtEl>
-                </p:cond>
-              </p:nextCondLst>
-            </p:seq>
-          </p:childTnLst>
-        </p:cTn>
-      </p:par>
-    </p:tnLst>
-    <p:bldLst>
-      <p:bldP build="whole" bldLvl="1" animBg="1" rev="0" advAuto="0" spid="103" grpId="13"/>
-      <p:bldP build="whole" bldLvl="1" animBg="1" rev="0" advAuto="0" spid="101" grpId="26"/>
-      <p:bldP build="whole" bldLvl="1" animBg="1" rev="0" advAuto="0" spid="101" grpId="27"/>
-      <p:bldP build="whole" bldLvl="1" animBg="1" rev="0" advAuto="0" spid="122" grpId="5"/>
-      <p:bldP build="whole" bldLvl="1" animBg="1" rev="0" advAuto="0" spid="105" grpId="19"/>
-      <p:bldP build="whole" bldLvl="1" animBg="1" rev="0" advAuto="0" spid="107" grpId="2"/>
-      <p:bldP build="whole" bldLvl="1" animBg="1" rev="0" advAuto="0" spid="108" grpId="6"/>
-      <p:bldP build="whole" bldLvl="1" animBg="1" rev="0" advAuto="0" spid="100" grpId="15"/>
-      <p:bldP build="whole" bldLvl="1" animBg="1" rev="0" advAuto="0" spid="128" grpId="11"/>
-      <p:bldP build="whole" bldLvl="1" animBg="1" rev="0" advAuto="0" spid="100" grpId="16"/>
-      <p:bldP build="whole" bldLvl="1" animBg="1" rev="0" advAuto="0" spid="129" grpId="14"/>
-      <p:bldP build="whole" bldLvl="1" animBg="1" rev="0" advAuto="0" spid="125" grpId="8"/>
-      <p:bldP build="whole" bldLvl="1" animBg="1" rev="0" advAuto="0" spid="124" grpId="9"/>
-      <p:bldP build="whole" bldLvl="1" animBg="1" rev="0" advAuto="0" spid="106" grpId="17"/>
-      <p:bldP build="whole" bldLvl="1" animBg="1" rev="0" advAuto="0" spid="106" grpId="18"/>
-      <p:bldP build="whole" bldLvl="1" animBg="1" rev="0" advAuto="0" spid="126" grpId="3"/>
-      <p:bldP build="whole" bldLvl="1" animBg="1" rev="0" advAuto="0" spid="121" grpId="4"/>
-      <p:bldP build="whole" bldLvl="1" animBg="1" rev="0" advAuto="0" spid="127" grpId="7"/>
-      <p:bldP build="whole" bldLvl="1" animBg="1" rev="0" advAuto="0" spid="99" grpId="10"/>
-      <p:bldP build="whole" bldLvl="1" animBg="1" rev="0" advAuto="0" spid="120" grpId="12"/>
-      <p:bldP build="whole" bldLvl="1" animBg="1" rev="0" advAuto="0" spid="130" grpId="20"/>
-      <p:bldP build="whole" bldLvl="1" animBg="1" rev="0" advAuto="0" spid="123" grpId="21"/>
-      <p:bldP build="whole" bldLvl="1" animBg="1" rev="0" advAuto="0" spid="104" grpId="24"/>
-      <p:bldP build="whole" bldLvl="1" animBg="1" rev="0" advAuto="0" spid="104" grpId="25"/>
-      <p:bldP build="p" bldLvl="5" animBg="1" rev="0" advAuto="0" spid="119" grpId="1"/>
-      <p:bldP build="whole" bldLvl="1" animBg="1" rev="0" advAuto="0" spid="102" grpId="22"/>
-      <p:bldP build="whole" bldLvl="1" animBg="1" rev="0" advAuto="0" spid="102" grpId="23"/>
-    </p:bldLst>
-  </p:timing>
-</p:sld>
-</file>
-
-<file path=ppt/slides/slide6.xml><?xml version="1.0" encoding="utf-8"?>
-<p:sld xmlns:a="http://schemas.openxmlformats.org/drawingml/2006/main" xmlns:r="http://schemas.openxmlformats.org/officeDocument/2006/relationships" xmlns:p="http://schemas.openxmlformats.org/presentationml/2006/main" xmlns:m="http://schemas.openxmlformats.org/officeDocument/2006/math" xmlns:a14="http://schemas.microsoft.com/office/drawing/2010/main" showMasterSp="1" showMasterPhAnim="1">
-  <p:cSld>
-    <p:spTree>
-      <p:nvGrpSpPr>
-        <p:cNvPr id="1" name=""/>
-        <p:cNvGrpSpPr/>
-        <p:nvPr/>
-      </p:nvGrpSpPr>
-      <p:grpSpPr>
-        <a:xfrm>
-          <a:off x="0" y="0"/>
-          <a:ext cx="0" cy="0"/>
-          <a:chOff x="0" y="0"/>
-          <a:chExt cx="0" cy="0"/>
-        </a:xfrm>
-      </p:grpSpPr>
-      <p:sp>
-        <p:nvSpPr>
-          <p:cNvPr id="132" name="Analysis of Kruskal’s Algorithm"/>
-          <p:cNvSpPr txBox="1"/>
-          <p:nvPr>
-            <p:ph type="title"/>
-          </p:nvPr>
-        </p:nvSpPr>
-        <p:spPr>
-          <a:prstGeom prst="rect">
-            <a:avLst/>
-          </a:prstGeom>
-        </p:spPr>
-        <p:txBody>
-          <a:bodyPr/>
-          <a:lstStyle/>
-          <a:p>
-            <a:pPr/>
-            <a:r>
-              <a:t>Analysis of Kruskal’s Algorithm</a:t>
-            </a:r>
-          </a:p>
-        </p:txBody>
-      </p:sp>
-      <p:sp>
-        <p:nvSpPr>
-          <p:cNvPr id="133" name="Algorithm looks easier to implement…"/>
-          <p:cNvSpPr txBox="1"/>
-          <p:nvPr>
-            <p:ph type="body" idx="1"/>
-          </p:nvPr>
-        </p:nvSpPr>
-        <p:spPr>
-          <a:prstGeom prst="rect">
-            <a:avLst/>
-          </a:prstGeom>
-        </p:spPr>
-        <p:txBody>
-          <a:bodyPr/>
-          <a:lstStyle/>
-          <a:p>
-            <a:pPr/>
-            <a:r>
-              <a:t>Algorithm looks easier to implement</a:t>
-            </a:r>
-          </a:p>
-          <a:p>
-            <a:pPr lvl="1"/>
-            <a:r>
-              <a:t>Just sort the edge in non-increasing order of weights and consider one edge at a time</a:t>
-            </a:r>
-          </a:p>
-          <a:p>
-            <a:pPr/>
-            <a:r>
-              <a:t>Cycle checking is harder to implement</a:t>
-            </a:r>
-          </a:p>
-          <a:p>
-            <a:pPr lvl="1"/>
-            <a:r>
-              <a:t>A cycle occurs when the added edge connects vertices in the same connected component</a:t>
-            </a:r>
-          </a:p>
-          <a:p>
-            <a:pPr/>
-            <a:r>
-              <a:t>Using Union-Find algorithm to merge the connected components</a:t>
-            </a:r>
-          </a:p>
-          <a:p>
-            <a:pPr/>
-            <a:r>
-              <a:t>Time complexity:</a:t>
-            </a:r>
-          </a:p>
-          <a:p>
-            <a:pPr lvl="1">
-              <a:defRPr>
-                <a:latin typeface="Courier New"/>
-                <a:ea typeface="Courier New"/>
-                <a:cs typeface="Courier New"/>
-                <a:sym typeface="Courier New"/>
-              </a:defRPr>
-            </a:pPr>
-            <a:r>
-              <a:t>O(m*lg m|)</a:t>
-            </a:r>
-            <a:r>
-              <a:rPr>
-                <a:latin typeface="Gill Sans MT"/>
-                <a:ea typeface="Gill Sans MT"/>
-                <a:cs typeface="Gill Sans MT"/>
-                <a:sym typeface="Gill Sans MT"/>
-              </a:rPr>
-              <a:t>, where </a:t>
-            </a:r>
-            <a:r>
-              <a:t>m</a:t>
-            </a:r>
-            <a:r>
-              <a:rPr>
-                <a:latin typeface="Gill Sans MT"/>
-                <a:ea typeface="Gill Sans MT"/>
-                <a:cs typeface="Gill Sans MT"/>
-                <a:sym typeface="Gill Sans MT"/>
-              </a:rPr>
-              <a:t> is number of edges.</a:t>
-            </a:r>
-          </a:p>
-          <a:p>
-            <a:pPr lvl="1"/>
-            <a:r>
-              <a:t>The time spent is mostly on sorting.</a:t>
-            </a:r>
-          </a:p>
-        </p:txBody>
-      </p:sp>
-      <p:sp>
-        <p:nvSpPr>
-          <p:cNvPr id="134" name="Slide Number"/>
-          <p:cNvSpPr txBox="1"/>
-          <p:nvPr>
-            <p:ph type="sldNum" sz="quarter" idx="2"/>
-          </p:nvPr>
-        </p:nvSpPr>
-        <p:spPr>
-          <a:prstGeom prst="rect">
-            <a:avLst/>
-          </a:prstGeom>
-          <a:extLst>
-            <a:ext uri="{C572A759-6A51-4108-AA02-DFA0A04FC94B}">
-              <ma14:wrappingTextBoxFlag xmlns:ma14="http://schemas.microsoft.com/office/mac/drawingml/2011/main" val="1"/>
-            </a:ext>
-          </a:extLst>
-        </p:spPr>
-        <p:txBody>
-          <a:bodyPr/>
-          <a:lstStyle/>
-          <a:p>
-            <a:pPr/>
-            <a:fld id="{86CB4B4D-7CA3-9044-876B-883B54F8677D}" type="slidenum"/>
-          </a:p>
-        </p:txBody>
-      </p:sp>
-      <p:sp>
-        <p:nvSpPr>
-          <p:cNvPr id="135" name="DAA/Greedy Algorithms"/>
-          <p:cNvSpPr txBox="1"/>
-          <p:nvPr/>
-        </p:nvSpPr>
-        <p:spPr>
-          <a:xfrm>
-            <a:off x="423212" y="6963885"/>
-            <a:ext cx="3244911" cy="431552"/>
-          </a:xfrm>
-          <a:prstGeom prst="rect">
-            <a:avLst/>
-          </a:prstGeom>
-          <a:ln w="12700">
-            <a:miter lim="400000"/>
-          </a:ln>
-          <a:extLst>
-            <a:ext uri="{C572A759-6A51-4108-AA02-DFA0A04FC94B}">
-              <ma14:wrappingTextBoxFlag xmlns:ma14="http://schemas.microsoft.com/office/mac/drawingml/2011/main" val="1"/>
-            </a:ext>
-          </a:extLst>
-        </p:spPr>
-        <p:txBody>
-          <a:bodyPr wrap="none" lIns="50800" tIns="50800" rIns="50800" bIns="50800" anchor="ctr">
-            <a:spAutoFit/>
-          </a:bodyPr>
-          <a:lstStyle>
-            <a:lvl1pPr>
-              <a:defRPr sz="2400"/>
-            </a:lvl1pPr>
-          </a:lstStyle>
-          <a:p>
-            <a:pPr/>
-            <a:r>
-              <a:t>DAA/Greedy Algorithms</a:t>
-            </a:r>
-          </a:p>
-        </p:txBody>
-      </p:sp>
-      <p:sp>
-        <p:nvSpPr>
-          <p:cNvPr id="136" name="RPR/"/>
-          <p:cNvSpPr txBox="1"/>
-          <p:nvPr/>
-        </p:nvSpPr>
-        <p:spPr>
-          <a:xfrm>
-            <a:off x="7535212" y="6988206"/>
-            <a:ext cx="705605" cy="382910"/>
-          </a:xfrm>
-          <a:prstGeom prst="rect">
-            <a:avLst/>
-          </a:prstGeom>
-          <a:ln w="12700">
-            <a:miter lim="400000"/>
-          </a:ln>
-          <a:extLst>
-            <a:ext uri="{C572A759-6A51-4108-AA02-DFA0A04FC94B}">
-              <ma14:wrappingTextBoxFlag xmlns:ma14="http://schemas.microsoft.com/office/mac/drawingml/2011/main" val="1"/>
-            </a:ext>
-          </a:extLst>
-        </p:spPr>
-        <p:txBody>
-          <a:bodyPr wrap="none" lIns="50800" tIns="50800" rIns="50800" bIns="50800" anchor="ctr">
-            <a:spAutoFit/>
-          </a:bodyPr>
-          <a:lstStyle>
-            <a:lvl1pPr>
-              <a:defRPr sz="2000"/>
-            </a:lvl1pPr>
-          </a:lstStyle>
-          <a:p>
-            <a:pPr/>
-            <a:r>
-              <a:t>RPR/</a:t>
-            </a:r>
-          </a:p>
-        </p:txBody>
-      </p:sp>
-    </p:spTree>
-  </p:cSld>
-  <p:clrMapOvr>
-    <a:masterClrMapping/>
-  </p:clrMapOvr>
-  <p:transition xmlns:p14="http://schemas.microsoft.com/office/powerpoint/2010/main" spd="med" advClick="1"/>
-  <p:timing>
-    <p:tnLst>
-      <p:par>
-        <p:cTn id="1" nodeType="tmRoot" restart="never" dur="indefinite" fill="hold">
-          <p:childTnLst>
-            <p:seq concurrent="1" prevAc="none" nextAc="seek">
-              <p:cTn id="2" nodeType="mainSeq" dur="indefinite" fill="hold">
-                <p:childTnLst>
-                  <p:par>
-                    <p:cTn id="3" fill="hold">
-                      <p:stCondLst>
-                        <p:cond delay="indefinite"/>
-                      </p:stCondLst>
-                      <p:childTnLst>
-                        <p:par>
-                          <p:cTn id="4" fill="hold">
-                            <p:stCondLst>
-                              <p:cond delay="0"/>
-                            </p:stCondLst>
-                            <p:childTnLst>
-                              <p:par>
-                                <p:cTn id="5" presetClass="entr" nodeType="clickEffect" presetSubtype="0" presetID="1" grpId="1" fill="hold">
-                                  <p:stCondLst>
-                                    <p:cond delay="0"/>
-                                  </p:stCondLst>
-                                  <p:iterate type="el" backwards="0">
-                                    <p:tmAbs val="0"/>
-                                  </p:iterate>
-                                  <p:childTnLst>
-                                    <p:set>
-                                      <p:cBhvr>
-                                        <p:cTn id="6" fill="hold"/>
-                                        <p:tgtEl>
-                                          <p:spTgt spid="133">
-                                            <p:bg/>
-                                          </p:spTgt>
-                                        </p:tgtEl>
-                                        <p:attrNameLst>
-                                          <p:attrName>style.visibility</p:attrName>
-                                        </p:attrNameLst>
-                                      </p:cBhvr>
-                                      <p:to>
-                                        <p:strVal val="visible"/>
-                                      </p:to>
-                                    </p:set>
-                                  </p:childTnLst>
-                                </p:cTn>
-                              </p:par>
-                              <p:par>
-                                <p:cTn id="7" presetClass="entr" nodeType="withEffect" presetSubtype="0" presetID="1" grpId="1" fill="hold">
-                                  <p:stCondLst>
-                                    <p:cond delay="0"/>
-                                  </p:stCondLst>
-                                  <p:iterate type="el" backwards="0">
-                                    <p:tmAbs val="0"/>
-                                  </p:iterate>
-                                  <p:childTnLst>
-                                    <p:set>
-                                      <p:cBhvr>
-                                        <p:cTn id="8" fill="hold"/>
-                                        <p:tgtEl>
-                                          <p:spTgt spid="133">
+                                          <p:spTgt spid="134">
                                             <p:txEl>
                                               <p:pRg st="0" end="0"/>
                                             </p:txEl>
@@ -21127,7 +20098,7 @@
                                       <p:cBhvr>
                                         <p:cTn id="12" fill="hold"/>
                                         <p:tgtEl>
-                                          <p:spTgt spid="133">
+                                          <p:spTgt spid="134">
                                             <p:txEl>
                                               <p:pRg st="1" end="1"/>
                                             </p:txEl>
@@ -21175,7 +20146,7 @@
                                       <p:cBhvr>
                                         <p:cTn id="16" fill="hold"/>
                                         <p:tgtEl>
-                                          <p:spTgt spid="133">
+                                          <p:spTgt spid="134">
                                             <p:txEl>
                                               <p:pRg st="2" end="2"/>
                                             </p:txEl>
@@ -21223,7 +20194,7 @@
                                       <p:cBhvr>
                                         <p:cTn id="20" fill="hold"/>
                                         <p:tgtEl>
-                                          <p:spTgt spid="133">
+                                          <p:spTgt spid="134">
                                             <p:txEl>
                                               <p:pRg st="3" end="3"/>
                                             </p:txEl>
@@ -21271,7 +20242,7 @@
                                       <p:cBhvr>
                                         <p:cTn id="24" fill="hold"/>
                                         <p:tgtEl>
-                                          <p:spTgt spid="133">
+                                          <p:spTgt spid="134">
                                             <p:txEl>
                                               <p:pRg st="4" end="4"/>
                                             </p:txEl>
@@ -21319,7 +20290,7 @@
                                       <p:cBhvr>
                                         <p:cTn id="28" fill="hold"/>
                                         <p:tgtEl>
-                                          <p:spTgt spid="133">
+                                          <p:spTgt spid="134">
                                             <p:txEl>
                                               <p:pRg st="5" end="5"/>
                                             </p:txEl>
@@ -21367,7 +20338,7 @@
                                       <p:cBhvr>
                                         <p:cTn id="32" fill="hold"/>
                                         <p:tgtEl>
-                                          <p:spTgt spid="133">
+                                          <p:spTgt spid="134">
                                             <p:txEl>
                                               <p:pRg st="6" end="6"/>
                                             </p:txEl>
@@ -21415,7 +20386,7 @@
                                       <p:cBhvr>
                                         <p:cTn id="36" fill="hold"/>
                                         <p:tgtEl>
-                                          <p:spTgt spid="133">
+                                          <p:spTgt spid="134">
                                             <p:txEl>
                                               <p:pRg st="7" end="7"/>
                                             </p:txEl>
@@ -21460,7 +20431,7 @@
       </p:par>
     </p:tnLst>
     <p:bldLst>
-      <p:bldP build="p" bldLvl="5" animBg="1" rev="0" advAuto="0" spid="133" grpId="1"/>
+      <p:bldP build="p" bldLvl="5" animBg="1" rev="0" advAuto="0" spid="134" grpId="1"/>
     </p:bldLst>
   </p:timing>
 </p:sld>
@@ -21485,7 +20456,7 @@
       </p:grpSpPr>
       <p:sp>
         <p:nvSpPr>
-          <p:cNvPr id="138" name="Implementation of Kruskal’s Algorithm"/>
+          <p:cNvPr id="139" name="Implementation of Kruskal’s Algorithm"/>
           <p:cNvSpPr txBox="1"/>
           <p:nvPr>
             <p:ph type="title"/>
@@ -21513,7 +20484,7 @@
       </p:sp>
       <p:sp>
         <p:nvSpPr>
-          <p:cNvPr id="139" name="Algo Kruskal(G)…"/>
+          <p:cNvPr id="140" name="Algo Kruskal(G)…"/>
           <p:cNvSpPr txBox="1"/>
           <p:nvPr>
             <p:ph type="body" idx="1"/>
@@ -21967,7 +20938,7 @@
       </p:sp>
       <p:sp>
         <p:nvSpPr>
-          <p:cNvPr id="140" name="Slide Number"/>
+          <p:cNvPr id="141" name="Slide Number"/>
           <p:cNvSpPr txBox="1"/>
           <p:nvPr>
             <p:ph type="sldNum" sz="quarter" idx="2"/>
@@ -21994,7 +20965,7 @@
       </p:sp>
       <p:sp>
         <p:nvSpPr>
-          <p:cNvPr id="141" name="DAA/Greedy Algorithms"/>
+          <p:cNvPr id="142" name="DAA/Greedy Algorithms"/>
           <p:cNvSpPr txBox="1"/>
           <p:nvPr/>
         </p:nvSpPr>
@@ -22034,7 +21005,7 @@
       </p:sp>
       <p:sp>
         <p:nvSpPr>
-          <p:cNvPr id="142" name="RPR/"/>
+          <p:cNvPr id="143" name="RPR/"/>
           <p:cNvSpPr txBox="1"/>
           <p:nvPr/>
         </p:nvSpPr>
@@ -22111,7 +21082,7 @@
                                       <p:cBhvr>
                                         <p:cTn id="6" fill="hold"/>
                                         <p:tgtEl>
-                                          <p:spTgt spid="139">
+                                          <p:spTgt spid="140">
                                             <p:bg/>
                                           </p:spTgt>
                                         </p:tgtEl>
@@ -22139,7 +21110,7 @@
                                       <p:cBhvr>
                                         <p:cTn id="8" fill="hold"/>
                                         <p:tgtEl>
-                                          <p:spTgt spid="139">
+                                          <p:spTgt spid="140">
                                             <p:txEl>
                                               <p:pRg st="0" end="0"/>
                                             </p:txEl>
@@ -22187,7 +21158,7 @@
                                       <p:cBhvr>
                                         <p:cTn id="12" fill="hold"/>
                                         <p:tgtEl>
-                                          <p:spTgt spid="139">
+                                          <p:spTgt spid="140">
                                             <p:txEl>
                                               <p:pRg st="1" end="1"/>
                                             </p:txEl>
@@ -22235,7 +21206,7 @@
                                       <p:cBhvr>
                                         <p:cTn id="16" fill="hold"/>
                                         <p:tgtEl>
-                                          <p:spTgt spid="139">
+                                          <p:spTgt spid="140">
                                             <p:txEl>
                                               <p:pRg st="2" end="2"/>
                                             </p:txEl>
@@ -22283,7 +21254,7 @@
                                       <p:cBhvr>
                                         <p:cTn id="20" fill="hold"/>
                                         <p:tgtEl>
-                                          <p:spTgt spid="139">
+                                          <p:spTgt spid="140">
                                             <p:txEl>
                                               <p:pRg st="3" end="3"/>
                                             </p:txEl>
@@ -22331,7 +21302,7 @@
                                       <p:cBhvr>
                                         <p:cTn id="24" fill="hold"/>
                                         <p:tgtEl>
-                                          <p:spTgt spid="139">
+                                          <p:spTgt spid="140">
                                             <p:txEl>
                                               <p:pRg st="4" end="4"/>
                                             </p:txEl>
@@ -22379,7 +21350,7 @@
                                       <p:cBhvr>
                                         <p:cTn id="28" fill="hold"/>
                                         <p:tgtEl>
-                                          <p:spTgt spid="139">
+                                          <p:spTgt spid="140">
                                             <p:txEl>
                                               <p:pRg st="5" end="5"/>
                                             </p:txEl>
@@ -22427,7 +21398,7 @@
                                       <p:cBhvr>
                                         <p:cTn id="32" fill="hold"/>
                                         <p:tgtEl>
-                                          <p:spTgt spid="139">
+                                          <p:spTgt spid="140">
                                             <p:txEl>
                                               <p:pRg st="6" end="6"/>
                                             </p:txEl>
@@ -22475,7 +21446,7 @@
                                       <p:cBhvr>
                                         <p:cTn id="36" fill="hold"/>
                                         <p:tgtEl>
-                                          <p:spTgt spid="139">
+                                          <p:spTgt spid="140">
                                             <p:txEl>
                                               <p:pRg st="7" end="7"/>
                                             </p:txEl>
@@ -22523,7 +21494,7 @@
                                       <p:cBhvr>
                                         <p:cTn id="40" fill="hold"/>
                                         <p:tgtEl>
-                                          <p:spTgt spid="139">
+                                          <p:spTgt spid="140">
                                             <p:txEl>
                                               <p:pRg st="8" end="8"/>
                                             </p:txEl>
@@ -22571,7 +21542,7 @@
                                       <p:cBhvr>
                                         <p:cTn id="44" fill="hold"/>
                                         <p:tgtEl>
-                                          <p:spTgt spid="139">
+                                          <p:spTgt spid="140">
                                             <p:txEl>
                                               <p:pRg st="9" end="9"/>
                                             </p:txEl>
@@ -22619,7 +21590,7 @@
                                       <p:cBhvr>
                                         <p:cTn id="48" fill="hold"/>
                                         <p:tgtEl>
-                                          <p:spTgt spid="139">
+                                          <p:spTgt spid="140">
                                             <p:txEl>
                                               <p:pRg st="10" end="10"/>
                                             </p:txEl>
@@ -22667,7 +21638,7 @@
                                       <p:cBhvr>
                                         <p:cTn id="52" fill="hold"/>
                                         <p:tgtEl>
-                                          <p:spTgt spid="139">
+                                          <p:spTgt spid="140">
                                             <p:txEl>
                                               <p:pRg st="11" end="11"/>
                                             </p:txEl>
@@ -22715,7 +21686,7 @@
                                       <p:cBhvr>
                                         <p:cTn id="56" fill="hold"/>
                                         <p:tgtEl>
-                                          <p:spTgt spid="139">
+                                          <p:spTgt spid="140">
                                             <p:txEl>
                                               <p:pRg st="12" end="12"/>
                                             </p:txEl>
@@ -22760,7 +21731,7 @@
       </p:par>
     </p:tnLst>
     <p:bldLst>
-      <p:bldP build="p" bldLvl="5" animBg="1" rev="0" advAuto="0" spid="139" grpId="1"/>
+      <p:bldP build="p" bldLvl="5" animBg="1" rev="0" advAuto="0" spid="140" grpId="1"/>
     </p:bldLst>
   </p:timing>
 </p:sld>
@@ -22785,7 +21756,7 @@
       </p:grpSpPr>
       <p:sp>
         <p:nvSpPr>
-          <p:cNvPr id="144" name="Union-Find Approach"/>
+          <p:cNvPr id="145" name="Union-Find Approach"/>
           <p:cNvSpPr txBox="1"/>
           <p:nvPr>
             <p:ph type="title"/>
@@ -22809,7 +21780,7 @@
       </p:sp>
       <p:sp>
         <p:nvSpPr>
-          <p:cNvPr id="145" name="Using set based Union-Find approach…"/>
+          <p:cNvPr id="146" name="Using set based Union-Find approach…"/>
           <p:cNvSpPr txBox="1"/>
           <p:nvPr>
             <p:ph type="body" idx="1"/>
@@ -23031,7 +22002,7 @@
       </p:sp>
       <p:sp>
         <p:nvSpPr>
-          <p:cNvPr id="146" name="Slide Number"/>
+          <p:cNvPr id="147" name="Slide Number"/>
           <p:cNvSpPr txBox="1"/>
           <p:nvPr>
             <p:ph type="sldNum" sz="quarter" idx="2"/>
@@ -23058,7 +22029,7 @@
       </p:sp>
       <p:sp>
         <p:nvSpPr>
-          <p:cNvPr id="147" name="DAA/Greedy Algorithms"/>
+          <p:cNvPr id="148" name="DAA/Greedy Algorithms"/>
           <p:cNvSpPr txBox="1"/>
           <p:nvPr/>
         </p:nvSpPr>
@@ -23098,7 +22069,7 @@
       </p:sp>
       <p:sp>
         <p:nvSpPr>
-          <p:cNvPr id="148" name="RPR/"/>
+          <p:cNvPr id="149" name="RPR/"/>
           <p:cNvSpPr txBox="1"/>
           <p:nvPr/>
         </p:nvSpPr>
@@ -23175,7 +22146,7 @@
                                       <p:cBhvr>
                                         <p:cTn id="6" fill="hold"/>
                                         <p:tgtEl>
-                                          <p:spTgt spid="145">
+                                          <p:spTgt spid="146">
                                             <p:bg/>
                                           </p:spTgt>
                                         </p:tgtEl>
@@ -23203,7 +22174,7 @@
                                       <p:cBhvr>
                                         <p:cTn id="8" fill="hold"/>
                                         <p:tgtEl>
-                                          <p:spTgt spid="145">
+                                          <p:spTgt spid="146">
                                             <p:txEl>
                                               <p:pRg st="0" end="0"/>
                                             </p:txEl>
@@ -23251,7 +22222,7 @@
                                       <p:cBhvr>
                                         <p:cTn id="12" fill="hold"/>
                                         <p:tgtEl>
-                                          <p:spTgt spid="145">
+                                          <p:spTgt spid="146">
                                             <p:txEl>
                                               <p:pRg st="1" end="1"/>
                                             </p:txEl>
@@ -23299,7 +22270,7 @@
                                       <p:cBhvr>
                                         <p:cTn id="16" fill="hold"/>
                                         <p:tgtEl>
-                                          <p:spTgt spid="145">
+                                          <p:spTgt spid="146">
                                             <p:txEl>
                                               <p:pRg st="2" end="2"/>
                                             </p:txEl>
@@ -23347,7 +22318,7 @@
                                       <p:cBhvr>
                                         <p:cTn id="20" fill="hold"/>
                                         <p:tgtEl>
-                                          <p:spTgt spid="145">
+                                          <p:spTgt spid="146">
                                             <p:txEl>
                                               <p:pRg st="3" end="3"/>
                                             </p:txEl>
@@ -23395,7 +22366,7 @@
                                       <p:cBhvr>
                                         <p:cTn id="24" fill="hold"/>
                                         <p:tgtEl>
-                                          <p:spTgt spid="145">
+                                          <p:spTgt spid="146">
                                             <p:txEl>
                                               <p:pRg st="4" end="4"/>
                                             </p:txEl>
@@ -23443,7 +22414,7 @@
                                       <p:cBhvr>
                                         <p:cTn id="28" fill="hold"/>
                                         <p:tgtEl>
-                                          <p:spTgt spid="145">
+                                          <p:spTgt spid="146">
                                             <p:txEl>
                                               <p:pRg st="5" end="5"/>
                                             </p:txEl>
@@ -23491,7 +22462,7 @@
                                       <p:cBhvr>
                                         <p:cTn id="32" fill="hold"/>
                                         <p:tgtEl>
-                                          <p:spTgt spid="145">
+                                          <p:spTgt spid="146">
                                             <p:txEl>
                                               <p:pRg st="6" end="6"/>
                                             </p:txEl>
@@ -23539,7 +22510,7 @@
                                       <p:cBhvr>
                                         <p:cTn id="36" fill="hold"/>
                                         <p:tgtEl>
-                                          <p:spTgt spid="145">
+                                          <p:spTgt spid="146">
                                             <p:txEl>
                                               <p:pRg st="7" end="7"/>
                                             </p:txEl>
@@ -23587,7 +22558,7 @@
                                       <p:cBhvr>
                                         <p:cTn id="40" fill="hold"/>
                                         <p:tgtEl>
-                                          <p:spTgt spid="145">
+                                          <p:spTgt spid="146">
                                             <p:txEl>
                                               <p:pRg st="8" end="8"/>
                                             </p:txEl>
@@ -23635,7 +22606,7 @@
                                       <p:cBhvr>
                                         <p:cTn id="44" fill="hold"/>
                                         <p:tgtEl>
-                                          <p:spTgt spid="145">
+                                          <p:spTgt spid="146">
                                             <p:txEl>
                                               <p:pRg st="9" end="9"/>
                                             </p:txEl>
@@ -23683,7 +22654,7 @@
                                       <p:cBhvr>
                                         <p:cTn id="48" fill="hold"/>
                                         <p:tgtEl>
-                                          <p:spTgt spid="145">
+                                          <p:spTgt spid="146">
                                             <p:txEl>
                                               <p:pRg st="10" end="10"/>
                                             </p:txEl>
@@ -23728,7 +22699,7 @@
       </p:par>
     </p:tnLst>
     <p:bldLst>
-      <p:bldP build="p" bldLvl="5" animBg="1" rev="0" advAuto="0" spid="145" grpId="1"/>
+      <p:bldP build="p" bldLvl="5" animBg="1" rev="0" advAuto="0" spid="146" grpId="1"/>
     </p:bldLst>
   </p:timing>
 </p:sld>
@@ -23753,7 +22724,7 @@
       </p:grpSpPr>
       <p:sp>
         <p:nvSpPr>
-          <p:cNvPr id="150" name="Time Complexity Analysis"/>
+          <p:cNvPr id="151" name="Time Complexity Analysis"/>
           <p:cNvSpPr txBox="1"/>
           <p:nvPr>
             <p:ph type="title"/>
@@ -23777,7 +22748,7 @@
       </p:sp>
       <p:sp>
         <p:nvSpPr>
-          <p:cNvPr id="151" name="Sorting the edges…"/>
+          <p:cNvPr id="152" name="Sorting the edges…"/>
           <p:cNvSpPr txBox="1"/>
           <p:nvPr>
             <p:ph type="body" idx="1"/>
@@ -23906,7 +22877,7 @@
               </a:defRPr>
             </a:pPr>
             <a:r>
-              <a:t>O(|E|lg |E|)+O(|E|lg*|V|)</a:t>
+              <a:t>O(|E|lg |E|) + O(|E|lg*|V|)</a:t>
             </a:r>
           </a:p>
           <a:p>
@@ -23931,7 +22902,7 @@
       </p:sp>
       <p:sp>
         <p:nvSpPr>
-          <p:cNvPr id="152" name="Slide Number"/>
+          <p:cNvPr id="153" name="Slide Number"/>
           <p:cNvSpPr txBox="1"/>
           <p:nvPr>
             <p:ph type="sldNum" sz="quarter" idx="2"/>
@@ -23958,7 +22929,7 @@
       </p:sp>
       <p:sp>
         <p:nvSpPr>
-          <p:cNvPr id="153" name="DAA/Greedy Algorithms"/>
+          <p:cNvPr id="154" name="DAA/Greedy Algorithms"/>
           <p:cNvSpPr txBox="1"/>
           <p:nvPr/>
         </p:nvSpPr>
@@ -23998,7 +22969,7 @@
       </p:sp>
       <p:sp>
         <p:nvSpPr>
-          <p:cNvPr id="154" name="RPR/"/>
+          <p:cNvPr id="155" name="RPR/"/>
           <p:cNvSpPr txBox="1"/>
           <p:nvPr/>
         </p:nvSpPr>
@@ -24075,7 +23046,7 @@
                                       <p:cBhvr>
                                         <p:cTn id="6" fill="hold"/>
                                         <p:tgtEl>
-                                          <p:spTgt spid="151">
+                                          <p:spTgt spid="152">
                                             <p:bg/>
                                           </p:spTgt>
                                         </p:tgtEl>
@@ -24103,7 +23074,7 @@
                                       <p:cBhvr>
                                         <p:cTn id="8" fill="hold"/>
                                         <p:tgtEl>
-                                          <p:spTgt spid="151">
+                                          <p:spTgt spid="152">
                                             <p:txEl>
                                               <p:pRg st="0" end="0"/>
                                             </p:txEl>
@@ -24151,7 +23122,7 @@
                                       <p:cBhvr>
                                         <p:cTn id="12" fill="hold"/>
                                         <p:tgtEl>
-                                          <p:spTgt spid="151">
+                                          <p:spTgt spid="152">
                                             <p:txEl>
                                               <p:pRg st="1" end="1"/>
                                             </p:txEl>
@@ -24199,7 +23170,7 @@
                                       <p:cBhvr>
                                         <p:cTn id="16" fill="hold"/>
                                         <p:tgtEl>
-                                          <p:spTgt spid="151">
+                                          <p:spTgt spid="152">
                                             <p:txEl>
                                               <p:pRg st="2" end="2"/>
                                             </p:txEl>
@@ -24247,7 +23218,7 @@
                                       <p:cBhvr>
                                         <p:cTn id="20" fill="hold"/>
                                         <p:tgtEl>
-                                          <p:spTgt spid="151">
+                                          <p:spTgt spid="152">
                                             <p:txEl>
                                               <p:pRg st="3" end="3"/>
                                             </p:txEl>
@@ -24295,7 +23266,7 @@
                                       <p:cBhvr>
                                         <p:cTn id="24" fill="hold"/>
                                         <p:tgtEl>
-                                          <p:spTgt spid="151">
+                                          <p:spTgt spid="152">
                                             <p:txEl>
                                               <p:pRg st="4" end="4"/>
                                             </p:txEl>
@@ -24343,7 +23314,7 @@
                                       <p:cBhvr>
                                         <p:cTn id="28" fill="hold"/>
                                         <p:tgtEl>
-                                          <p:spTgt spid="151">
+                                          <p:spTgt spid="152">
                                             <p:txEl>
                                               <p:pRg st="5" end="5"/>
                                             </p:txEl>
@@ -24391,7 +23362,7 @@
                                       <p:cBhvr>
                                         <p:cTn id="32" fill="hold"/>
                                         <p:tgtEl>
-                                          <p:spTgt spid="151">
+                                          <p:spTgt spid="152">
                                             <p:txEl>
                                               <p:pRg st="6" end="6"/>
                                             </p:txEl>
@@ -24439,7 +23410,7 @@
                                       <p:cBhvr>
                                         <p:cTn id="36" fill="hold"/>
                                         <p:tgtEl>
-                                          <p:spTgt spid="151">
+                                          <p:spTgt spid="152">
                                             <p:txEl>
                                               <p:pRg st="7" end="7"/>
                                             </p:txEl>
@@ -24487,7 +23458,7 @@
                                       <p:cBhvr>
                                         <p:cTn id="40" fill="hold"/>
                                         <p:tgtEl>
-                                          <p:spTgt spid="151">
+                                          <p:spTgt spid="152">
                                             <p:txEl>
                                               <p:pRg st="8" end="8"/>
                                             </p:txEl>
@@ -24535,7 +23506,7 @@
                                       <p:cBhvr>
                                         <p:cTn id="44" fill="hold"/>
                                         <p:tgtEl>
-                                          <p:spTgt spid="151">
+                                          <p:spTgt spid="152">
                                             <p:txEl>
                                               <p:pRg st="9" end="9"/>
                                             </p:txEl>
@@ -24583,7 +23554,7 @@
                                       <p:cBhvr>
                                         <p:cTn id="48" fill="hold"/>
                                         <p:tgtEl>
-                                          <p:spTgt spid="151">
+                                          <p:spTgt spid="152">
                                             <p:txEl>
                                               <p:pRg st="10" end="10"/>
                                             </p:txEl>
@@ -24628,7 +23599,7 @@
       </p:par>
     </p:tnLst>
     <p:bldLst>
-      <p:bldP build="p" bldLvl="5" animBg="1" rev="0" advAuto="0" spid="151" grpId="1"/>
+      <p:bldP build="p" bldLvl="5" animBg="1" rev="0" advAuto="0" spid="152" grpId="1"/>
     </p:bldLst>
   </p:timing>
 </p:sld>
